--- a/5_Donem_Ders_Notlari/VTYS/Slayt/13.hafta.pptx
+++ b/5_Donem_Ders_Notlari/VTYS/Slayt/13.hafta.pptx
@@ -425,7 +425,7 @@
           <a:p>
             <a:fld id="{A7704912-B115-433C-8876-C7DEF4A8EAB4}" type="datetimeFigureOut">
               <a:rPr lang="tr-TR" smtClean="0"/>
-              <a:t>27.12.2024</a:t>
+              <a:t>12.01.2025</a:t>
             </a:fld>
             <a:endParaRPr lang="tr-TR"/>
           </a:p>
@@ -839,7 +839,7 @@
           <a:p>
             <a:fld id="{A7704912-B115-433C-8876-C7DEF4A8EAB4}" type="datetimeFigureOut">
               <a:rPr lang="tr-TR" smtClean="0"/>
-              <a:t>27.12.2024</a:t>
+              <a:t>12.01.2025</a:t>
             </a:fld>
             <a:endParaRPr lang="tr-TR"/>
           </a:p>
@@ -1175,7 +1175,7 @@
           <a:p>
             <a:fld id="{A7704912-B115-433C-8876-C7DEF4A8EAB4}" type="datetimeFigureOut">
               <a:rPr lang="tr-TR" smtClean="0"/>
-              <a:t>27.12.2024</a:t>
+              <a:t>12.01.2025</a:t>
             </a:fld>
             <a:endParaRPr lang="tr-TR"/>
           </a:p>
@@ -1580,7 +1580,7 @@
           <a:p>
             <a:fld id="{A7704912-B115-433C-8876-C7DEF4A8EAB4}" type="datetimeFigureOut">
               <a:rPr lang="tr-TR" smtClean="0"/>
-              <a:t>27.12.2024</a:t>
+              <a:t>12.01.2025</a:t>
             </a:fld>
             <a:endParaRPr lang="tr-TR"/>
           </a:p>
@@ -2148,7 +2148,7 @@
           <a:p>
             <a:fld id="{A7704912-B115-433C-8876-C7DEF4A8EAB4}" type="datetimeFigureOut">
               <a:rPr lang="tr-TR" smtClean="0"/>
-              <a:t>27.12.2024</a:t>
+              <a:t>12.01.2025</a:t>
             </a:fld>
             <a:endParaRPr lang="tr-TR"/>
           </a:p>
@@ -2829,7 +2829,7 @@
           <a:p>
             <a:fld id="{A7704912-B115-433C-8876-C7DEF4A8EAB4}" type="datetimeFigureOut">
               <a:rPr lang="tr-TR" smtClean="0"/>
-              <a:t>27.12.2024</a:t>
+              <a:t>12.01.2025</a:t>
             </a:fld>
             <a:endParaRPr lang="tr-TR"/>
           </a:p>
@@ -3742,7 +3742,7 @@
           <a:p>
             <a:fld id="{A7704912-B115-433C-8876-C7DEF4A8EAB4}" type="datetimeFigureOut">
               <a:rPr lang="tr-TR" smtClean="0"/>
-              <a:t>27.12.2024</a:t>
+              <a:t>12.01.2025</a:t>
             </a:fld>
             <a:endParaRPr lang="tr-TR"/>
           </a:p>
@@ -4055,7 +4055,7 @@
           <a:p>
             <a:fld id="{A7704912-B115-433C-8876-C7DEF4A8EAB4}" type="datetimeFigureOut">
               <a:rPr lang="tr-TR" smtClean="0"/>
-              <a:t>27.12.2024</a:t>
+              <a:t>12.01.2025</a:t>
             </a:fld>
             <a:endParaRPr lang="tr-TR"/>
           </a:p>
@@ -4319,7 +4319,7 @@
           <a:p>
             <a:fld id="{A7704912-B115-433C-8876-C7DEF4A8EAB4}" type="datetimeFigureOut">
               <a:rPr lang="tr-TR" smtClean="0"/>
-              <a:t>27.12.2024</a:t>
+              <a:t>12.01.2025</a:t>
             </a:fld>
             <a:endParaRPr lang="tr-TR"/>
           </a:p>
@@ -4642,7 +4642,7 @@
           <a:p>
             <a:fld id="{A7704912-B115-433C-8876-C7DEF4A8EAB4}" type="datetimeFigureOut">
               <a:rPr lang="tr-TR" smtClean="0"/>
-              <a:t>27.12.2024</a:t>
+              <a:t>12.01.2025</a:t>
             </a:fld>
             <a:endParaRPr lang="tr-TR"/>
           </a:p>
@@ -5031,7 +5031,7 @@
           <a:p>
             <a:fld id="{A7704912-B115-433C-8876-C7DEF4A8EAB4}" type="datetimeFigureOut">
               <a:rPr lang="tr-TR" smtClean="0"/>
-              <a:t>27.12.2024</a:t>
+              <a:t>12.01.2025</a:t>
             </a:fld>
             <a:endParaRPr lang="tr-TR"/>
           </a:p>
@@ -5407,7 +5407,7 @@
           <a:p>
             <a:fld id="{A7704912-B115-433C-8876-C7DEF4A8EAB4}" type="datetimeFigureOut">
               <a:rPr lang="tr-TR" smtClean="0"/>
-              <a:t>27.12.2024</a:t>
+              <a:t>12.01.2025</a:t>
             </a:fld>
             <a:endParaRPr lang="tr-TR"/>
           </a:p>
@@ -5913,7 +5913,7 @@
           <a:p>
             <a:fld id="{A7704912-B115-433C-8876-C7DEF4A8EAB4}" type="datetimeFigureOut">
               <a:rPr lang="tr-TR" smtClean="0"/>
-              <a:t>27.12.2024</a:t>
+              <a:t>12.01.2025</a:t>
             </a:fld>
             <a:endParaRPr lang="tr-TR"/>
           </a:p>
@@ -6170,7 +6170,7 @@
           <a:p>
             <a:fld id="{A7704912-B115-433C-8876-C7DEF4A8EAB4}" type="datetimeFigureOut">
               <a:rPr lang="tr-TR" smtClean="0"/>
-              <a:t>27.12.2024</a:t>
+              <a:t>12.01.2025</a:t>
             </a:fld>
             <a:endParaRPr lang="tr-TR"/>
           </a:p>
@@ -6333,7 +6333,7 @@
           <a:p>
             <a:fld id="{A7704912-B115-433C-8876-C7DEF4A8EAB4}" type="datetimeFigureOut">
               <a:rPr lang="tr-TR" smtClean="0"/>
-              <a:t>27.12.2024</a:t>
+              <a:t>12.01.2025</a:t>
             </a:fld>
             <a:endParaRPr lang="tr-TR"/>
           </a:p>
@@ -6723,7 +6723,7 @@
           <a:p>
             <a:fld id="{A7704912-B115-433C-8876-C7DEF4A8EAB4}" type="datetimeFigureOut">
               <a:rPr lang="tr-TR" smtClean="0"/>
-              <a:t>27.12.2024</a:t>
+              <a:t>12.01.2025</a:t>
             </a:fld>
             <a:endParaRPr lang="tr-TR"/>
           </a:p>
@@ -7132,7 +7132,7 @@
           <a:p>
             <a:fld id="{A7704912-B115-433C-8876-C7DEF4A8EAB4}" type="datetimeFigureOut">
               <a:rPr lang="tr-TR" smtClean="0"/>
-              <a:t>27.12.2024</a:t>
+              <a:t>12.01.2025</a:t>
             </a:fld>
             <a:endParaRPr lang="tr-TR"/>
           </a:p>
@@ -7376,7 +7376,7 @@
           <a:p>
             <a:fld id="{A7704912-B115-433C-8876-C7DEF4A8EAB4}" type="datetimeFigureOut">
               <a:rPr lang="tr-TR" smtClean="0"/>
-              <a:t>27.12.2024</a:t>
+              <a:t>12.01.2025</a:t>
             </a:fld>
             <a:endParaRPr lang="tr-TR"/>
           </a:p>
@@ -7808,14 +7808,13 @@
           <a:lstStyle/>
           <a:p>
             <a:r>
-              <a:rPr lang="tr-TR" sz="4800" dirty="0" err="1" smtClean="0"/>
+              <a:rPr lang="tr-TR" sz="4800" dirty="0" err="1"/>
               <a:t>Veritabanı</a:t>
             </a:r>
             <a:r>
-              <a:rPr lang="tr-TR" sz="4800" dirty="0" smtClean="0"/>
+              <a:rPr lang="tr-TR" sz="4800" dirty="0"/>
               <a:t> Yönetim Sistemleri</a:t>
             </a:r>
-            <a:endParaRPr lang="tr-TR" sz="4800" dirty="0"/>
           </a:p>
         </p:txBody>
       </p:sp>
@@ -7836,21 +7835,16 @@
           <a:p>
             <a:r>
               <a:rPr lang="tr-TR" dirty="0"/>
-              <a:t> </a:t>
-            </a:r>
-            <a:r>
-              <a:rPr lang="tr-TR" dirty="0" smtClean="0"/>
-              <a:t>1</a:t>
-            </a:r>
-            <a:r>
-              <a:rPr lang="en-US" dirty="0" smtClean="0"/>
+              <a:t> 1</a:t>
+            </a:r>
+            <a:r>
+              <a:rPr lang="en-US" dirty="0"/>
               <a:t>3</a:t>
             </a:r>
             <a:r>
-              <a:rPr lang="tr-TR" dirty="0" smtClean="0"/>
+              <a:rPr lang="tr-TR" dirty="0"/>
               <a:t>.Hafta</a:t>
             </a:r>
-            <a:endParaRPr lang="tr-TR" dirty="0"/>
           </a:p>
         </p:txBody>
       </p:sp>
@@ -7864,13 +7858,6 @@
   <p:clrMapOvr>
     <a:masterClrMapping/>
   </p:clrMapOvr>
-  <p:timing>
-    <p:tnLst>
-      <p:par>
-        <p:cTn id="1" dur="indefinite" restart="never" nodeType="tmRoot"/>
-      </p:par>
-    </p:tnLst>
-  </p:timing>
 </p:sld>
 </file>
 
@@ -7930,68 +7917,56 @@
           <a:lstStyle/>
           <a:p>
             <a:r>
-              <a:rPr lang="tr-TR" dirty="0" smtClean="0"/>
-              <a:t>Fonksiyonları </a:t>
-            </a:r>
-            <a:r>
               <a:rPr lang="tr-TR" dirty="0"/>
-              <a:t>düzenlemek için </a:t>
-            </a:r>
-            <a:r>
-              <a:rPr lang="tr-TR" dirty="0" err="1" smtClean="0"/>
+              <a:t>Fonksiyonları düzenlemek için </a:t>
+            </a:r>
+            <a:r>
+              <a:rPr lang="tr-TR" dirty="0" err="1"/>
               <a:t>Alter</a:t>
             </a:r>
             <a:r>
-              <a:rPr lang="tr-TR" dirty="0" smtClean="0"/>
-              <a:t> </a:t>
-            </a:r>
-            <a:r>
-              <a:rPr lang="tr-TR" dirty="0" err="1" smtClean="0"/>
+              <a:rPr lang="tr-TR" dirty="0"/>
+              <a:t> </a:t>
+            </a:r>
+            <a:r>
+              <a:rPr lang="tr-TR" dirty="0" err="1"/>
               <a:t>Function</a:t>
             </a:r>
             <a:r>
-              <a:rPr lang="tr-TR" dirty="0" smtClean="0"/>
-              <a:t> </a:t>
-            </a:r>
-            <a:r>
-              <a:rPr lang="tr-TR" dirty="0" err="1" smtClean="0"/>
+              <a:rPr lang="tr-TR" dirty="0"/>
+              <a:t> </a:t>
+            </a:r>
+            <a:r>
+              <a:rPr lang="tr-TR" dirty="0" err="1"/>
               <a:t>fonk_ismi</a:t>
             </a:r>
             <a:r>
-              <a:rPr lang="tr-TR" dirty="0" smtClean="0"/>
-              <a:t> </a:t>
-            </a:r>
-            <a:r>
               <a:rPr lang="tr-TR" dirty="0"/>
-              <a:t>ve Silmek için </a:t>
-            </a:r>
-            <a:r>
-              <a:rPr lang="tr-TR" dirty="0" err="1" smtClean="0"/>
+              <a:t> ve Silmek için </a:t>
+            </a:r>
+            <a:r>
+              <a:rPr lang="tr-TR" dirty="0" err="1"/>
               <a:t>Drop</a:t>
             </a:r>
             <a:r>
-              <a:rPr lang="tr-TR" dirty="0" smtClean="0"/>
-              <a:t> </a:t>
-            </a:r>
-            <a:r>
-              <a:rPr lang="tr-TR" dirty="0" err="1" smtClean="0"/>
+              <a:rPr lang="tr-TR" dirty="0"/>
+              <a:t> </a:t>
+            </a:r>
+            <a:r>
+              <a:rPr lang="tr-TR" dirty="0" err="1"/>
               <a:t>Function</a:t>
             </a:r>
             <a:r>
-              <a:rPr lang="tr-TR" dirty="0" smtClean="0"/>
-              <a:t> </a:t>
-            </a:r>
-            <a:r>
-              <a:rPr lang="tr-TR" dirty="0" err="1" smtClean="0"/>
+              <a:rPr lang="tr-TR" dirty="0"/>
+              <a:t> </a:t>
+            </a:r>
+            <a:r>
+              <a:rPr lang="tr-TR" dirty="0" err="1"/>
               <a:t>fonk_ismi</a:t>
             </a:r>
             <a:r>
-              <a:rPr lang="tr-TR" dirty="0" smtClean="0"/>
-              <a:t> </a:t>
-            </a:r>
-            <a:r>
               <a:rPr lang="tr-TR" dirty="0"/>
-              <a:t>komutları kullanılır. </a:t>
+              <a:t> komutları kullanılır. </a:t>
             </a:r>
           </a:p>
           <a:p>
@@ -8129,13 +8104,6 @@
   <p:clrMapOvr>
     <a:masterClrMapping/>
   </p:clrMapOvr>
-  <p:timing>
-    <p:tnLst>
-      <p:par>
-        <p:cTn id="1" dur="indefinite" restart="never" nodeType="tmRoot"/>
-      </p:par>
-    </p:tnLst>
-  </p:timing>
 </p:sld>
 </file>
 
@@ -8172,7 +8140,7 @@
           <a:lstStyle/>
           <a:p>
             <a:r>
-              <a:rPr lang="tr-TR" dirty="0" smtClean="0"/>
+              <a:rPr lang="tr-TR" dirty="0"/>
               <a:t>Tablo sonuçlu Fonksiyonlar</a:t>
             </a:r>
             <a:endParaRPr lang="en-US" dirty="0"/>
@@ -8233,21 +8201,19 @@
               <a:rPr lang="tr-TR" dirty="0"/>
               <a:t>) </a:t>
             </a:r>
-            <a:endParaRPr lang="tr-TR" dirty="0" smtClean="0"/>
           </a:p>
           <a:p>
             <a:pPr marL="0" indent="0">
               <a:buNone/>
             </a:pPr>
             <a:r>
-              <a:rPr lang="tr-TR" dirty="0" err="1" smtClean="0"/>
+              <a:rPr lang="tr-TR" dirty="0" err="1"/>
               <a:t>returns</a:t>
             </a:r>
             <a:r>
-              <a:rPr lang="tr-TR" dirty="0" smtClean="0"/>
+              <a:rPr lang="tr-TR" dirty="0"/>
               <a:t> TABLE</a:t>
             </a:r>
-            <a:endParaRPr lang="tr-TR" dirty="0"/>
           </a:p>
           <a:p>
             <a:pPr marL="0" indent="0">
@@ -8280,18 +8246,17 @@
               <a:buNone/>
             </a:pPr>
             <a:r>
-              <a:rPr lang="tr-TR" dirty="0" smtClean="0"/>
+              <a:rPr lang="tr-TR" dirty="0"/>
               <a:t>	Return </a:t>
             </a:r>
             <a:r>
-              <a:rPr lang="tr-TR" dirty="0" err="1" smtClean="0"/>
+              <a:rPr lang="tr-TR" dirty="0" err="1"/>
               <a:t>select</a:t>
             </a:r>
             <a:r>
-              <a:rPr lang="tr-TR" dirty="0" smtClean="0"/>
+              <a:rPr lang="tr-TR" dirty="0"/>
               <a:t> ifadesi</a:t>
             </a:r>
-            <a:endParaRPr lang="tr-TR" dirty="0"/>
           </a:p>
           <a:p>
             <a:pPr marL="0" indent="0">
@@ -8315,13 +8280,6 @@
   <p:clrMapOvr>
     <a:masterClrMapping/>
   </p:clrMapOvr>
-  <p:timing>
-    <p:tnLst>
-      <p:par>
-        <p:cTn id="1" dur="indefinite" restart="never" nodeType="tmRoot"/>
-      </p:par>
-    </p:tnLst>
-  </p:timing>
 </p:sld>
 </file>
 
@@ -8400,7 +8358,7 @@
         </p:blipFill>
         <p:spPr>
           <a:xfrm>
-            <a:off x="2172551" y="2336873"/>
+            <a:off x="2172551" y="2345838"/>
             <a:ext cx="6629400" cy="2057400"/>
           </a:xfrm>
           <a:prstGeom prst="rect">
@@ -8442,13 +8400,6 @@
   <p:clrMapOvr>
     <a:masterClrMapping/>
   </p:clrMapOvr>
-  <p:timing>
-    <p:tnLst>
-      <p:par>
-        <p:cTn id="1" dur="indefinite" restart="never" nodeType="tmRoot"/>
-      </p:par>
-    </p:tnLst>
-  </p:timing>
 </p:sld>
 </file>
 
@@ -8485,7 +8436,7 @@
           <a:lstStyle/>
           <a:p>
             <a:r>
-              <a:rPr lang="tr-TR" smtClean="0"/>
+              <a:rPr lang="tr-TR"/>
               <a:t>Karşılaştırma</a:t>
             </a:r>
             <a:endParaRPr lang="en-US" dirty="0"/>
@@ -8555,12 +8506,8 @@
           </a:p>
           <a:p>
             <a:r>
-              <a:rPr lang="en-US" dirty="0" smtClean="0"/>
-              <a:t>Stored </a:t>
-            </a:r>
-            <a:r>
               <a:rPr lang="en-US" dirty="0"/>
-              <a:t>Procedure </a:t>
+              <a:t>Stored Procedure </a:t>
             </a:r>
             <a:r>
               <a:rPr lang="en-US" dirty="0" err="1"/>
@@ -8581,11 +8528,11 @@
           </a:p>
           <a:p>
             <a:r>
-              <a:rPr lang="en-US" dirty="0" err="1" smtClean="0"/>
+              <a:rPr lang="en-US" dirty="0" err="1"/>
               <a:t>Transactionları</a:t>
             </a:r>
             <a:r>
-              <a:rPr lang="en-US" dirty="0" smtClean="0"/>
+              <a:rPr lang="en-US" dirty="0"/>
               <a:t> </a:t>
             </a:r>
             <a:r>
@@ -8683,10 +8630,9 @@
               <a:t>kullanamazsınız</a:t>
             </a:r>
             <a:r>
-              <a:rPr lang="en-US" dirty="0" smtClean="0"/>
+              <a:rPr lang="en-US" dirty="0"/>
               <a:t>.</a:t>
             </a:r>
-            <a:endParaRPr lang="en-US" dirty="0"/>
           </a:p>
         </p:txBody>
       </p:sp>
@@ -8880,198 +8826,194 @@
               <a:buNone/>
             </a:pPr>
             <a:r>
-              <a:rPr lang="en-US" sz="2000" b="1" dirty="0" smtClean="0"/>
+              <a:rPr lang="en-US" sz="2000" b="1" dirty="0"/>
               <a:t>Stored Procedure</a:t>
             </a:r>
-            <a:endParaRPr lang="en-US" sz="2000" dirty="0" smtClean="0"/>
-          </a:p>
-          <a:p>
-            <a:r>
-              <a:rPr lang="en-US" sz="2000" dirty="0" smtClean="0"/>
+            <a:endParaRPr lang="en-US" sz="2000" dirty="0"/>
+          </a:p>
+          <a:p>
+            <a:r>
+              <a:rPr lang="en-US" sz="2000" dirty="0"/>
               <a:t>Her zaman </a:t>
             </a:r>
             <a:r>
-              <a:rPr lang="en-US" sz="2000" dirty="0" err="1" smtClean="0"/>
+              <a:rPr lang="en-US" sz="2000" dirty="0" err="1"/>
               <a:t>bir</a:t>
             </a:r>
             <a:r>
-              <a:rPr lang="en-US" sz="2000" dirty="0" smtClean="0"/>
-              <a:t> </a:t>
-            </a:r>
-            <a:r>
-              <a:rPr lang="en-US" sz="2000" dirty="0" err="1" smtClean="0"/>
+              <a:rPr lang="en-US" sz="2000" dirty="0"/>
+              <a:t> </a:t>
+            </a:r>
+            <a:r>
+              <a:rPr lang="en-US" sz="2000" dirty="0" err="1"/>
               <a:t>değer</a:t>
             </a:r>
             <a:r>
-              <a:rPr lang="en-US" sz="2000" dirty="0" smtClean="0"/>
-              <a:t> </a:t>
-            </a:r>
-            <a:r>
-              <a:rPr lang="en-US" sz="2000" dirty="0" err="1" smtClean="0"/>
+              <a:rPr lang="en-US" sz="2000" dirty="0"/>
+              <a:t> </a:t>
+            </a:r>
+            <a:r>
+              <a:rPr lang="en-US" sz="2000" dirty="0" err="1"/>
               <a:t>döndürmek</a:t>
             </a:r>
             <a:r>
-              <a:rPr lang="en-US" sz="2000" dirty="0" smtClean="0"/>
-              <a:t> </a:t>
-            </a:r>
-            <a:r>
-              <a:rPr lang="en-US" sz="2000" dirty="0" err="1" smtClean="0"/>
+              <a:rPr lang="en-US" sz="2000" dirty="0"/>
+              <a:t> </a:t>
+            </a:r>
+            <a:r>
+              <a:rPr lang="en-US" sz="2000" dirty="0" err="1"/>
               <a:t>zorunda</a:t>
             </a:r>
             <a:r>
-              <a:rPr lang="en-US" sz="2000" dirty="0" smtClean="0"/>
-              <a:t> </a:t>
-            </a:r>
-            <a:r>
-              <a:rPr lang="en-US" sz="2000" dirty="0" err="1" smtClean="0"/>
+              <a:rPr lang="en-US" sz="2000" dirty="0"/>
+              <a:t> </a:t>
+            </a:r>
+            <a:r>
+              <a:rPr lang="en-US" sz="2000" dirty="0" err="1"/>
               <a:t>değildir</a:t>
             </a:r>
             <a:r>
-              <a:rPr lang="en-US" sz="2000" dirty="0" smtClean="0"/>
+              <a:rPr lang="en-US" sz="2000" dirty="0"/>
               <a:t>.</a:t>
             </a:r>
           </a:p>
           <a:p>
             <a:r>
-              <a:rPr lang="en-US" sz="2000" dirty="0" err="1" smtClean="0"/>
+              <a:rPr lang="en-US" sz="2000" dirty="0" err="1"/>
               <a:t>Fonksiyon</a:t>
             </a:r>
             <a:r>
-              <a:rPr lang="en-US" sz="2000" dirty="0" smtClean="0"/>
-              <a:t> </a:t>
-            </a:r>
-            <a:r>
-              <a:rPr lang="en-US" sz="2000" dirty="0" err="1" smtClean="0"/>
+              <a:rPr lang="en-US" sz="2000" dirty="0"/>
+              <a:t> </a:t>
+            </a:r>
+            <a:r>
+              <a:rPr lang="en-US" sz="2000" dirty="0" err="1"/>
               <a:t>içinde</a:t>
             </a:r>
             <a:r>
-              <a:rPr lang="en-US" sz="2000" dirty="0" smtClean="0"/>
-              <a:t> </a:t>
-            </a:r>
-            <a:r>
-              <a:rPr lang="en-US" sz="2000" dirty="0" err="1" smtClean="0"/>
+              <a:rPr lang="en-US" sz="2000" dirty="0"/>
+              <a:t> </a:t>
+            </a:r>
+            <a:r>
+              <a:rPr lang="en-US" sz="2000" dirty="0" err="1"/>
               <a:t>çağırılamaz</a:t>
             </a:r>
             <a:r>
-              <a:rPr lang="en-US" sz="2000" dirty="0" smtClean="0"/>
+              <a:rPr lang="en-US" sz="2000" dirty="0"/>
               <a:t>.</a:t>
             </a:r>
           </a:p>
           <a:p>
             <a:r>
-              <a:rPr lang="en-US" sz="2000" dirty="0" smtClean="0"/>
+              <a:rPr lang="en-US" sz="2000" dirty="0"/>
               <a:t>Transaction </a:t>
             </a:r>
             <a:r>
-              <a:rPr lang="en-US" sz="2000" dirty="0" err="1" smtClean="0"/>
+              <a:rPr lang="en-US" sz="2000" dirty="0" err="1"/>
               <a:t>ları</a:t>
             </a:r>
             <a:r>
-              <a:rPr lang="en-US" sz="2000" dirty="0" smtClean="0"/>
-              <a:t> </a:t>
-            </a:r>
-            <a:r>
-              <a:rPr lang="en-US" sz="2000" dirty="0" err="1" smtClean="0"/>
+              <a:rPr lang="en-US" sz="2000" dirty="0"/>
+              <a:t> </a:t>
+            </a:r>
+            <a:r>
+              <a:rPr lang="en-US" sz="2000" dirty="0" err="1"/>
               <a:t>kullanabilirsiniz</a:t>
             </a:r>
             <a:r>
-              <a:rPr lang="en-US" sz="2000" dirty="0" smtClean="0"/>
+              <a:rPr lang="en-US" sz="2000" dirty="0"/>
               <a:t>.</a:t>
             </a:r>
           </a:p>
           <a:p>
             <a:r>
-              <a:rPr lang="en-US" sz="2000" dirty="0" err="1" smtClean="0"/>
+              <a:rPr lang="en-US" sz="2000" dirty="0" err="1"/>
               <a:t>Hata</a:t>
             </a:r>
             <a:r>
-              <a:rPr lang="en-US" sz="2000" dirty="0" smtClean="0"/>
-              <a:t> </a:t>
-            </a:r>
-            <a:r>
-              <a:rPr lang="en-US" sz="2000" dirty="0" err="1" smtClean="0"/>
+              <a:rPr lang="en-US" sz="2000" dirty="0"/>
+              <a:t> </a:t>
+            </a:r>
+            <a:r>
+              <a:rPr lang="en-US" sz="2000" dirty="0" err="1"/>
               <a:t>yakalamak</a:t>
             </a:r>
             <a:r>
-              <a:rPr lang="en-US" sz="2000" dirty="0" smtClean="0"/>
-              <a:t> </a:t>
-            </a:r>
-            <a:r>
-              <a:rPr lang="en-US" sz="2000" dirty="0" err="1" smtClean="0"/>
+              <a:rPr lang="en-US" sz="2000" dirty="0"/>
+              <a:t> </a:t>
+            </a:r>
+            <a:r>
+              <a:rPr lang="en-US" sz="2000" dirty="0" err="1"/>
               <a:t>için</a:t>
             </a:r>
             <a:r>
-              <a:rPr lang="en-US" sz="2000" dirty="0" smtClean="0"/>
+              <a:rPr lang="en-US" sz="2000" dirty="0"/>
               <a:t> "try-catch" </a:t>
             </a:r>
             <a:r>
-              <a:rPr lang="en-US" sz="2000" dirty="0" err="1" smtClean="0"/>
+              <a:rPr lang="en-US" sz="2000" dirty="0" err="1"/>
               <a:t>bloklarını</a:t>
             </a:r>
             <a:r>
-              <a:rPr lang="en-US" sz="2000" dirty="0" smtClean="0"/>
-              <a:t> </a:t>
-            </a:r>
-            <a:r>
-              <a:rPr lang="en-US" sz="2000" dirty="0" err="1" smtClean="0"/>
+              <a:rPr lang="en-US" sz="2000" dirty="0"/>
+              <a:t> </a:t>
+            </a:r>
+            <a:r>
+              <a:rPr lang="en-US" sz="2000" dirty="0" err="1"/>
               <a:t>kullanabilirsiniz</a:t>
             </a:r>
             <a:r>
-              <a:rPr lang="en-US" sz="2000" dirty="0" smtClean="0"/>
+              <a:rPr lang="en-US" sz="2000" dirty="0"/>
               <a:t>.</a:t>
             </a:r>
           </a:p>
           <a:p>
             <a:r>
-              <a:rPr lang="en-US" sz="2000" dirty="0" smtClean="0"/>
+              <a:rPr lang="en-US" sz="2000" dirty="0"/>
               <a:t>SELECT </a:t>
             </a:r>
             <a:r>
-              <a:rPr lang="en-US" sz="2000" dirty="0" err="1" smtClean="0"/>
+              <a:rPr lang="en-US" sz="2000" dirty="0" err="1"/>
               <a:t>sorgusunda</a:t>
             </a:r>
             <a:r>
-              <a:rPr lang="en-US" sz="2000" dirty="0" smtClean="0"/>
-              <a:t> </a:t>
-            </a:r>
-            <a:r>
-              <a:rPr lang="en-US" sz="2000" dirty="0" err="1" smtClean="0"/>
+              <a:rPr lang="en-US" sz="2000" dirty="0"/>
+              <a:t> </a:t>
+            </a:r>
+            <a:r>
+              <a:rPr lang="en-US" sz="2000" dirty="0" err="1"/>
               <a:t>kullanamazsınız</a:t>
             </a:r>
             <a:r>
-              <a:rPr lang="en-US" sz="2000" dirty="0" smtClean="0"/>
+              <a:rPr lang="en-US" sz="2000" dirty="0"/>
               <a:t>.</a:t>
             </a:r>
           </a:p>
           <a:p>
             <a:r>
-              <a:rPr lang="en-US" sz="2000" dirty="0" smtClean="0"/>
+              <a:rPr lang="en-US" sz="2000" dirty="0"/>
               <a:t>Stored Procedure </a:t>
             </a:r>
             <a:r>
-              <a:rPr lang="en-US" sz="2000" dirty="0" err="1" smtClean="0"/>
+              <a:rPr lang="en-US" sz="2000" dirty="0" err="1"/>
               <a:t>içinde</a:t>
             </a:r>
             <a:r>
-              <a:rPr lang="en-US" sz="2000" dirty="0" smtClean="0"/>
+              <a:rPr lang="en-US" sz="2000" dirty="0"/>
               <a:t> INSERT, UPDATE, DELETE </a:t>
             </a:r>
             <a:r>
-              <a:rPr lang="en-US" sz="2000" dirty="0" err="1" smtClean="0"/>
+              <a:rPr lang="en-US" sz="2000" dirty="0" err="1"/>
               <a:t>kullanabilirsiniz</a:t>
             </a:r>
-            <a:endParaRPr lang="en-US" sz="2000" dirty="0" smtClean="0"/>
+            <a:endParaRPr lang="en-US" sz="2000" dirty="0"/>
           </a:p>
           <a:p>
             <a:pPr marL="0" indent="0">
               <a:buNone/>
             </a:pPr>
-            <a:r>
-              <a:rPr lang="en-US" sz="2000" dirty="0" smtClean="0"/>
-              <a:t/>
-            </a:r>
             <a:br>
-              <a:rPr lang="en-US" sz="2000" dirty="0" smtClean="0"/>
+              <a:rPr lang="en-US" sz="2000" dirty="0"/>
             </a:br>
             <a:endParaRPr lang="en-US" sz="2000" dirty="0"/>
           </a:p>
@@ -9123,11 +9065,11 @@
           <a:lstStyle/>
           <a:p>
             <a:r>
-              <a:rPr lang="tr-TR" dirty="0" err="1" smtClean="0"/>
+              <a:rPr lang="tr-TR" dirty="0" err="1"/>
               <a:t>Trigger</a:t>
             </a:r>
             <a:r>
-              <a:rPr lang="tr-TR" dirty="0" smtClean="0"/>
+              <a:rPr lang="tr-TR" dirty="0"/>
               <a:t> (tetikleyiciler)</a:t>
             </a:r>
             <a:endParaRPr lang="en-US" dirty="0"/>
@@ -9151,7 +9093,7 @@
           <a:p>
             <a:pPr algn="just"/>
             <a:r>
-              <a:rPr lang="tr-TR" dirty="0" smtClean="0"/>
+              <a:rPr lang="tr-TR" dirty="0"/>
               <a:t>Sunucu üzerinde herhangi bir işlem gerçekleştirildiğinde başka bir işlemin gerçekleşmesi isteniyorsa kullanılabilir. Bir işlemin başka bir işlemi tetiklemesi diye anlatılabilir. </a:t>
             </a:r>
           </a:p>
@@ -9162,7 +9104,7 @@
           <a:p>
             <a:pPr algn="just"/>
             <a:r>
-              <a:rPr lang="tr-TR" dirty="0" smtClean="0"/>
+              <a:rPr lang="tr-TR" dirty="0"/>
               <a:t>Ayrıca veri bütünlüğünün korunması gereken durumlarda da kullanılır. </a:t>
             </a:r>
           </a:p>
@@ -9173,30 +9115,29 @@
           <a:p>
             <a:pPr algn="just"/>
             <a:r>
-              <a:rPr lang="tr-TR" dirty="0" err="1" smtClean="0"/>
+              <a:rPr lang="tr-TR" dirty="0" err="1"/>
               <a:t>Insert</a:t>
             </a:r>
             <a:r>
-              <a:rPr lang="tr-TR" dirty="0" smtClean="0"/>
+              <a:rPr lang="tr-TR" dirty="0"/>
               <a:t>,</a:t>
             </a:r>
             <a:r>
-              <a:rPr lang="en-US" dirty="0" smtClean="0"/>
-              <a:t> </a:t>
-            </a:r>
-            <a:r>
-              <a:rPr lang="tr-TR" dirty="0" err="1" smtClean="0"/>
+              <a:rPr lang="en-US" dirty="0"/>
+              <a:t> </a:t>
+            </a:r>
+            <a:r>
+              <a:rPr lang="tr-TR" dirty="0" err="1"/>
               <a:t>Delete</a:t>
             </a:r>
             <a:r>
-              <a:rPr lang="tr-TR" dirty="0" smtClean="0"/>
+              <a:rPr lang="tr-TR" dirty="0"/>
               <a:t> ve Update için kullanılır</a:t>
             </a:r>
             <a:r>
-              <a:rPr lang="en-US" dirty="0" smtClean="0"/>
+              <a:rPr lang="en-US" dirty="0"/>
               <a:t>.</a:t>
             </a:r>
-            <a:endParaRPr lang="en-US" dirty="0"/>
           </a:p>
         </p:txBody>
       </p:sp>
@@ -9210,13 +9151,6 @@
   <p:clrMapOvr>
     <a:masterClrMapping/>
   </p:clrMapOvr>
-  <p:timing>
-    <p:tnLst>
-      <p:par>
-        <p:cTn id="1" dur="indefinite" restart="never" nodeType="tmRoot"/>
-      </p:par>
-    </p:tnLst>
-  </p:timing>
 </p:sld>
 </file>
 
@@ -9313,7 +9247,7 @@
               <a:t> </a:t>
             </a:r>
             <a:r>
-              <a:rPr lang="en-US" dirty="0" err="1" smtClean="0"/>
+              <a:rPr lang="en-US" dirty="0" err="1"/>
               <a:t>sildiğimizde</a:t>
             </a:r>
             <a:r>
@@ -9321,19 +9255,19 @@
               <a:t>, </a:t>
             </a:r>
             <a:r>
-              <a:rPr lang="en-US" dirty="0" err="1" smtClean="0"/>
+              <a:rPr lang="en-US" dirty="0" err="1"/>
               <a:t>ba</a:t>
             </a:r>
             <a:r>
-              <a:rPr lang="tr-TR" dirty="0" smtClean="0"/>
+              <a:rPr lang="tr-TR" dirty="0"/>
               <a:t>ş</a:t>
             </a:r>
             <a:r>
-              <a:rPr lang="en-US" dirty="0" err="1" smtClean="0"/>
+              <a:rPr lang="en-US" dirty="0" err="1"/>
               <a:t>ka</a:t>
             </a:r>
             <a:r>
-              <a:rPr lang="en-US" dirty="0" smtClean="0"/>
+              <a:rPr lang="en-US" dirty="0"/>
               <a:t> </a:t>
             </a:r>
             <a:r>
@@ -9441,11 +9375,11 @@
               <a:t> </a:t>
             </a:r>
             <a:r>
-              <a:rPr lang="en-US" dirty="0" err="1" smtClean="0"/>
+              <a:rPr lang="en-US" dirty="0" err="1"/>
               <a:t>başka</a:t>
             </a:r>
             <a:r>
-              <a:rPr lang="en-US" dirty="0" smtClean="0"/>
+              <a:rPr lang="en-US" dirty="0"/>
               <a:t> </a:t>
             </a:r>
             <a:r>
@@ -9533,13 +9467,6 @@
   <p:clrMapOvr>
     <a:masterClrMapping/>
   </p:clrMapOvr>
-  <p:timing>
-    <p:tnLst>
-      <p:par>
-        <p:cTn id="1" dur="indefinite" restart="never" nodeType="tmRoot"/>
-      </p:par>
-    </p:tnLst>
-  </p:timing>
 </p:sld>
 </file>
 
@@ -9604,69 +9531,69 @@
           <a:p>
             <a:pPr algn="just"/>
             <a:r>
-              <a:rPr lang="tr-TR" dirty="0" smtClean="0"/>
+              <a:rPr lang="tr-TR" dirty="0"/>
               <a:t>Tetikleyicilerin gerçekleştirdikleri işleme </a:t>
             </a:r>
             <a:r>
-              <a:rPr lang="tr-TR" dirty="0" err="1" smtClean="0"/>
+              <a:rPr lang="tr-TR" dirty="0" err="1"/>
               <a:t>transaction</a:t>
             </a:r>
             <a:r>
-              <a:rPr lang="tr-TR" dirty="0" smtClean="0"/>
+              <a:rPr lang="tr-TR" dirty="0"/>
               <a:t> denmektedir. Tetikleyiciler devreye girdiklerinde gerçekleştirilen işlemi kontrol ederek onaylanabilir ya da geri alınmasını sağlayabilir. </a:t>
             </a:r>
           </a:p>
           <a:p>
             <a:pPr algn="just"/>
             <a:r>
-              <a:rPr lang="tr-TR" dirty="0" err="1" smtClean="0"/>
+              <a:rPr lang="tr-TR" dirty="0" err="1"/>
               <a:t>Commit</a:t>
             </a:r>
             <a:r>
-              <a:rPr lang="tr-TR" dirty="0" smtClean="0"/>
+              <a:rPr lang="tr-TR" dirty="0"/>
               <a:t>: Oluşturulan işlem başarılı bir şekilde gerçekleşirse yapılan işlemlerin </a:t>
             </a:r>
             <a:r>
-              <a:rPr lang="tr-TR" dirty="0" err="1" smtClean="0"/>
+              <a:rPr lang="tr-TR" dirty="0" err="1"/>
               <a:t>veritabanı</a:t>
             </a:r>
             <a:r>
-              <a:rPr lang="tr-TR" dirty="0" smtClean="0"/>
+              <a:rPr lang="tr-TR" dirty="0"/>
               <a:t> üzerinde kalıcı hale getirilmesidir. (</a:t>
             </a:r>
             <a:r>
-              <a:rPr lang="tr-TR" dirty="0" err="1" smtClean="0"/>
+              <a:rPr lang="tr-TR" dirty="0" err="1"/>
               <a:t>Commitin</a:t>
             </a:r>
             <a:r>
-              <a:rPr lang="tr-TR" dirty="0" smtClean="0"/>
+              <a:rPr lang="tr-TR" dirty="0"/>
               <a:t> özellikle belirtilmesine gerek yoktur, geri alınmadığı sürece </a:t>
             </a:r>
             <a:r>
-              <a:rPr lang="tr-TR" dirty="0" err="1" smtClean="0"/>
+              <a:rPr lang="tr-TR" dirty="0" err="1"/>
               <a:t>commit</a:t>
             </a:r>
             <a:r>
-              <a:rPr lang="tr-TR" dirty="0" smtClean="0"/>
+              <a:rPr lang="tr-TR" dirty="0"/>
               <a:t> yapılır.)</a:t>
             </a:r>
           </a:p>
           <a:p>
             <a:pPr algn="just"/>
             <a:r>
-              <a:rPr lang="tr-TR" dirty="0" err="1" smtClean="0"/>
+              <a:rPr lang="tr-TR" dirty="0" err="1"/>
               <a:t>Rollback</a:t>
             </a:r>
             <a:r>
-              <a:rPr lang="tr-TR" dirty="0" smtClean="0"/>
+              <a:rPr lang="tr-TR" dirty="0"/>
               <a:t>: İşlem içerisindeki </a:t>
             </a:r>
             <a:r>
-              <a:rPr lang="tr-TR" dirty="0" err="1" smtClean="0"/>
+              <a:rPr lang="tr-TR" dirty="0" err="1"/>
               <a:t>sql</a:t>
             </a:r>
             <a:r>
-              <a:rPr lang="tr-TR" dirty="0" smtClean="0"/>
+              <a:rPr lang="tr-TR" dirty="0"/>
               <a:t> ifadelerinden oluşan bir yanlışlığın geri alınmasını sağlar. Veriler ilk haline geri getirilir.</a:t>
             </a:r>
             <a:endParaRPr lang="en-US" dirty="0"/>
@@ -9683,13 +9610,6 @@
   <p:clrMapOvr>
     <a:masterClrMapping/>
   </p:clrMapOvr>
-  <p:timing>
-    <p:tnLst>
-      <p:par>
-        <p:cTn id="1" dur="indefinite" restart="never" nodeType="tmRoot"/>
-      </p:par>
-    </p:tnLst>
-  </p:timing>
 </p:sld>
 </file>
 
@@ -9726,7 +9646,7 @@
           <a:lstStyle/>
           <a:p>
             <a:r>
-              <a:rPr lang="tr-TR" dirty="0" smtClean="0"/>
+              <a:rPr lang="tr-TR" dirty="0"/>
               <a:t>Tetikleyici Türleri</a:t>
             </a:r>
             <a:endParaRPr lang="en-US" dirty="0"/>
@@ -9750,47 +9670,47 @@
           <a:p>
             <a:pPr algn="just"/>
             <a:r>
-              <a:rPr lang="tr-TR" dirty="0" smtClean="0"/>
+              <a:rPr lang="tr-TR" dirty="0"/>
               <a:t>DDL (Data Definition Language) Tetikleyiciler: </a:t>
             </a:r>
             <a:r>
-              <a:rPr lang="tr-TR" dirty="0" err="1" smtClean="0"/>
+              <a:rPr lang="tr-TR" dirty="0" err="1"/>
               <a:t>Create</a:t>
             </a:r>
             <a:r>
-              <a:rPr lang="tr-TR" dirty="0" smtClean="0"/>
+              <a:rPr lang="tr-TR" dirty="0"/>
               <a:t>, </a:t>
             </a:r>
             <a:r>
-              <a:rPr lang="en-US" dirty="0" smtClean="0"/>
+              <a:rPr lang="en-US" dirty="0"/>
               <a:t>A</a:t>
             </a:r>
             <a:r>
-              <a:rPr lang="tr-TR" dirty="0" err="1" smtClean="0"/>
+              <a:rPr lang="tr-TR" dirty="0" err="1"/>
               <a:t>lter</a:t>
             </a:r>
             <a:r>
-              <a:rPr lang="tr-TR" dirty="0" smtClean="0"/>
+              <a:rPr lang="tr-TR" dirty="0"/>
               <a:t> ve </a:t>
             </a:r>
             <a:r>
-              <a:rPr lang="en-US" dirty="0" smtClean="0"/>
+              <a:rPr lang="en-US" dirty="0"/>
               <a:t>D</a:t>
             </a:r>
             <a:r>
-              <a:rPr lang="tr-TR" dirty="0" smtClean="0"/>
+              <a:rPr lang="tr-TR" dirty="0"/>
               <a:t>rop komutlarıyla devreye giren tetikleyicilerdir. SQL ifadesi gerçekleştirildikten sonra devreye girerler.</a:t>
             </a:r>
             <a:r>
-              <a:rPr lang="en-US" dirty="0" smtClean="0"/>
-              <a:t> </a:t>
-            </a:r>
-            <a:r>
-              <a:rPr lang="tr-TR" dirty="0" err="1" smtClean="0"/>
+              <a:rPr lang="en-US" dirty="0"/>
+              <a:t> </a:t>
+            </a:r>
+            <a:r>
+              <a:rPr lang="tr-TR" dirty="0" err="1"/>
               <a:t>Rollback</a:t>
             </a:r>
             <a:r>
-              <a:rPr lang="tr-TR" dirty="0" smtClean="0"/>
+              <a:rPr lang="tr-TR" dirty="0"/>
               <a:t> ile geri alınabilir. </a:t>
             </a:r>
           </a:p>
@@ -9801,23 +9721,23 @@
           <a:p>
             <a:pPr algn="just"/>
             <a:r>
-              <a:rPr lang="tr-TR" dirty="0" smtClean="0"/>
+              <a:rPr lang="tr-TR" dirty="0"/>
               <a:t>ALL server parametresi ile tüm sunucu üzerinde gerçekleştirilen değişimlere veya Database parametresi ile sadece belirtilen</a:t>
             </a:r>
             <a:r>
-              <a:rPr lang="en-US" dirty="0" smtClean="0"/>
-              <a:t> </a:t>
-            </a:r>
-            <a:r>
-              <a:rPr lang="tr-TR" dirty="0" smtClean="0"/>
+              <a:rPr lang="en-US" dirty="0"/>
+              <a:t> </a:t>
+            </a:r>
+            <a:r>
+              <a:rPr lang="tr-TR" dirty="0"/>
               <a:t>(aktif olan) </a:t>
             </a:r>
             <a:r>
-              <a:rPr lang="tr-TR" dirty="0" err="1" smtClean="0"/>
+              <a:rPr lang="tr-TR" dirty="0" err="1"/>
               <a:t>veritabanı</a:t>
             </a:r>
             <a:r>
-              <a:rPr lang="tr-TR" dirty="0" smtClean="0"/>
+              <a:rPr lang="tr-TR" dirty="0"/>
               <a:t> üzerinde işlemler yapabilir. </a:t>
             </a:r>
             <a:endParaRPr lang="en-US" dirty="0"/>
@@ -9834,13 +9754,6 @@
   <p:clrMapOvr>
     <a:masterClrMapping/>
   </p:clrMapOvr>
-  <p:timing>
-    <p:tnLst>
-      <p:par>
-        <p:cTn id="1" dur="indefinite" restart="never" nodeType="tmRoot"/>
-      </p:par>
-    </p:tnLst>
-  </p:timing>
 </p:sld>
 </file>
 
@@ -9907,49 +9820,49 @@
               <a:buNone/>
             </a:pPr>
             <a:r>
-              <a:rPr lang="tr-TR" dirty="0" err="1" smtClean="0"/>
+              <a:rPr lang="tr-TR" dirty="0" err="1"/>
               <a:t>Create</a:t>
             </a:r>
             <a:r>
-              <a:rPr lang="tr-TR" dirty="0" smtClean="0"/>
-              <a:t> </a:t>
-            </a:r>
-            <a:r>
-              <a:rPr lang="tr-TR" dirty="0" err="1" smtClean="0"/>
+              <a:rPr lang="tr-TR" dirty="0"/>
+              <a:t> </a:t>
+            </a:r>
+            <a:r>
+              <a:rPr lang="tr-TR" dirty="0" err="1"/>
               <a:t>Trigger</a:t>
             </a:r>
             <a:r>
-              <a:rPr lang="tr-TR" dirty="0" smtClean="0"/>
-              <a:t> </a:t>
-            </a:r>
-            <a:r>
-              <a:rPr lang="tr-TR" dirty="0" err="1" smtClean="0"/>
+              <a:rPr lang="tr-TR" dirty="0"/>
+              <a:t> </a:t>
+            </a:r>
+            <a:r>
+              <a:rPr lang="tr-TR" dirty="0" err="1"/>
               <a:t>tetikleyici_ismi</a:t>
             </a:r>
-            <a:endParaRPr lang="tr-TR" dirty="0" smtClean="0"/>
+            <a:endParaRPr lang="tr-TR" dirty="0"/>
           </a:p>
           <a:p>
             <a:pPr marL="457200" lvl="1" indent="0">
               <a:buNone/>
             </a:pPr>
             <a:r>
-              <a:rPr lang="tr-TR" dirty="0" smtClean="0"/>
+              <a:rPr lang="tr-TR" dirty="0"/>
               <a:t>On {</a:t>
             </a:r>
             <a:r>
-              <a:rPr lang="tr-TR" dirty="0" err="1" smtClean="0"/>
+              <a:rPr lang="tr-TR" dirty="0" err="1"/>
               <a:t>all</a:t>
             </a:r>
             <a:r>
-              <a:rPr lang="tr-TR" dirty="0" smtClean="0"/>
-              <a:t> </a:t>
-            </a:r>
-            <a:r>
-              <a:rPr lang="tr-TR" dirty="0" err="1" smtClean="0"/>
+              <a:rPr lang="tr-TR" dirty="0"/>
+              <a:t> </a:t>
+            </a:r>
+            <a:r>
+              <a:rPr lang="tr-TR" dirty="0" err="1"/>
               <a:t>server|database</a:t>
             </a:r>
             <a:r>
-              <a:rPr lang="tr-TR" dirty="0" smtClean="0"/>
+              <a:rPr lang="tr-TR" dirty="0"/>
               <a:t>}</a:t>
             </a:r>
           </a:p>
@@ -9958,23 +9871,23 @@
               <a:buNone/>
             </a:pPr>
             <a:r>
-              <a:rPr lang="tr-TR" dirty="0" smtClean="0"/>
+              <a:rPr lang="tr-TR" dirty="0"/>
               <a:t>[</a:t>
             </a:r>
             <a:r>
-              <a:rPr lang="tr-TR" dirty="0" err="1" smtClean="0"/>
+              <a:rPr lang="tr-TR" dirty="0" err="1"/>
               <a:t>with</a:t>
             </a:r>
             <a:r>
-              <a:rPr lang="tr-TR" dirty="0" smtClean="0"/>
-              <a:t> </a:t>
-            </a:r>
-            <a:r>
-              <a:rPr lang="tr-TR" dirty="0" err="1" smtClean="0"/>
+              <a:rPr lang="tr-TR" dirty="0"/>
+              <a:t> </a:t>
+            </a:r>
+            <a:r>
+              <a:rPr lang="tr-TR" dirty="0" err="1"/>
               <a:t>encryption</a:t>
             </a:r>
             <a:r>
-              <a:rPr lang="tr-TR" dirty="0" smtClean="0"/>
+              <a:rPr lang="tr-TR" dirty="0"/>
               <a:t>]</a:t>
             </a:r>
           </a:p>
@@ -9983,15 +9896,15 @@
               <a:buNone/>
             </a:pPr>
             <a:r>
-              <a:rPr lang="tr-TR" dirty="0" smtClean="0"/>
+              <a:rPr lang="tr-TR" dirty="0"/>
               <a:t>{</a:t>
             </a:r>
             <a:r>
-              <a:rPr lang="tr-TR" dirty="0" err="1" smtClean="0"/>
+              <a:rPr lang="tr-TR" dirty="0" err="1"/>
               <a:t>for|after</a:t>
             </a:r>
             <a:r>
-              <a:rPr lang="tr-TR" dirty="0" smtClean="0"/>
+              <a:rPr lang="tr-TR" dirty="0"/>
               <a:t>}</a:t>
             </a:r>
           </a:p>
@@ -10000,15 +9913,15 @@
               <a:buNone/>
             </a:pPr>
             <a:r>
-              <a:rPr lang="tr-TR" dirty="0" smtClean="0"/>
+              <a:rPr lang="tr-TR" dirty="0"/>
               <a:t>{</a:t>
             </a:r>
             <a:r>
-              <a:rPr lang="tr-TR" dirty="0" err="1" smtClean="0"/>
+              <a:rPr lang="tr-TR" dirty="0" err="1"/>
               <a:t>create,alter,drop,grant,deny,revoke</a:t>
             </a:r>
             <a:r>
-              <a:rPr lang="tr-TR" dirty="0" smtClean="0"/>
+              <a:rPr lang="tr-TR" dirty="0"/>
               <a:t>}</a:t>
             </a:r>
           </a:p>
@@ -10017,15 +9930,15 @@
               <a:buNone/>
             </a:pPr>
             <a:r>
-              <a:rPr lang="tr-TR" dirty="0" smtClean="0"/>
+              <a:rPr lang="tr-TR" dirty="0"/>
               <a:t>As {</a:t>
             </a:r>
             <a:r>
-              <a:rPr lang="tr-TR" dirty="0" err="1" smtClean="0"/>
+              <a:rPr lang="tr-TR" dirty="0" err="1"/>
               <a:t>sql</a:t>
             </a:r>
             <a:r>
-              <a:rPr lang="tr-TR" dirty="0" smtClean="0"/>
+              <a:rPr lang="tr-TR" dirty="0"/>
               <a:t> ifadesi}</a:t>
             </a:r>
             <a:endParaRPr lang="en-US" dirty="0"/>
@@ -10042,13 +9955,6 @@
   <p:clrMapOvr>
     <a:masterClrMapping/>
   </p:clrMapOvr>
-  <p:timing>
-    <p:tnLst>
-      <p:par>
-        <p:cTn id="1" dur="indefinite" restart="never" nodeType="tmRoot"/>
-      </p:par>
-    </p:tnLst>
-  </p:timing>
 </p:sld>
 </file>
 
@@ -10085,26 +9991,25 @@
           <a:lstStyle/>
           <a:p>
             <a:r>
-              <a:rPr lang="tr-TR" dirty="0" smtClean="0"/>
+              <a:rPr lang="tr-TR" dirty="0"/>
               <a:t>Saklı Yordamlar (</a:t>
             </a:r>
             <a:r>
-              <a:rPr lang="tr-TR" dirty="0" err="1" smtClean="0"/>
+              <a:rPr lang="tr-TR" dirty="0" err="1"/>
               <a:t>Stored</a:t>
             </a:r>
             <a:r>
-              <a:rPr lang="tr-TR" dirty="0" smtClean="0"/>
-              <a:t> </a:t>
-            </a:r>
-            <a:r>
-              <a:rPr lang="tr-TR" dirty="0" err="1" smtClean="0"/>
+              <a:rPr lang="tr-TR" dirty="0"/>
+              <a:t> </a:t>
+            </a:r>
+            <a:r>
+              <a:rPr lang="tr-TR" dirty="0" err="1"/>
               <a:t>Procedure</a:t>
             </a:r>
             <a:r>
-              <a:rPr lang="tr-TR" dirty="0" smtClean="0"/>
+              <a:rPr lang="tr-TR" dirty="0"/>
               <a:t>)</a:t>
             </a:r>
-            <a:endParaRPr lang="tr-TR" dirty="0"/>
           </a:p>
         </p:txBody>
       </p:sp>
@@ -10127,60 +10032,59 @@
           <a:p>
             <a:pPr algn="just"/>
             <a:r>
-              <a:rPr lang="tr-TR" dirty="0" smtClean="0"/>
+              <a:rPr lang="tr-TR" dirty="0"/>
               <a:t>SQL Server ortamında sorgulamalar yapmak için oluşturulan derlenmiş T-SQL ifadeleridir. Belirli bir görevi gerçekleştirmek için oluşturulurlar. Değişken tanımlama, döngü, koşullu ifadeler gibi yapılar kullanılabilir.</a:t>
             </a:r>
           </a:p>
           <a:p>
             <a:pPr lvl="1" algn="just"/>
             <a:r>
-              <a:rPr lang="tr-TR" dirty="0" smtClean="0"/>
+              <a:rPr lang="tr-TR" dirty="0"/>
               <a:t>Bir kere derlenir ve sonrasında derlenmeden çalıştırılabilir.(SQL ifadeleri her defasında tekrar derlenir.)</a:t>
             </a:r>
           </a:p>
           <a:p>
             <a:pPr lvl="1" algn="just"/>
             <a:r>
-              <a:rPr lang="tr-TR" dirty="0" smtClean="0"/>
+              <a:rPr lang="tr-TR" dirty="0"/>
               <a:t>Uzun </a:t>
             </a:r>
             <a:r>
-              <a:rPr lang="tr-TR" dirty="0" err="1" smtClean="0"/>
+              <a:rPr lang="tr-TR" dirty="0" err="1"/>
               <a:t>sql</a:t>
             </a:r>
             <a:r>
-              <a:rPr lang="tr-TR" dirty="0" smtClean="0"/>
+              <a:rPr lang="tr-TR" dirty="0"/>
               <a:t> ifadeleri yerine tek satırlık SP ifadeleri ağ trafiğinin azaltılmasını ve dolayısıyla daha az bant genişliğine ihtiyaç duyar.</a:t>
             </a:r>
           </a:p>
           <a:p>
             <a:pPr lvl="1" algn="just"/>
             <a:r>
-              <a:rPr lang="tr-TR" dirty="0" smtClean="0"/>
+              <a:rPr lang="tr-TR" dirty="0"/>
               <a:t>Çok kullanıcı sistemler için kullanılabilir.</a:t>
             </a:r>
           </a:p>
           <a:p>
             <a:pPr lvl="1" algn="just"/>
             <a:r>
-              <a:rPr lang="tr-TR" dirty="0" smtClean="0"/>
+              <a:rPr lang="tr-TR" dirty="0"/>
               <a:t>Güncellenebilir.</a:t>
             </a:r>
           </a:p>
           <a:p>
             <a:pPr lvl="1" algn="just"/>
             <a:r>
-              <a:rPr lang="tr-TR" dirty="0" smtClean="0"/>
+              <a:rPr lang="tr-TR" dirty="0"/>
               <a:t>Kilitlenmelerin azalmasına yardımcı olur. </a:t>
             </a:r>
           </a:p>
           <a:p>
             <a:pPr lvl="1" algn="just"/>
             <a:r>
-              <a:rPr lang="tr-TR" dirty="0" smtClean="0"/>
+              <a:rPr lang="tr-TR" dirty="0"/>
               <a:t>Açık SQL ifadelerine göre daha güvenlidir.</a:t>
             </a:r>
-            <a:endParaRPr lang="tr-TR" dirty="0"/>
           </a:p>
         </p:txBody>
       </p:sp>
@@ -10299,13 +10203,6 @@
   <p:clrMapOvr>
     <a:masterClrMapping/>
   </p:clrMapOvr>
-  <p:timing>
-    <p:tnLst>
-      <p:par>
-        <p:cTn id="1" dur="indefinite" restart="never" nodeType="tmRoot"/>
-      </p:par>
-    </p:tnLst>
-  </p:timing>
 </p:sld>
 </file>
 
@@ -10430,13 +10327,6 @@
   <p:clrMapOvr>
     <a:masterClrMapping/>
   </p:clrMapOvr>
-  <p:timing>
-    <p:tnLst>
-      <p:par>
-        <p:cTn id="1" dur="indefinite" restart="never" nodeType="tmRoot"/>
-      </p:par>
-    </p:tnLst>
-  </p:timing>
 </p:sld>
 </file>
 
@@ -10500,63 +10390,63 @@
           <a:lstStyle/>
           <a:p>
             <a:r>
-              <a:rPr lang="tr-TR" dirty="0" err="1" smtClean="0"/>
+              <a:rPr lang="tr-TR" dirty="0" err="1"/>
               <a:t>For</a:t>
             </a:r>
             <a:r>
-              <a:rPr lang="tr-TR" dirty="0" smtClean="0"/>
+              <a:rPr lang="tr-TR" dirty="0"/>
               <a:t> ifadesinden sonra yazılacak </a:t>
             </a:r>
             <a:r>
-              <a:rPr lang="tr-TR" dirty="0" err="1" smtClean="0"/>
+              <a:rPr lang="tr-TR" dirty="0" err="1"/>
               <a:t>ddl</a:t>
             </a:r>
             <a:r>
-              <a:rPr lang="tr-TR" dirty="0" smtClean="0"/>
+              <a:rPr lang="tr-TR" dirty="0"/>
               <a:t> ifadesi _ ile birleştirilmelidir.</a:t>
             </a:r>
           </a:p>
           <a:p>
             <a:r>
-              <a:rPr lang="tr-TR" dirty="0" err="1" smtClean="0"/>
+              <a:rPr lang="tr-TR" dirty="0" err="1"/>
               <a:t>Create_table</a:t>
             </a:r>
             <a:r>
-              <a:rPr lang="tr-TR" dirty="0" smtClean="0"/>
+              <a:rPr lang="tr-TR" dirty="0"/>
               <a:t>, </a:t>
             </a:r>
             <a:r>
-              <a:rPr lang="tr-TR" dirty="0" err="1" smtClean="0"/>
+              <a:rPr lang="tr-TR" dirty="0" err="1"/>
               <a:t>alter_table,drop_table</a:t>
             </a:r>
             <a:r>
-              <a:rPr lang="tr-TR" dirty="0" smtClean="0"/>
+              <a:rPr lang="tr-TR" dirty="0"/>
               <a:t> vb. (</a:t>
             </a:r>
             <a:r>
-              <a:rPr lang="tr-TR" dirty="0" err="1" smtClean="0"/>
+              <a:rPr lang="tr-TR" dirty="0" err="1"/>
               <a:t>view,function</a:t>
             </a:r>
             <a:r>
-              <a:rPr lang="tr-TR" dirty="0" smtClean="0"/>
+              <a:rPr lang="tr-TR" dirty="0"/>
               <a:t>)</a:t>
             </a:r>
           </a:p>
           <a:p>
             <a:r>
-              <a:rPr lang="tr-TR" dirty="0" err="1" smtClean="0"/>
+              <a:rPr lang="tr-TR" dirty="0" err="1"/>
               <a:t>For</a:t>
             </a:r>
             <a:r>
-              <a:rPr lang="tr-TR" dirty="0" smtClean="0"/>
+              <a:rPr lang="tr-TR" dirty="0"/>
               <a:t> ve </a:t>
             </a:r>
             <a:r>
-              <a:rPr lang="tr-TR" dirty="0" err="1" smtClean="0"/>
+              <a:rPr lang="tr-TR" dirty="0" err="1"/>
               <a:t>after</a:t>
             </a:r>
             <a:r>
-              <a:rPr lang="tr-TR" dirty="0" smtClean="0"/>
+              <a:rPr lang="tr-TR" dirty="0"/>
               <a:t> benzer anlama gelir ve işlem gerçekleştikten sonra devreye girer.</a:t>
             </a:r>
           </a:p>
@@ -10572,13 +10462,6 @@
   <p:clrMapOvr>
     <a:masterClrMapping/>
   </p:clrMapOvr>
-  <p:timing>
-    <p:tnLst>
-      <p:par>
-        <p:cTn id="1" dur="indefinite" restart="never" nodeType="tmRoot"/>
-      </p:par>
-    </p:tnLst>
-  </p:timing>
 </p:sld>
 </file>
 
@@ -10644,39 +10527,39 @@
           <a:lstStyle/>
           <a:p>
             <a:r>
-              <a:rPr lang="tr-TR" dirty="0" smtClean="0"/>
+              <a:rPr lang="tr-TR" dirty="0"/>
               <a:t>DML(Data </a:t>
             </a:r>
             <a:r>
-              <a:rPr lang="tr-TR" dirty="0" err="1" smtClean="0"/>
+              <a:rPr lang="tr-TR" dirty="0" err="1"/>
               <a:t>Manipulation</a:t>
             </a:r>
             <a:r>
-              <a:rPr lang="tr-TR" dirty="0" smtClean="0"/>
+              <a:rPr lang="tr-TR" dirty="0"/>
               <a:t> Language) Tetikleyiciler: </a:t>
             </a:r>
             <a:r>
-              <a:rPr lang="tr-TR" dirty="0" err="1" smtClean="0"/>
+              <a:rPr lang="tr-TR" dirty="0" err="1"/>
               <a:t>Insert</a:t>
             </a:r>
             <a:r>
-              <a:rPr lang="tr-TR" dirty="0" smtClean="0"/>
+              <a:rPr lang="tr-TR" dirty="0"/>
               <a:t>, </a:t>
             </a:r>
             <a:r>
-              <a:rPr lang="tr-TR" dirty="0" err="1" smtClean="0"/>
+              <a:rPr lang="tr-TR" dirty="0" err="1"/>
               <a:t>update</a:t>
             </a:r>
             <a:r>
-              <a:rPr lang="tr-TR" dirty="0" smtClean="0"/>
+              <a:rPr lang="tr-TR" dirty="0"/>
               <a:t> ve </a:t>
             </a:r>
             <a:r>
-              <a:rPr lang="tr-TR" dirty="0" err="1" smtClean="0"/>
+              <a:rPr lang="tr-TR" dirty="0" err="1"/>
               <a:t>delete</a:t>
             </a:r>
             <a:r>
-              <a:rPr lang="tr-TR" dirty="0" smtClean="0"/>
+              <a:rPr lang="tr-TR" dirty="0"/>
               <a:t> işlemleri için kullanılır.</a:t>
             </a:r>
           </a:p>
@@ -10685,41 +10568,41 @@
               <a:buNone/>
             </a:pPr>
             <a:r>
-              <a:rPr lang="tr-TR" dirty="0" err="1" smtClean="0"/>
+              <a:rPr lang="tr-TR" dirty="0" err="1"/>
               <a:t>Create</a:t>
             </a:r>
             <a:r>
-              <a:rPr lang="tr-TR" dirty="0" smtClean="0"/>
-              <a:t> </a:t>
-            </a:r>
-            <a:r>
-              <a:rPr lang="tr-TR" dirty="0" err="1" smtClean="0"/>
+              <a:rPr lang="tr-TR" dirty="0"/>
+              <a:t> </a:t>
+            </a:r>
+            <a:r>
+              <a:rPr lang="tr-TR" dirty="0" err="1"/>
               <a:t>Trigger</a:t>
             </a:r>
             <a:r>
-              <a:rPr lang="tr-TR" dirty="0" smtClean="0"/>
-              <a:t> </a:t>
-            </a:r>
-            <a:r>
-              <a:rPr lang="tr-TR" dirty="0" err="1" smtClean="0"/>
+              <a:rPr lang="tr-TR" dirty="0"/>
+              <a:t> </a:t>
+            </a:r>
+            <a:r>
+              <a:rPr lang="tr-TR" dirty="0" err="1"/>
               <a:t>trigger_ismi</a:t>
             </a:r>
-            <a:endParaRPr lang="tr-TR" dirty="0" smtClean="0"/>
+            <a:endParaRPr lang="tr-TR" dirty="0"/>
           </a:p>
           <a:p>
             <a:pPr marL="457200" lvl="1" indent="0">
               <a:buNone/>
             </a:pPr>
             <a:r>
-              <a:rPr lang="tr-TR" dirty="0" smtClean="0"/>
+              <a:rPr lang="tr-TR" dirty="0"/>
               <a:t>On {</a:t>
             </a:r>
             <a:r>
-              <a:rPr lang="tr-TR" dirty="0" err="1" smtClean="0"/>
+              <a:rPr lang="tr-TR" dirty="0" err="1"/>
               <a:t>tablo|view</a:t>
             </a:r>
             <a:r>
-              <a:rPr lang="tr-TR" dirty="0" smtClean="0"/>
+              <a:rPr lang="tr-TR" dirty="0"/>
               <a:t>}</a:t>
             </a:r>
           </a:p>
@@ -10728,23 +10611,23 @@
               <a:buNone/>
             </a:pPr>
             <a:r>
-              <a:rPr lang="tr-TR" dirty="0" smtClean="0"/>
+              <a:rPr lang="tr-TR" dirty="0"/>
               <a:t>[</a:t>
             </a:r>
             <a:r>
-              <a:rPr lang="tr-TR" dirty="0" err="1" smtClean="0"/>
+              <a:rPr lang="tr-TR" dirty="0" err="1"/>
               <a:t>with</a:t>
             </a:r>
             <a:r>
-              <a:rPr lang="tr-TR" dirty="0" smtClean="0"/>
-              <a:t> </a:t>
-            </a:r>
-            <a:r>
-              <a:rPr lang="tr-TR" dirty="0" err="1" smtClean="0"/>
+              <a:rPr lang="tr-TR" dirty="0"/>
+              <a:t> </a:t>
+            </a:r>
+            <a:r>
+              <a:rPr lang="tr-TR" dirty="0" err="1"/>
               <a:t>encryption</a:t>
             </a:r>
             <a:r>
-              <a:rPr lang="tr-TR" dirty="0" smtClean="0"/>
+              <a:rPr lang="tr-TR" dirty="0"/>
               <a:t>]</a:t>
             </a:r>
           </a:p>
@@ -10753,15 +10636,15 @@
               <a:buNone/>
             </a:pPr>
             <a:r>
-              <a:rPr lang="tr-TR" dirty="0" smtClean="0"/>
+              <a:rPr lang="tr-TR" dirty="0"/>
               <a:t>{</a:t>
             </a:r>
             <a:r>
-              <a:rPr lang="tr-TR" dirty="0" err="1" smtClean="0"/>
+              <a:rPr lang="tr-TR" dirty="0" err="1"/>
               <a:t>for|after|instead</a:t>
             </a:r>
             <a:r>
-              <a:rPr lang="tr-TR" dirty="0" smtClean="0"/>
+              <a:rPr lang="tr-TR" dirty="0"/>
               <a:t> of} </a:t>
             </a:r>
           </a:p>
@@ -10770,15 +10653,15 @@
               <a:buNone/>
             </a:pPr>
             <a:r>
-              <a:rPr lang="tr-TR" dirty="0" smtClean="0"/>
+              <a:rPr lang="tr-TR" dirty="0"/>
               <a:t>{</a:t>
             </a:r>
             <a:r>
-              <a:rPr lang="tr-TR" dirty="0" err="1" smtClean="0"/>
+              <a:rPr lang="tr-TR" dirty="0" err="1"/>
               <a:t>insert,update,delete</a:t>
             </a:r>
             <a:r>
-              <a:rPr lang="tr-TR" dirty="0" smtClean="0"/>
+              <a:rPr lang="tr-TR" dirty="0"/>
               <a:t>}</a:t>
             </a:r>
           </a:p>
@@ -10800,13 +10683,6 @@
   <p:clrMapOvr>
     <a:masterClrMapping/>
   </p:clrMapOvr>
-  <p:timing>
-    <p:tnLst>
-      <p:par>
-        <p:cTn id="1" dur="indefinite" restart="never" nodeType="tmRoot"/>
-      </p:par>
-    </p:tnLst>
-  </p:timing>
 </p:sld>
 </file>
 
@@ -10873,19 +10749,19 @@
           <a:p>
             <a:pPr algn="just"/>
             <a:r>
-              <a:rPr lang="tr-TR" dirty="0" err="1" smtClean="0"/>
+              <a:rPr lang="tr-TR" dirty="0" err="1"/>
               <a:t>After</a:t>
             </a:r>
             <a:r>
-              <a:rPr lang="tr-TR" dirty="0" smtClean="0"/>
+              <a:rPr lang="tr-TR" dirty="0"/>
               <a:t> tetikleyiciler; ilgili işlem gerçekleştirdikten sonra devreye girerler. Insert, delete ve update işlemler için kullanılır. Örneğin ürünler tablosundan silinen bir ürünün diğer tablolardan silinmesi sağlanabilir. Bunun için ürünler tablosu için oluşturulan bir </a:t>
             </a:r>
             <a:r>
-              <a:rPr lang="tr-TR" dirty="0" err="1" smtClean="0"/>
+              <a:rPr lang="tr-TR" dirty="0" err="1"/>
               <a:t>delete</a:t>
             </a:r>
             <a:r>
-              <a:rPr lang="tr-TR" dirty="0" smtClean="0"/>
+              <a:rPr lang="tr-TR" dirty="0"/>
               <a:t> tetikleyici diğer tablolardaki ilgili verileri silinmesini sağlayacaktır. Sadece tablolar için kullanılabilir.</a:t>
             </a:r>
           </a:p>
@@ -10905,13 +10781,6 @@
   <p:clrMapOvr>
     <a:masterClrMapping/>
   </p:clrMapOvr>
-  <p:timing>
-    <p:tnLst>
-      <p:par>
-        <p:cTn id="1" dur="indefinite" restart="never" nodeType="tmRoot"/>
-      </p:par>
-    </p:tnLst>
-  </p:timing>
 </p:sld>
 </file>
 
@@ -10981,15 +10850,7 @@
             </a:r>
             <a:r>
               <a:rPr lang="tr-TR" dirty="0"/>
-              <a:t> of tetikleyiciler; Belirlenen işlevin gerçekleşeceği sırada </a:t>
-            </a:r>
-            <a:r>
-              <a:rPr lang="tr-TR" dirty="0" smtClean="0"/>
-              <a:t>devreye </a:t>
-            </a:r>
-            <a:r>
-              <a:rPr lang="tr-TR" dirty="0"/>
-              <a:t>girer ve tetikleyici için belirlenen işlemi gerçekleştirir. Kontrol amaçlı kullanılırlar. Bir tabloya girilen bilgilerin kayıt altına alınmadan kontrolü için kullanılabilir. Hem tablolar hem de </a:t>
+              <a:t> of tetikleyiciler; Belirlenen işlevin gerçekleşeceği sırada devreye girer ve tetikleyici için belirlenen işlemi gerçekleştirir. Kontrol amaçlı kullanılırlar. Bir tabloya girilen bilgilerin kayıt altına alınmadan kontrolü için kullanılabilir. Hem tablolar hem de </a:t>
             </a:r>
             <a:r>
               <a:rPr lang="tr-TR" dirty="0" err="1"/>
@@ -11015,13 +10876,6 @@
   <p:clrMapOvr>
     <a:masterClrMapping/>
   </p:clrMapOvr>
-  <p:timing>
-    <p:tnLst>
-      <p:par>
-        <p:cTn id="1" dur="indefinite" restart="never" nodeType="tmRoot"/>
-      </p:par>
-    </p:tnLst>
-  </p:timing>
 </p:sld>
 </file>
 
@@ -11086,31 +10940,31 @@
           <a:p>
             <a:pPr algn="just"/>
             <a:r>
-              <a:rPr lang="tr-TR" dirty="0" smtClean="0"/>
+              <a:rPr lang="tr-TR" dirty="0"/>
               <a:t>DML tetikleyiciler çoğunlukla </a:t>
             </a:r>
             <a:r>
-              <a:rPr lang="tr-TR" dirty="0" err="1" smtClean="0"/>
+              <a:rPr lang="tr-TR" dirty="0" err="1"/>
               <a:t>inserted</a:t>
             </a:r>
             <a:r>
-              <a:rPr lang="tr-TR" dirty="0" smtClean="0"/>
+              <a:rPr lang="tr-TR" dirty="0"/>
               <a:t> ve </a:t>
             </a:r>
             <a:r>
-              <a:rPr lang="tr-TR" dirty="0" err="1" smtClean="0"/>
+              <a:rPr lang="tr-TR" dirty="0" err="1"/>
               <a:t>deleted</a:t>
             </a:r>
             <a:r>
-              <a:rPr lang="tr-TR" dirty="0" smtClean="0"/>
+              <a:rPr lang="tr-TR" dirty="0"/>
               <a:t> geçici tabloları için kullanılır. </a:t>
             </a:r>
             <a:r>
-              <a:rPr lang="tr-TR" dirty="0" err="1" smtClean="0"/>
+              <a:rPr lang="tr-TR" dirty="0" err="1"/>
               <a:t>Sql</a:t>
             </a:r>
             <a:r>
-              <a:rPr lang="tr-TR" dirty="0" smtClean="0"/>
+              <a:rPr lang="tr-TR" dirty="0"/>
               <a:t> ifadesinin etkilediği sütunlarla aynı sütunlara sahiptir. </a:t>
             </a:r>
             <a:endParaRPr lang="en-US" dirty="0"/>
@@ -11127,13 +10981,6 @@
   <p:clrMapOvr>
     <a:masterClrMapping/>
   </p:clrMapOvr>
-  <p:timing>
-    <p:tnLst>
-      <p:par>
-        <p:cTn id="1" dur="indefinite" restart="never" nodeType="tmRoot"/>
-      </p:par>
-    </p:tnLst>
-  </p:timing>
 </p:sld>
 </file>
 
@@ -11197,63 +11044,6 @@
           <a:lstStyle/>
           <a:p>
             <a:r>
-              <a:rPr lang="tr-TR" dirty="0" err="1" smtClean="0"/>
-              <a:t>Drop</a:t>
-            </a:r>
-            <a:r>
-              <a:rPr lang="tr-TR" dirty="0" smtClean="0"/>
-              <a:t> </a:t>
-            </a:r>
-            <a:r>
-              <a:rPr lang="tr-TR" dirty="0" err="1" smtClean="0"/>
-              <a:t>trigger</a:t>
-            </a:r>
-            <a:r>
-              <a:rPr lang="tr-TR" dirty="0" smtClean="0"/>
-              <a:t> </a:t>
-            </a:r>
-            <a:r>
-              <a:rPr lang="tr-TR" dirty="0" err="1" smtClean="0"/>
-              <a:t>trigger_adi</a:t>
-            </a:r>
-            <a:endParaRPr lang="tr-TR" dirty="0" smtClean="0"/>
-          </a:p>
-          <a:p>
-            <a:endParaRPr lang="tr-TR" dirty="0"/>
-          </a:p>
-          <a:p>
-            <a:r>
-              <a:rPr lang="tr-TR" dirty="0" err="1" smtClean="0"/>
-              <a:t>Drop</a:t>
-            </a:r>
-            <a:r>
-              <a:rPr lang="tr-TR" dirty="0" smtClean="0"/>
-              <a:t> </a:t>
-            </a:r>
-            <a:r>
-              <a:rPr lang="tr-TR" dirty="0" err="1" smtClean="0"/>
-              <a:t>trigger</a:t>
-            </a:r>
-            <a:r>
-              <a:rPr lang="tr-TR" dirty="0" smtClean="0"/>
-              <a:t> </a:t>
-            </a:r>
-            <a:r>
-              <a:rPr lang="tr-TR" dirty="0" err="1" smtClean="0"/>
-              <a:t>trigger_adi</a:t>
-            </a:r>
-            <a:r>
-              <a:rPr lang="tr-TR" dirty="0" smtClean="0"/>
-              <a:t> on </a:t>
-            </a:r>
-            <a:r>
-              <a:rPr lang="tr-TR" dirty="0" err="1" smtClean="0"/>
-              <a:t>database</a:t>
-            </a:r>
-            <a:endParaRPr lang="tr-TR" dirty="0" smtClean="0"/>
-          </a:p>
-          <a:p>
-            <a:r>
               <a:rPr lang="tr-TR" dirty="0" err="1"/>
               <a:t>Drop</a:t>
             </a:r>
@@ -11273,16 +11063,73 @@
               <a:rPr lang="tr-TR" dirty="0" err="1"/>
               <a:t>trigger_adi</a:t>
             </a:r>
+            <a:endParaRPr lang="tr-TR" dirty="0"/>
+          </a:p>
+          <a:p>
+            <a:endParaRPr lang="tr-TR" dirty="0"/>
+          </a:p>
+          <a:p>
+            <a:r>
+              <a:rPr lang="tr-TR" dirty="0" err="1"/>
+              <a:t>Drop</a:t>
+            </a:r>
+            <a:r>
+              <a:rPr lang="tr-TR" dirty="0"/>
+              <a:t> </a:t>
+            </a:r>
+            <a:r>
+              <a:rPr lang="tr-TR" dirty="0" err="1"/>
+              <a:t>trigger</a:t>
+            </a:r>
+            <a:r>
+              <a:rPr lang="tr-TR" dirty="0"/>
+              <a:t> </a:t>
+            </a:r>
+            <a:r>
+              <a:rPr lang="tr-TR" dirty="0" err="1"/>
+              <a:t>trigger_adi</a:t>
+            </a:r>
             <a:r>
               <a:rPr lang="tr-TR" dirty="0"/>
               <a:t> on </a:t>
             </a:r>
             <a:r>
-              <a:rPr lang="tr-TR" dirty="0" err="1" smtClean="0"/>
+              <a:rPr lang="tr-TR" dirty="0" err="1"/>
+              <a:t>database</a:t>
+            </a:r>
+            <a:endParaRPr lang="tr-TR" dirty="0"/>
+          </a:p>
+          <a:p>
+            <a:r>
+              <a:rPr lang="tr-TR" dirty="0" err="1"/>
+              <a:t>Drop</a:t>
+            </a:r>
+            <a:r>
+              <a:rPr lang="tr-TR" dirty="0"/>
+              <a:t> </a:t>
+            </a:r>
+            <a:r>
+              <a:rPr lang="tr-TR" dirty="0" err="1"/>
+              <a:t>trigger</a:t>
+            </a:r>
+            <a:r>
+              <a:rPr lang="tr-TR" dirty="0"/>
+              <a:t> </a:t>
+            </a:r>
+            <a:r>
+              <a:rPr lang="tr-TR" dirty="0" err="1"/>
+              <a:t>trigger_adi</a:t>
+            </a:r>
+            <a:r>
+              <a:rPr lang="tr-TR" dirty="0"/>
+              <a:t> on </a:t>
+            </a:r>
+            <a:r>
+              <a:rPr lang="tr-TR" dirty="0" err="1"/>
               <a:t>all</a:t>
             </a:r>
             <a:r>
-              <a:rPr lang="tr-TR" dirty="0" smtClean="0"/>
+              <a:rPr lang="tr-TR" dirty="0"/>
               <a:t> server</a:t>
             </a:r>
             <a:endParaRPr lang="en-US" dirty="0"/>
@@ -11302,13 +11149,6 @@
   <p:clrMapOvr>
     <a:masterClrMapping/>
   </p:clrMapOvr>
-  <p:timing>
-    <p:tnLst>
-      <p:par>
-        <p:cTn id="1" dur="indefinite" restart="never" nodeType="tmRoot"/>
-      </p:par>
-    </p:tnLst>
-  </p:timing>
 </p:sld>
 </file>
 
@@ -11345,10 +11185,9 @@
           <a:lstStyle/>
           <a:p>
             <a:r>
-              <a:rPr lang="tr-TR" dirty="0" smtClean="0"/>
+              <a:rPr lang="tr-TR" dirty="0"/>
               <a:t>Örnek Uygulama</a:t>
             </a:r>
-            <a:endParaRPr lang="tr-TR" dirty="0"/>
           </a:p>
         </p:txBody>
       </p:sp>
@@ -12257,7 +12096,7 @@
           <a:lstStyle/>
           <a:p>
             <a:r>
-              <a:rPr lang="tr-TR" sz="1600" dirty="0" smtClean="0">
+              <a:rPr lang="tr-TR" sz="1600" dirty="0">
                 <a:solidFill>
                   <a:srgbClr val="008000"/>
                 </a:solidFill>
@@ -12268,7 +12107,7 @@
           </a:p>
           <a:p>
             <a:r>
-              <a:rPr lang="tr-TR" sz="1600" dirty="0" smtClean="0">
+              <a:rPr lang="tr-TR" sz="1600" dirty="0">
                 <a:solidFill>
                   <a:srgbClr val="0000FF"/>
                 </a:solidFill>
@@ -12277,16 +12116,16 @@
               <a:t>CREATE</a:t>
             </a:r>
             <a:r>
-              <a:rPr lang="tr-TR" sz="1600" dirty="0" smtClean="0">
-                <a:solidFill>
-                  <a:srgbClr val="000000"/>
-                </a:solidFill>
-                <a:latin typeface="Consolas" panose="020B0609020204030204" pitchFamily="49" charset="0"/>
-              </a:rPr>
-              <a:t> </a:t>
-            </a:r>
-            <a:r>
-              <a:rPr lang="tr-TR" sz="1600" dirty="0" smtClean="0">
+              <a:rPr lang="tr-TR" sz="1600" dirty="0">
+                <a:solidFill>
+                  <a:srgbClr val="000000"/>
+                </a:solidFill>
+                <a:latin typeface="Consolas" panose="020B0609020204030204" pitchFamily="49" charset="0"/>
+              </a:rPr>
+              <a:t> </a:t>
+            </a:r>
+            <a:r>
+              <a:rPr lang="tr-TR" sz="1600" dirty="0">
                 <a:solidFill>
                   <a:srgbClr val="0000FF"/>
                 </a:solidFill>
@@ -12295,7 +12134,7 @@
               <a:t>TRIGGER</a:t>
             </a:r>
             <a:r>
-              <a:rPr lang="tr-TR" sz="1600" dirty="0" smtClean="0">
+              <a:rPr lang="tr-TR" sz="1600" dirty="0">
                 <a:solidFill>
                   <a:srgbClr val="000000"/>
                 </a:solidFill>
@@ -12306,7 +12145,7 @@
           </a:p>
           <a:p>
             <a:r>
-              <a:rPr lang="tr-TR" sz="1600" dirty="0" smtClean="0">
+              <a:rPr lang="tr-TR" sz="1600" dirty="0">
                 <a:solidFill>
                   <a:srgbClr val="0000FF"/>
                 </a:solidFill>
@@ -12315,7 +12154,7 @@
               <a:t>ON</a:t>
             </a:r>
             <a:r>
-              <a:rPr lang="tr-TR" sz="1600" dirty="0" smtClean="0">
+              <a:rPr lang="tr-TR" sz="1600" dirty="0">
                 <a:solidFill>
                   <a:srgbClr val="000000"/>
                 </a:solidFill>
@@ -12326,7 +12165,7 @@
           </a:p>
           <a:p>
             <a:r>
-              <a:rPr lang="tr-TR" sz="1600" dirty="0" smtClean="0">
+              <a:rPr lang="tr-TR" sz="1600" dirty="0">
                 <a:solidFill>
                   <a:srgbClr val="0000FF"/>
                 </a:solidFill>
@@ -12335,16 +12174,16 @@
               <a:t>AFTER</a:t>
             </a:r>
             <a:r>
-              <a:rPr lang="tr-TR" sz="1600" dirty="0" smtClean="0">
-                <a:solidFill>
-                  <a:srgbClr val="000000"/>
-                </a:solidFill>
-                <a:latin typeface="Consolas" panose="020B0609020204030204" pitchFamily="49" charset="0"/>
-              </a:rPr>
-              <a:t> </a:t>
-            </a:r>
-            <a:r>
-              <a:rPr lang="tr-TR" sz="1600" dirty="0" smtClean="0">
+              <a:rPr lang="tr-TR" sz="1600" dirty="0">
+                <a:solidFill>
+                  <a:srgbClr val="000000"/>
+                </a:solidFill>
+                <a:latin typeface="Consolas" panose="020B0609020204030204" pitchFamily="49" charset="0"/>
+              </a:rPr>
+              <a:t> </a:t>
+            </a:r>
+            <a:r>
+              <a:rPr lang="tr-TR" sz="1600" dirty="0">
                 <a:solidFill>
                   <a:srgbClr val="0000FF"/>
                 </a:solidFill>
@@ -12352,7 +12191,7 @@
               </a:rPr>
               <a:t>INSERT</a:t>
             </a:r>
-            <a:endParaRPr lang="tr-TR" sz="1600" dirty="0" smtClean="0">
+            <a:endParaRPr lang="tr-TR" sz="1600" dirty="0">
               <a:solidFill>
                 <a:srgbClr val="000000"/>
               </a:solidFill>
@@ -12361,7 +12200,7 @@
           </a:p>
           <a:p>
             <a:r>
-              <a:rPr lang="tr-TR" sz="1600" dirty="0" smtClean="0">
+              <a:rPr lang="tr-TR" sz="1600" dirty="0">
                 <a:solidFill>
                   <a:srgbClr val="0000FF"/>
                 </a:solidFill>
@@ -12369,7 +12208,7 @@
               </a:rPr>
               <a:t>AS</a:t>
             </a:r>
-            <a:endParaRPr lang="tr-TR" sz="1600" dirty="0" smtClean="0">
+            <a:endParaRPr lang="tr-TR" sz="1600" dirty="0">
               <a:solidFill>
                 <a:srgbClr val="000000"/>
               </a:solidFill>
@@ -12378,7 +12217,7 @@
           </a:p>
           <a:p>
             <a:r>
-              <a:rPr lang="tr-TR" sz="1600" dirty="0" smtClean="0">
+              <a:rPr lang="tr-TR" sz="1600" dirty="0">
                 <a:solidFill>
                   <a:srgbClr val="0000FF"/>
                 </a:solidFill>
@@ -12386,7 +12225,7 @@
               </a:rPr>
               <a:t>BEGIN</a:t>
             </a:r>
-            <a:endParaRPr lang="tr-TR" sz="1600" dirty="0" smtClean="0">
+            <a:endParaRPr lang="tr-TR" sz="1600" dirty="0">
               <a:solidFill>
                 <a:srgbClr val="000000"/>
               </a:solidFill>
@@ -12395,7 +12234,7 @@
           </a:p>
           <a:p>
             <a:r>
-              <a:rPr lang="tr-TR" sz="1600" dirty="0" smtClean="0">
+              <a:rPr lang="tr-TR" sz="1600" dirty="0">
                 <a:solidFill>
                   <a:srgbClr val="000000"/>
                 </a:solidFill>
@@ -12404,7 +12243,7 @@
               <a:t>    </a:t>
             </a:r>
             <a:r>
-              <a:rPr lang="tr-TR" sz="1600" dirty="0" smtClean="0">
+              <a:rPr lang="tr-TR" sz="1600" dirty="0">
                 <a:solidFill>
                   <a:srgbClr val="0000FF"/>
                 </a:solidFill>
@@ -12413,7 +12252,7 @@
               <a:t>DECLARE</a:t>
             </a:r>
             <a:r>
-              <a:rPr lang="tr-TR" sz="1600" dirty="0" smtClean="0">
+              <a:rPr lang="tr-TR" sz="1600" dirty="0">
                 <a:solidFill>
                   <a:srgbClr val="000000"/>
                 </a:solidFill>
@@ -12422,7 +12261,7 @@
               <a:t> @CustomerID </a:t>
             </a:r>
             <a:r>
-              <a:rPr lang="tr-TR" sz="1600" dirty="0" smtClean="0">
+              <a:rPr lang="tr-TR" sz="1600" dirty="0">
                 <a:solidFill>
                   <a:srgbClr val="0000FF"/>
                 </a:solidFill>
@@ -12431,7 +12270,7 @@
               <a:t>INT</a:t>
             </a:r>
             <a:r>
-              <a:rPr lang="tr-TR" sz="1600" dirty="0" smtClean="0">
+              <a:rPr lang="tr-TR" sz="1600" dirty="0">
                 <a:solidFill>
                   <a:srgbClr val="808080"/>
                 </a:solidFill>
@@ -12440,7 +12279,7 @@
               <a:t>,</a:t>
             </a:r>
             <a:r>
-              <a:rPr lang="tr-TR" sz="1600" dirty="0" smtClean="0">
+              <a:rPr lang="tr-TR" sz="1600" dirty="0">
                 <a:solidFill>
                   <a:srgbClr val="000000"/>
                 </a:solidFill>
@@ -12449,7 +12288,7 @@
               <a:t> @FirstName </a:t>
             </a:r>
             <a:r>
-              <a:rPr lang="tr-TR" sz="1600" dirty="0" smtClean="0">
+              <a:rPr lang="tr-TR" sz="1600" dirty="0">
                 <a:solidFill>
                   <a:srgbClr val="0000FF"/>
                 </a:solidFill>
@@ -12458,7 +12297,7 @@
               <a:t>NVARCHAR</a:t>
             </a:r>
             <a:r>
-              <a:rPr lang="tr-TR" sz="1600" dirty="0" smtClean="0">
+              <a:rPr lang="tr-TR" sz="1600" dirty="0">
                 <a:solidFill>
                   <a:srgbClr val="808080"/>
                 </a:solidFill>
@@ -12467,7 +12306,7 @@
               <a:t>(</a:t>
             </a:r>
             <a:r>
-              <a:rPr lang="tr-TR" sz="1600" dirty="0" smtClean="0">
+              <a:rPr lang="tr-TR" sz="1600" dirty="0">
                 <a:solidFill>
                   <a:srgbClr val="000000"/>
                 </a:solidFill>
@@ -12476,7 +12315,7 @@
               <a:t>50</a:t>
             </a:r>
             <a:r>
-              <a:rPr lang="tr-TR" sz="1600" dirty="0" smtClean="0">
+              <a:rPr lang="tr-TR" sz="1600" dirty="0">
                 <a:solidFill>
                   <a:srgbClr val="808080"/>
                 </a:solidFill>
@@ -12485,7 +12324,7 @@
               <a:t>),</a:t>
             </a:r>
             <a:r>
-              <a:rPr lang="tr-TR" sz="1600" dirty="0" smtClean="0">
+              <a:rPr lang="tr-TR" sz="1600" dirty="0">
                 <a:solidFill>
                   <a:srgbClr val="000000"/>
                 </a:solidFill>
@@ -12494,7 +12333,7 @@
               <a:t> @LastName </a:t>
             </a:r>
             <a:r>
-              <a:rPr lang="tr-TR" sz="1600" dirty="0" smtClean="0">
+              <a:rPr lang="tr-TR" sz="1600" dirty="0">
                 <a:solidFill>
                   <a:srgbClr val="0000FF"/>
                 </a:solidFill>
@@ -12503,7 +12342,7 @@
               <a:t>NVARCHAR</a:t>
             </a:r>
             <a:r>
-              <a:rPr lang="tr-TR" sz="1600" dirty="0" smtClean="0">
+              <a:rPr lang="tr-TR" sz="1600" dirty="0">
                 <a:solidFill>
                   <a:srgbClr val="808080"/>
                 </a:solidFill>
@@ -12512,7 +12351,7 @@
               <a:t>(</a:t>
             </a:r>
             <a:r>
-              <a:rPr lang="tr-TR" sz="1600" dirty="0" smtClean="0">
+              <a:rPr lang="tr-TR" sz="1600" dirty="0">
                 <a:solidFill>
                   <a:srgbClr val="000000"/>
                 </a:solidFill>
@@ -12521,7 +12360,7 @@
               <a:t>50</a:t>
             </a:r>
             <a:r>
-              <a:rPr lang="tr-TR" sz="1600" dirty="0" smtClean="0">
+              <a:rPr lang="tr-TR" sz="1600" dirty="0">
                 <a:solidFill>
                   <a:srgbClr val="808080"/>
                 </a:solidFill>
@@ -12529,7 +12368,7 @@
               </a:rPr>
               <a:t>);</a:t>
             </a:r>
-            <a:endParaRPr lang="tr-TR" sz="1600" dirty="0" smtClean="0">
+            <a:endParaRPr lang="tr-TR" sz="1600" dirty="0">
               <a:solidFill>
                 <a:srgbClr val="000000"/>
               </a:solidFill>
@@ -12538,7 +12377,7 @@
           </a:p>
           <a:p>
             <a:r>
-              <a:rPr lang="tr-TR" sz="1600" dirty="0" smtClean="0">
+              <a:rPr lang="tr-TR" sz="1600" dirty="0">
                 <a:solidFill>
                   <a:srgbClr val="000000"/>
                 </a:solidFill>
@@ -12547,7 +12386,7 @@
               <a:t>    </a:t>
             </a:r>
             <a:r>
-              <a:rPr lang="tr-TR" sz="1600" dirty="0" smtClean="0">
+              <a:rPr lang="tr-TR" sz="1600" dirty="0">
                 <a:solidFill>
                   <a:srgbClr val="008000"/>
                 </a:solidFill>
@@ -12555,7 +12394,7 @@
               </a:rPr>
               <a:t>-- Yeni eklenen müşteri bilgilerini al</a:t>
             </a:r>
-            <a:endParaRPr lang="tr-TR" sz="1600" dirty="0" smtClean="0">
+            <a:endParaRPr lang="tr-TR" sz="1600" dirty="0">
               <a:solidFill>
                 <a:srgbClr val="000000"/>
               </a:solidFill>
@@ -12564,7 +12403,7 @@
           </a:p>
           <a:p>
             <a:r>
-              <a:rPr lang="tr-TR" sz="1600" dirty="0" smtClean="0">
+              <a:rPr lang="tr-TR" sz="1600" dirty="0">
                 <a:solidFill>
                   <a:srgbClr val="000000"/>
                 </a:solidFill>
@@ -12573,7 +12412,7 @@
               <a:t>    </a:t>
             </a:r>
             <a:r>
-              <a:rPr lang="tr-TR" sz="1600" dirty="0" smtClean="0">
+              <a:rPr lang="tr-TR" sz="1600" dirty="0">
                 <a:solidFill>
                   <a:srgbClr val="0000FF"/>
                 </a:solidFill>
@@ -12582,7 +12421,7 @@
               <a:t>SELECT</a:t>
             </a:r>
             <a:r>
-              <a:rPr lang="tr-TR" sz="1600" dirty="0" smtClean="0">
+              <a:rPr lang="tr-TR" sz="1600" dirty="0">
                 <a:solidFill>
                   <a:srgbClr val="000000"/>
                 </a:solidFill>
@@ -12591,7 +12430,7 @@
               <a:t> @CustomerID </a:t>
             </a:r>
             <a:r>
-              <a:rPr lang="tr-TR" sz="1600" dirty="0" smtClean="0">
+              <a:rPr lang="tr-TR" sz="1600" dirty="0">
                 <a:solidFill>
                   <a:srgbClr val="808080"/>
                 </a:solidFill>
@@ -12600,7 +12439,7 @@
               <a:t>=</a:t>
             </a:r>
             <a:r>
-              <a:rPr lang="tr-TR" sz="1600" dirty="0" smtClean="0">
+              <a:rPr lang="tr-TR" sz="1600" dirty="0">
                 <a:solidFill>
                   <a:srgbClr val="000000"/>
                 </a:solidFill>
@@ -12609,7 +12448,7 @@
               <a:t> CustomerID</a:t>
             </a:r>
             <a:r>
-              <a:rPr lang="tr-TR" sz="1600" dirty="0" smtClean="0">
+              <a:rPr lang="tr-TR" sz="1600" dirty="0">
                 <a:solidFill>
                   <a:srgbClr val="808080"/>
                 </a:solidFill>
@@ -12618,18 +12457,18 @@
               <a:t>,</a:t>
             </a:r>
             <a:r>
-              <a:rPr lang="tr-TR" sz="1600" dirty="0" smtClean="0">
-                <a:solidFill>
-                  <a:srgbClr val="000000"/>
-                </a:solidFill>
-                <a:latin typeface="Consolas" panose="020B0609020204030204" pitchFamily="49" charset="0"/>
-              </a:rPr>
-              <a:t> </a:t>
-            </a:r>
-          </a:p>
-          <a:p>
-            <a:r>
-              <a:rPr lang="tr-TR" sz="1600" dirty="0" smtClean="0">
+              <a:rPr lang="tr-TR" sz="1600" dirty="0">
+                <a:solidFill>
+                  <a:srgbClr val="000000"/>
+                </a:solidFill>
+                <a:latin typeface="Consolas" panose="020B0609020204030204" pitchFamily="49" charset="0"/>
+              </a:rPr>
+              <a:t> </a:t>
+            </a:r>
+          </a:p>
+          <a:p>
+            <a:r>
+              <a:rPr lang="tr-TR" sz="1600" dirty="0">
                 <a:solidFill>
                   <a:srgbClr val="000000"/>
                 </a:solidFill>
@@ -12638,7 +12477,7 @@
               <a:t>           @FirstName </a:t>
             </a:r>
             <a:r>
-              <a:rPr lang="tr-TR" sz="1600" dirty="0" smtClean="0">
+              <a:rPr lang="tr-TR" sz="1600" dirty="0">
                 <a:solidFill>
                   <a:srgbClr val="808080"/>
                 </a:solidFill>
@@ -12647,7 +12486,7 @@
               <a:t>=</a:t>
             </a:r>
             <a:r>
-              <a:rPr lang="tr-TR" sz="1600" dirty="0" smtClean="0">
+              <a:rPr lang="tr-TR" sz="1600" dirty="0">
                 <a:solidFill>
                   <a:srgbClr val="000000"/>
                 </a:solidFill>
@@ -12656,7 +12495,7 @@
               <a:t> FirstName</a:t>
             </a:r>
             <a:r>
-              <a:rPr lang="tr-TR" sz="1600" dirty="0" smtClean="0">
+              <a:rPr lang="tr-TR" sz="1600" dirty="0">
                 <a:solidFill>
                   <a:srgbClr val="808080"/>
                 </a:solidFill>
@@ -12665,18 +12504,18 @@
               <a:t>,</a:t>
             </a:r>
             <a:r>
-              <a:rPr lang="tr-TR" sz="1600" dirty="0" smtClean="0">
-                <a:solidFill>
-                  <a:srgbClr val="000000"/>
-                </a:solidFill>
-                <a:latin typeface="Consolas" panose="020B0609020204030204" pitchFamily="49" charset="0"/>
-              </a:rPr>
-              <a:t> </a:t>
-            </a:r>
-          </a:p>
-          <a:p>
-            <a:r>
-              <a:rPr lang="tr-TR" sz="1600" dirty="0" smtClean="0">
+              <a:rPr lang="tr-TR" sz="1600" dirty="0">
+                <a:solidFill>
+                  <a:srgbClr val="000000"/>
+                </a:solidFill>
+                <a:latin typeface="Consolas" panose="020B0609020204030204" pitchFamily="49" charset="0"/>
+              </a:rPr>
+              <a:t> </a:t>
+            </a:r>
+          </a:p>
+          <a:p>
+            <a:r>
+              <a:rPr lang="tr-TR" sz="1600" dirty="0">
                 <a:solidFill>
                   <a:srgbClr val="000000"/>
                 </a:solidFill>
@@ -12685,7 +12524,7 @@
               <a:t>           @LastName </a:t>
             </a:r>
             <a:r>
-              <a:rPr lang="tr-TR" sz="1600" dirty="0" smtClean="0">
+              <a:rPr lang="tr-TR" sz="1600" dirty="0">
                 <a:solidFill>
                   <a:srgbClr val="808080"/>
                 </a:solidFill>
@@ -12694,7 +12533,7 @@
               <a:t>=</a:t>
             </a:r>
             <a:r>
-              <a:rPr lang="tr-TR" sz="1600" dirty="0" smtClean="0">
+              <a:rPr lang="tr-TR" sz="1600" dirty="0">
                 <a:solidFill>
                   <a:srgbClr val="000000"/>
                 </a:solidFill>
@@ -12705,7 +12544,7 @@
           </a:p>
           <a:p>
             <a:r>
-              <a:rPr lang="tr-TR" sz="1600" dirty="0" smtClean="0">
+              <a:rPr lang="tr-TR" sz="1600" dirty="0">
                 <a:solidFill>
                   <a:srgbClr val="000000"/>
                 </a:solidFill>
@@ -12714,7 +12553,7 @@
               <a:t>    </a:t>
             </a:r>
             <a:r>
-              <a:rPr lang="tr-TR" sz="1600" dirty="0" smtClean="0">
+              <a:rPr lang="tr-TR" sz="1600" dirty="0">
                 <a:solidFill>
                   <a:srgbClr val="0000FF"/>
                 </a:solidFill>
@@ -12723,7 +12562,7 @@
               <a:t>FROM</a:t>
             </a:r>
             <a:r>
-              <a:rPr lang="tr-TR" sz="1600" dirty="0" smtClean="0">
+              <a:rPr lang="tr-TR" sz="1600" dirty="0">
                 <a:solidFill>
                   <a:srgbClr val="000000"/>
                 </a:solidFill>
@@ -12732,7 +12571,7 @@
               <a:t> INSERTED</a:t>
             </a:r>
             <a:r>
-              <a:rPr lang="tr-TR" sz="1600" dirty="0" smtClean="0">
+              <a:rPr lang="tr-TR" sz="1600" dirty="0">
                 <a:solidFill>
                   <a:srgbClr val="808080"/>
                 </a:solidFill>
@@ -12740,7 +12579,7 @@
               </a:rPr>
               <a:t>;</a:t>
             </a:r>
-            <a:endParaRPr lang="tr-TR" sz="1600" dirty="0" smtClean="0">
+            <a:endParaRPr lang="tr-TR" sz="1600" dirty="0">
               <a:solidFill>
                 <a:srgbClr val="000000"/>
               </a:solidFill>
@@ -12749,7 +12588,7 @@
           </a:p>
           <a:p>
             <a:r>
-              <a:rPr lang="tr-TR" sz="1600" dirty="0" smtClean="0">
+              <a:rPr lang="tr-TR" sz="1600" dirty="0">
                 <a:solidFill>
                   <a:srgbClr val="000000"/>
                 </a:solidFill>
@@ -12758,7 +12597,7 @@
               <a:t>    </a:t>
             </a:r>
             <a:r>
-              <a:rPr lang="tr-TR" sz="1600" dirty="0" smtClean="0">
+              <a:rPr lang="tr-TR" sz="1600" dirty="0">
                 <a:solidFill>
                   <a:srgbClr val="008000"/>
                 </a:solidFill>
@@ -12766,7 +12605,7 @@
               </a:rPr>
               <a:t>-- Yeni müşteri için bir kayıt ekle</a:t>
             </a:r>
-            <a:endParaRPr lang="tr-TR" sz="1600" dirty="0" smtClean="0">
+            <a:endParaRPr lang="tr-TR" sz="1600" dirty="0">
               <a:solidFill>
                 <a:srgbClr val="000000"/>
               </a:solidFill>
@@ -12775,7 +12614,7 @@
           </a:p>
           <a:p>
             <a:r>
-              <a:rPr lang="it-IT" sz="1600" dirty="0" smtClean="0">
+              <a:rPr lang="it-IT" sz="1600" dirty="0">
                 <a:solidFill>
                   <a:srgbClr val="000000"/>
                 </a:solidFill>
@@ -12784,7 +12623,7 @@
               <a:t>    </a:t>
             </a:r>
             <a:r>
-              <a:rPr lang="it-IT" sz="1600" dirty="0" smtClean="0">
+              <a:rPr lang="it-IT" sz="1600" dirty="0">
                 <a:solidFill>
                   <a:srgbClr val="0000FF"/>
                 </a:solidFill>
@@ -12793,16 +12632,16 @@
               <a:t>PRINT</a:t>
             </a:r>
             <a:r>
-              <a:rPr lang="it-IT" sz="1600" dirty="0" smtClean="0">
-                <a:solidFill>
-                  <a:srgbClr val="000000"/>
-                </a:solidFill>
-                <a:latin typeface="Consolas" panose="020B0609020204030204" pitchFamily="49" charset="0"/>
-              </a:rPr>
-              <a:t> </a:t>
-            </a:r>
-            <a:r>
-              <a:rPr lang="it-IT" sz="1600" dirty="0" smtClean="0">
+              <a:rPr lang="it-IT" sz="1600" dirty="0">
+                <a:solidFill>
+                  <a:srgbClr val="000000"/>
+                </a:solidFill>
+                <a:latin typeface="Consolas" panose="020B0609020204030204" pitchFamily="49" charset="0"/>
+              </a:rPr>
+              <a:t> </a:t>
+            </a:r>
+            <a:r>
+              <a:rPr lang="it-IT" sz="1600" dirty="0">
                 <a:solidFill>
                   <a:srgbClr val="FF0000"/>
                 </a:solidFill>
@@ -12811,16 +12650,16 @@
               <a:t>'Yeni müşteri eklendi: '</a:t>
             </a:r>
             <a:r>
-              <a:rPr lang="it-IT" sz="1600" dirty="0" smtClean="0">
-                <a:solidFill>
-                  <a:srgbClr val="000000"/>
-                </a:solidFill>
-                <a:latin typeface="Consolas" panose="020B0609020204030204" pitchFamily="49" charset="0"/>
-              </a:rPr>
-              <a:t> </a:t>
-            </a:r>
-            <a:r>
-              <a:rPr lang="it-IT" sz="1600" dirty="0" smtClean="0">
+              <a:rPr lang="it-IT" sz="1600" dirty="0">
+                <a:solidFill>
+                  <a:srgbClr val="000000"/>
+                </a:solidFill>
+                <a:latin typeface="Consolas" panose="020B0609020204030204" pitchFamily="49" charset="0"/>
+              </a:rPr>
+              <a:t> </a:t>
+            </a:r>
+            <a:r>
+              <a:rPr lang="it-IT" sz="1600" dirty="0">
                 <a:solidFill>
                   <a:srgbClr val="808080"/>
                 </a:solidFill>
@@ -12829,7 +12668,7 @@
               <a:t>+</a:t>
             </a:r>
             <a:r>
-              <a:rPr lang="it-IT" sz="1600" dirty="0" smtClean="0">
+              <a:rPr lang="it-IT" sz="1600" dirty="0">
                 <a:solidFill>
                   <a:srgbClr val="000000"/>
                 </a:solidFill>
@@ -12838,7 +12677,7 @@
               <a:t> @FirstName </a:t>
             </a:r>
             <a:r>
-              <a:rPr lang="it-IT" sz="1600" dirty="0" smtClean="0">
+              <a:rPr lang="it-IT" sz="1600" dirty="0">
                 <a:solidFill>
                   <a:srgbClr val="808080"/>
                 </a:solidFill>
@@ -12847,16 +12686,16 @@
               <a:t>+</a:t>
             </a:r>
             <a:r>
-              <a:rPr lang="it-IT" sz="1600" dirty="0" smtClean="0">
-                <a:solidFill>
-                  <a:srgbClr val="000000"/>
-                </a:solidFill>
-                <a:latin typeface="Consolas" panose="020B0609020204030204" pitchFamily="49" charset="0"/>
-              </a:rPr>
-              <a:t> </a:t>
-            </a:r>
-            <a:r>
-              <a:rPr lang="it-IT" sz="1600" dirty="0" smtClean="0">
+              <a:rPr lang="it-IT" sz="1600" dirty="0">
+                <a:solidFill>
+                  <a:srgbClr val="000000"/>
+                </a:solidFill>
+                <a:latin typeface="Consolas" panose="020B0609020204030204" pitchFamily="49" charset="0"/>
+              </a:rPr>
+              <a:t> </a:t>
+            </a:r>
+            <a:r>
+              <a:rPr lang="it-IT" sz="1600" dirty="0">
                 <a:solidFill>
                   <a:srgbClr val="FF0000"/>
                 </a:solidFill>
@@ -12865,16 +12704,16 @@
               <a:t>' '</a:t>
             </a:r>
             <a:r>
-              <a:rPr lang="it-IT" sz="1600" dirty="0" smtClean="0">
-                <a:solidFill>
-                  <a:srgbClr val="000000"/>
-                </a:solidFill>
-                <a:latin typeface="Consolas" panose="020B0609020204030204" pitchFamily="49" charset="0"/>
-              </a:rPr>
-              <a:t> </a:t>
-            </a:r>
-            <a:r>
-              <a:rPr lang="it-IT" sz="1600" dirty="0" smtClean="0">
+              <a:rPr lang="it-IT" sz="1600" dirty="0">
+                <a:solidFill>
+                  <a:srgbClr val="000000"/>
+                </a:solidFill>
+                <a:latin typeface="Consolas" panose="020B0609020204030204" pitchFamily="49" charset="0"/>
+              </a:rPr>
+              <a:t> </a:t>
+            </a:r>
+            <a:r>
+              <a:rPr lang="it-IT" sz="1600" dirty="0">
                 <a:solidFill>
                   <a:srgbClr val="808080"/>
                 </a:solidFill>
@@ -12883,7 +12722,7 @@
               <a:t>+</a:t>
             </a:r>
             <a:r>
-              <a:rPr lang="it-IT" sz="1600" dirty="0" smtClean="0">
+              <a:rPr lang="it-IT" sz="1600" dirty="0">
                 <a:solidFill>
                   <a:srgbClr val="000000"/>
                 </a:solidFill>
@@ -12892,7 +12731,7 @@
               <a:t> @LastName</a:t>
             </a:r>
             <a:r>
-              <a:rPr lang="it-IT" sz="1600" dirty="0" smtClean="0">
+              <a:rPr lang="it-IT" sz="1600" dirty="0">
                 <a:solidFill>
                   <a:srgbClr val="808080"/>
                 </a:solidFill>
@@ -12900,7 +12739,7 @@
               </a:rPr>
               <a:t>;</a:t>
             </a:r>
-            <a:endParaRPr lang="it-IT" sz="1600" dirty="0" smtClean="0">
+            <a:endParaRPr lang="it-IT" sz="1600" dirty="0">
               <a:solidFill>
                 <a:srgbClr val="000000"/>
               </a:solidFill>
@@ -12909,7 +12748,7 @@
           </a:p>
           <a:p>
             <a:r>
-              <a:rPr lang="tr-TR" sz="1600" dirty="0" smtClean="0">
+              <a:rPr lang="tr-TR" sz="1600" dirty="0">
                 <a:solidFill>
                   <a:srgbClr val="0000FF"/>
                 </a:solidFill>
@@ -12918,7 +12757,7 @@
               <a:t>END</a:t>
             </a:r>
             <a:r>
-              <a:rPr lang="tr-TR" sz="1600" dirty="0" smtClean="0">
+              <a:rPr lang="tr-TR" sz="1600" dirty="0">
                 <a:solidFill>
                   <a:srgbClr val="808080"/>
                 </a:solidFill>
@@ -13027,57 +12866,57 @@
               <a:buNone/>
             </a:pPr>
             <a:r>
-              <a:rPr lang="tr-TR" dirty="0" err="1" smtClean="0"/>
+              <a:rPr lang="tr-TR" dirty="0" err="1"/>
               <a:t>Create</a:t>
             </a:r>
             <a:r>
-              <a:rPr lang="tr-TR" dirty="0" smtClean="0"/>
-              <a:t> </a:t>
-            </a:r>
-            <a:r>
-              <a:rPr lang="tr-TR" dirty="0" err="1" smtClean="0"/>
+              <a:rPr lang="tr-TR" dirty="0"/>
+              <a:t> </a:t>
+            </a:r>
+            <a:r>
+              <a:rPr lang="tr-TR" dirty="0" err="1"/>
               <a:t>procedure</a:t>
             </a:r>
             <a:r>
-              <a:rPr lang="tr-TR" dirty="0" smtClean="0"/>
-              <a:t> </a:t>
-            </a:r>
-            <a:r>
-              <a:rPr lang="tr-TR" dirty="0" err="1" smtClean="0"/>
+              <a:rPr lang="tr-TR" dirty="0"/>
+              <a:t> </a:t>
+            </a:r>
+            <a:r>
+              <a:rPr lang="tr-TR" dirty="0" err="1"/>
               <a:t>sp_ismi</a:t>
             </a:r>
             <a:r>
-              <a:rPr lang="tr-TR" dirty="0" smtClean="0"/>
+              <a:rPr lang="tr-TR" dirty="0"/>
               <a:t>   yada </a:t>
             </a:r>
             <a:r>
-              <a:rPr lang="tr-TR" dirty="0" err="1" smtClean="0"/>
+              <a:rPr lang="tr-TR" dirty="0" err="1"/>
               <a:t>Create</a:t>
             </a:r>
             <a:r>
-              <a:rPr lang="tr-TR" dirty="0" smtClean="0"/>
-              <a:t> </a:t>
-            </a:r>
-            <a:r>
-              <a:rPr lang="tr-TR" dirty="0" err="1" smtClean="0"/>
+              <a:rPr lang="tr-TR" dirty="0"/>
+              <a:t> </a:t>
+            </a:r>
+            <a:r>
+              <a:rPr lang="tr-TR" dirty="0" err="1"/>
               <a:t>Proc</a:t>
             </a:r>
             <a:r>
-              <a:rPr lang="tr-TR" dirty="0" smtClean="0"/>
-              <a:t> </a:t>
-            </a:r>
-            <a:r>
-              <a:rPr lang="tr-TR" dirty="0" err="1" smtClean="0"/>
+              <a:rPr lang="tr-TR" dirty="0"/>
+              <a:t> </a:t>
+            </a:r>
+            <a:r>
+              <a:rPr lang="tr-TR" dirty="0" err="1"/>
               <a:t>sp_ismi</a:t>
             </a:r>
-            <a:endParaRPr lang="tr-TR" dirty="0" smtClean="0"/>
+            <a:endParaRPr lang="tr-TR" dirty="0"/>
           </a:p>
           <a:p>
             <a:pPr marL="0" indent="0">
               <a:buNone/>
             </a:pPr>
             <a:r>
-              <a:rPr lang="tr-TR" dirty="0" smtClean="0"/>
+              <a:rPr lang="tr-TR" dirty="0"/>
               <a:t>As</a:t>
             </a:r>
           </a:p>
@@ -13086,24 +12925,23 @@
               <a:buNone/>
             </a:pPr>
             <a:r>
-              <a:rPr lang="tr-TR" dirty="0" err="1" smtClean="0"/>
+              <a:rPr lang="tr-TR" dirty="0" err="1"/>
               <a:t>Sql</a:t>
             </a:r>
             <a:r>
-              <a:rPr lang="tr-TR" dirty="0" smtClean="0"/>
+              <a:rPr lang="tr-TR" dirty="0"/>
               <a:t> İfadesi</a:t>
             </a:r>
+          </a:p>
+          <a:p>
+            <a:pPr marL="0" indent="0">
+              <a:buNone/>
+            </a:pPr>
+            <a:r>
+              <a:rPr lang="tr-TR" dirty="0" err="1"/>
+              <a:t>Go</a:t>
+            </a:r>
             <a:endParaRPr lang="tr-TR" dirty="0"/>
-          </a:p>
-          <a:p>
-            <a:pPr marL="0" indent="0">
-              <a:buNone/>
-            </a:pPr>
-            <a:r>
-              <a:rPr lang="tr-TR" dirty="0" err="1" smtClean="0"/>
-              <a:t>Go</a:t>
-            </a:r>
-            <a:endParaRPr lang="tr-TR" dirty="0" smtClean="0"/>
           </a:p>
           <a:p>
             <a:pPr marL="0" indent="0">
@@ -13116,19 +12954,19 @@
               <a:buNone/>
             </a:pPr>
             <a:r>
-              <a:rPr lang="tr-TR" dirty="0" err="1" smtClean="0"/>
+              <a:rPr lang="tr-TR" dirty="0" err="1"/>
               <a:t>Create</a:t>
             </a:r>
             <a:r>
-              <a:rPr lang="tr-TR" dirty="0" smtClean="0"/>
-              <a:t> </a:t>
-            </a:r>
-            <a:r>
-              <a:rPr lang="tr-TR" dirty="0" err="1" smtClean="0"/>
+              <a:rPr lang="tr-TR" dirty="0"/>
+              <a:t> </a:t>
+            </a:r>
+            <a:r>
+              <a:rPr lang="tr-TR" dirty="0" err="1"/>
               <a:t>Procedure</a:t>
             </a:r>
             <a:r>
-              <a:rPr lang="tr-TR" dirty="0" smtClean="0"/>
+              <a:rPr lang="tr-TR" dirty="0"/>
               <a:t> Stok</a:t>
             </a:r>
           </a:p>
@@ -13137,7 +12975,7 @@
               <a:buNone/>
             </a:pPr>
             <a:r>
-              <a:rPr lang="tr-TR" dirty="0" smtClean="0"/>
+              <a:rPr lang="tr-TR" dirty="0"/>
               <a:t>As</a:t>
             </a:r>
           </a:p>
@@ -13146,15 +12984,15 @@
               <a:buNone/>
             </a:pPr>
             <a:r>
-              <a:rPr lang="tr-TR" dirty="0" smtClean="0"/>
+              <a:rPr lang="tr-TR" dirty="0"/>
               <a:t>Select * </a:t>
             </a:r>
             <a:r>
-              <a:rPr lang="tr-TR" dirty="0" err="1" smtClean="0"/>
+              <a:rPr lang="tr-TR" dirty="0" err="1"/>
               <a:t>from</a:t>
             </a:r>
             <a:r>
-              <a:rPr lang="tr-TR" dirty="0" smtClean="0"/>
+              <a:rPr lang="tr-TR" dirty="0"/>
               <a:t> Ürünler</a:t>
             </a:r>
           </a:p>
@@ -13163,40 +13001,38 @@
               <a:buNone/>
             </a:pPr>
             <a:r>
-              <a:rPr lang="tr-TR" dirty="0" err="1" smtClean="0"/>
+              <a:rPr lang="tr-TR" dirty="0" err="1"/>
               <a:t>Go</a:t>
             </a:r>
-            <a:endParaRPr lang="tr-TR" dirty="0" smtClean="0"/>
+            <a:endParaRPr lang="tr-TR" dirty="0"/>
           </a:p>
           <a:p>
             <a:pPr marL="0" indent="0">
               <a:buNone/>
             </a:pPr>
-            <a:endParaRPr lang="tr-TR" dirty="0" smtClean="0"/>
+            <a:endParaRPr lang="tr-TR" dirty="0"/>
           </a:p>
           <a:p>
             <a:pPr marL="0" indent="0">
               <a:buNone/>
             </a:pPr>
             <a:r>
-              <a:rPr lang="tr-TR" dirty="0" smtClean="0"/>
+              <a:rPr lang="tr-TR" dirty="0"/>
               <a:t>Çalıştırmak için;</a:t>
             </a:r>
-            <a:endParaRPr lang="tr-TR" dirty="0"/>
           </a:p>
           <a:p>
             <a:pPr marL="0" indent="0">
               <a:buNone/>
             </a:pPr>
             <a:r>
-              <a:rPr lang="tr-TR" dirty="0" err="1" smtClean="0"/>
+              <a:rPr lang="tr-TR" dirty="0" err="1"/>
               <a:t>Exec</a:t>
             </a:r>
             <a:r>
-              <a:rPr lang="tr-TR" dirty="0" smtClean="0"/>
+              <a:rPr lang="tr-TR" dirty="0"/>
               <a:t> Stok</a:t>
             </a:r>
-            <a:endParaRPr lang="tr-TR" dirty="0"/>
           </a:p>
         </p:txBody>
       </p:sp>
@@ -13950,7 +13786,7 @@
           <a:lstStyle/>
           <a:p>
             <a:r>
-              <a:rPr lang="tr-TR" dirty="0" smtClean="0">
+              <a:rPr lang="tr-TR" dirty="0">
                 <a:solidFill>
                   <a:srgbClr val="008000"/>
                 </a:solidFill>
@@ -13961,7 +13797,7 @@
           </a:p>
           <a:p>
             <a:r>
-              <a:rPr lang="tr-TR" dirty="0" smtClean="0">
+              <a:rPr lang="tr-TR" dirty="0">
                 <a:solidFill>
                   <a:srgbClr val="0000FF"/>
                 </a:solidFill>
@@ -13970,16 +13806,16 @@
               <a:t>CREATE</a:t>
             </a:r>
             <a:r>
-              <a:rPr lang="tr-TR" dirty="0" smtClean="0">
-                <a:solidFill>
-                  <a:srgbClr val="000000"/>
-                </a:solidFill>
-                <a:latin typeface="Consolas" panose="020B0609020204030204" pitchFamily="49" charset="0"/>
-              </a:rPr>
-              <a:t> </a:t>
-            </a:r>
-            <a:r>
-              <a:rPr lang="tr-TR" dirty="0" smtClean="0">
+              <a:rPr lang="tr-TR" dirty="0">
+                <a:solidFill>
+                  <a:srgbClr val="000000"/>
+                </a:solidFill>
+                <a:latin typeface="Consolas" panose="020B0609020204030204" pitchFamily="49" charset="0"/>
+              </a:rPr>
+              <a:t> </a:t>
+            </a:r>
+            <a:r>
+              <a:rPr lang="tr-TR" dirty="0">
                 <a:solidFill>
                   <a:srgbClr val="0000FF"/>
                 </a:solidFill>
@@ -13988,7 +13824,7 @@
               <a:t>TRIGGER</a:t>
             </a:r>
             <a:r>
-              <a:rPr lang="tr-TR" dirty="0" smtClean="0">
+              <a:rPr lang="tr-TR" dirty="0">
                 <a:solidFill>
                   <a:srgbClr val="000000"/>
                 </a:solidFill>
@@ -13999,7 +13835,7 @@
           </a:p>
           <a:p>
             <a:r>
-              <a:rPr lang="tr-TR" dirty="0" smtClean="0">
+              <a:rPr lang="tr-TR" dirty="0">
                 <a:solidFill>
                   <a:srgbClr val="0000FF"/>
                 </a:solidFill>
@@ -14008,7 +13844,7 @@
               <a:t>ON</a:t>
             </a:r>
             <a:r>
-              <a:rPr lang="tr-TR" dirty="0" smtClean="0">
+              <a:rPr lang="tr-TR" dirty="0">
                 <a:solidFill>
                   <a:srgbClr val="000000"/>
                 </a:solidFill>
@@ -14019,7 +13855,7 @@
           </a:p>
           <a:p>
             <a:r>
-              <a:rPr lang="tr-TR" dirty="0" smtClean="0">
+              <a:rPr lang="tr-TR" dirty="0">
                 <a:solidFill>
                   <a:srgbClr val="0000FF"/>
                 </a:solidFill>
@@ -14028,16 +13864,16 @@
               <a:t>AFTER</a:t>
             </a:r>
             <a:r>
-              <a:rPr lang="tr-TR" dirty="0" smtClean="0">
-                <a:solidFill>
-                  <a:srgbClr val="000000"/>
-                </a:solidFill>
-                <a:latin typeface="Consolas" panose="020B0609020204030204" pitchFamily="49" charset="0"/>
-              </a:rPr>
-              <a:t> </a:t>
-            </a:r>
-            <a:r>
-              <a:rPr lang="tr-TR" dirty="0" smtClean="0">
+              <a:rPr lang="tr-TR" dirty="0">
+                <a:solidFill>
+                  <a:srgbClr val="000000"/>
+                </a:solidFill>
+                <a:latin typeface="Consolas" panose="020B0609020204030204" pitchFamily="49" charset="0"/>
+              </a:rPr>
+              <a:t> </a:t>
+            </a:r>
+            <a:r>
+              <a:rPr lang="tr-TR" dirty="0">
                 <a:solidFill>
                   <a:srgbClr val="FF00FF"/>
                 </a:solidFill>
@@ -14045,7 +13881,7 @@
               </a:rPr>
               <a:t>UPDATE</a:t>
             </a:r>
-            <a:endParaRPr lang="tr-TR" dirty="0" smtClean="0">
+            <a:endParaRPr lang="tr-TR" dirty="0">
               <a:solidFill>
                 <a:srgbClr val="000000"/>
               </a:solidFill>
@@ -14054,7 +13890,7 @@
           </a:p>
           <a:p>
             <a:r>
-              <a:rPr lang="tr-TR" dirty="0" smtClean="0">
+              <a:rPr lang="tr-TR" dirty="0">
                 <a:solidFill>
                   <a:srgbClr val="0000FF"/>
                 </a:solidFill>
@@ -14062,7 +13898,7 @@
               </a:rPr>
               <a:t>AS</a:t>
             </a:r>
-            <a:endParaRPr lang="tr-TR" dirty="0" smtClean="0">
+            <a:endParaRPr lang="tr-TR" dirty="0">
               <a:solidFill>
                 <a:srgbClr val="000000"/>
               </a:solidFill>
@@ -14071,7 +13907,7 @@
           </a:p>
           <a:p>
             <a:r>
-              <a:rPr lang="tr-TR" dirty="0" smtClean="0">
+              <a:rPr lang="tr-TR" dirty="0">
                 <a:solidFill>
                   <a:srgbClr val="0000FF"/>
                 </a:solidFill>
@@ -14079,7 +13915,7 @@
               </a:rPr>
               <a:t>BEGIN</a:t>
             </a:r>
-            <a:endParaRPr lang="tr-TR" dirty="0" smtClean="0">
+            <a:endParaRPr lang="tr-TR" dirty="0">
               <a:solidFill>
                 <a:srgbClr val="000000"/>
               </a:solidFill>
@@ -14088,7 +13924,7 @@
           </a:p>
           <a:p>
             <a:r>
-              <a:rPr lang="tr-TR" dirty="0" smtClean="0">
+              <a:rPr lang="tr-TR" dirty="0">
                 <a:solidFill>
                   <a:srgbClr val="000000"/>
                 </a:solidFill>
@@ -14097,7 +13933,7 @@
               <a:t>    </a:t>
             </a:r>
             <a:r>
-              <a:rPr lang="tr-TR" dirty="0" smtClean="0">
+              <a:rPr lang="tr-TR" dirty="0">
                 <a:solidFill>
                   <a:srgbClr val="0000FF"/>
                 </a:solidFill>
@@ -14106,7 +13942,7 @@
               <a:t>DECLARE</a:t>
             </a:r>
             <a:r>
-              <a:rPr lang="tr-TR" dirty="0" smtClean="0">
+              <a:rPr lang="tr-TR" dirty="0">
                 <a:solidFill>
                   <a:srgbClr val="000000"/>
                 </a:solidFill>
@@ -14115,7 +13951,7 @@
               <a:t> @CustomerID </a:t>
             </a:r>
             <a:r>
-              <a:rPr lang="tr-TR" dirty="0" smtClean="0">
+              <a:rPr lang="tr-TR" dirty="0">
                 <a:solidFill>
                   <a:srgbClr val="0000FF"/>
                 </a:solidFill>
@@ -14124,7 +13960,7 @@
               <a:t>INT</a:t>
             </a:r>
             <a:r>
-              <a:rPr lang="tr-TR" dirty="0" smtClean="0">
+              <a:rPr lang="tr-TR" dirty="0">
                 <a:solidFill>
                   <a:srgbClr val="808080"/>
                 </a:solidFill>
@@ -14133,7 +13969,7 @@
               <a:t>,</a:t>
             </a:r>
             <a:r>
-              <a:rPr lang="tr-TR" dirty="0" smtClean="0">
+              <a:rPr lang="tr-TR" dirty="0">
                 <a:solidFill>
                   <a:srgbClr val="000000"/>
                 </a:solidFill>
@@ -14142,7 +13978,7 @@
               <a:t> @OldEmail </a:t>
             </a:r>
             <a:r>
-              <a:rPr lang="tr-TR" dirty="0" smtClean="0">
+              <a:rPr lang="tr-TR" dirty="0">
                 <a:solidFill>
                   <a:srgbClr val="0000FF"/>
                 </a:solidFill>
@@ -14151,7 +13987,7 @@
               <a:t>NVARCHAR</a:t>
             </a:r>
             <a:r>
-              <a:rPr lang="tr-TR" dirty="0" smtClean="0">
+              <a:rPr lang="tr-TR" dirty="0">
                 <a:solidFill>
                   <a:srgbClr val="808080"/>
                 </a:solidFill>
@@ -14160,7 +13996,7 @@
               <a:t>(</a:t>
             </a:r>
             <a:r>
-              <a:rPr lang="tr-TR" dirty="0" smtClean="0">
+              <a:rPr lang="tr-TR" dirty="0">
                 <a:solidFill>
                   <a:srgbClr val="000000"/>
                 </a:solidFill>
@@ -14169,7 +14005,7 @@
               <a:t>100</a:t>
             </a:r>
             <a:r>
-              <a:rPr lang="tr-TR" dirty="0" smtClean="0">
+              <a:rPr lang="tr-TR" dirty="0">
                 <a:solidFill>
                   <a:srgbClr val="808080"/>
                 </a:solidFill>
@@ -14178,7 +14014,7 @@
               <a:t>),</a:t>
             </a:r>
             <a:r>
-              <a:rPr lang="tr-TR" dirty="0" smtClean="0">
+              <a:rPr lang="tr-TR" dirty="0">
                 <a:solidFill>
                   <a:srgbClr val="000000"/>
                 </a:solidFill>
@@ -14187,7 +14023,7 @@
               <a:t> @NewEmail </a:t>
             </a:r>
             <a:r>
-              <a:rPr lang="tr-TR" dirty="0" smtClean="0">
+              <a:rPr lang="tr-TR" dirty="0">
                 <a:solidFill>
                   <a:srgbClr val="0000FF"/>
                 </a:solidFill>
@@ -14196,7 +14032,7 @@
               <a:t>NVARCHAR</a:t>
             </a:r>
             <a:r>
-              <a:rPr lang="tr-TR" dirty="0" smtClean="0">
+              <a:rPr lang="tr-TR" dirty="0">
                 <a:solidFill>
                   <a:srgbClr val="808080"/>
                 </a:solidFill>
@@ -14205,7 +14041,7 @@
               <a:t>(</a:t>
             </a:r>
             <a:r>
-              <a:rPr lang="tr-TR" dirty="0" smtClean="0">
+              <a:rPr lang="tr-TR" dirty="0">
                 <a:solidFill>
                   <a:srgbClr val="000000"/>
                 </a:solidFill>
@@ -14214,7 +14050,7 @@
               <a:t>100</a:t>
             </a:r>
             <a:r>
-              <a:rPr lang="tr-TR" dirty="0" smtClean="0">
+              <a:rPr lang="tr-TR" dirty="0">
                 <a:solidFill>
                   <a:srgbClr val="808080"/>
                 </a:solidFill>
@@ -14222,7 +14058,7 @@
               </a:rPr>
               <a:t>);</a:t>
             </a:r>
-            <a:endParaRPr lang="tr-TR" dirty="0" smtClean="0">
+            <a:endParaRPr lang="tr-TR" dirty="0">
               <a:solidFill>
                 <a:srgbClr val="000000"/>
               </a:solidFill>
@@ -14230,7 +14066,7 @@
             </a:endParaRPr>
           </a:p>
           <a:p>
-            <a:endParaRPr lang="tr-TR" dirty="0" smtClean="0">
+            <a:endParaRPr lang="tr-TR" dirty="0">
               <a:solidFill>
                 <a:srgbClr val="000000"/>
               </a:solidFill>
@@ -14239,7 +14075,7 @@
           </a:p>
           <a:p>
             <a:r>
-              <a:rPr lang="tr-TR" dirty="0" smtClean="0">
+              <a:rPr lang="tr-TR" dirty="0">
                 <a:solidFill>
                   <a:srgbClr val="000000"/>
                 </a:solidFill>
@@ -14248,7 +14084,7 @@
               <a:t>    </a:t>
             </a:r>
             <a:r>
-              <a:rPr lang="tr-TR" dirty="0" smtClean="0">
+              <a:rPr lang="tr-TR" dirty="0">
                 <a:solidFill>
                   <a:srgbClr val="008000"/>
                 </a:solidFill>
@@ -14256,7 +14092,7 @@
               </a:rPr>
               <a:t>-- Güncellenmiş müşteri bilgilerini al</a:t>
             </a:r>
-            <a:endParaRPr lang="tr-TR" dirty="0" smtClean="0">
+            <a:endParaRPr lang="tr-TR" dirty="0">
               <a:solidFill>
                 <a:srgbClr val="000000"/>
               </a:solidFill>
@@ -14265,7 +14101,7 @@
           </a:p>
           <a:p>
             <a:r>
-              <a:rPr lang="tr-TR" dirty="0" smtClean="0">
+              <a:rPr lang="tr-TR" dirty="0">
                 <a:solidFill>
                   <a:srgbClr val="000000"/>
                 </a:solidFill>
@@ -14274,7 +14110,7 @@
               <a:t>    </a:t>
             </a:r>
             <a:r>
-              <a:rPr lang="tr-TR" dirty="0" smtClean="0">
+              <a:rPr lang="tr-TR" dirty="0">
                 <a:solidFill>
                   <a:srgbClr val="0000FF"/>
                 </a:solidFill>
@@ -14283,7 +14119,7 @@
               <a:t>SELECT</a:t>
             </a:r>
             <a:r>
-              <a:rPr lang="tr-TR" dirty="0" smtClean="0">
+              <a:rPr lang="tr-TR" dirty="0">
                 <a:solidFill>
                   <a:srgbClr val="000000"/>
                 </a:solidFill>
@@ -14292,7 +14128,7 @@
               <a:t> @CustomerID </a:t>
             </a:r>
             <a:r>
-              <a:rPr lang="tr-TR" dirty="0" smtClean="0">
+              <a:rPr lang="tr-TR" dirty="0">
                 <a:solidFill>
                   <a:srgbClr val="808080"/>
                 </a:solidFill>
@@ -14301,7 +14137,7 @@
               <a:t>=</a:t>
             </a:r>
             <a:r>
-              <a:rPr lang="tr-TR" dirty="0" smtClean="0">
+              <a:rPr lang="tr-TR" dirty="0">
                 <a:solidFill>
                   <a:srgbClr val="000000"/>
                 </a:solidFill>
@@ -14310,7 +14146,7 @@
               <a:t> CustomerID</a:t>
             </a:r>
             <a:r>
-              <a:rPr lang="tr-TR" dirty="0" smtClean="0">
+              <a:rPr lang="tr-TR" dirty="0">
                 <a:solidFill>
                   <a:srgbClr val="808080"/>
                 </a:solidFill>
@@ -14319,18 +14155,18 @@
               <a:t>,</a:t>
             </a:r>
             <a:r>
-              <a:rPr lang="tr-TR" dirty="0" smtClean="0">
-                <a:solidFill>
-                  <a:srgbClr val="000000"/>
-                </a:solidFill>
-                <a:latin typeface="Consolas" panose="020B0609020204030204" pitchFamily="49" charset="0"/>
-              </a:rPr>
-              <a:t> </a:t>
-            </a:r>
-          </a:p>
-          <a:p>
-            <a:r>
-              <a:rPr lang="en-US" dirty="0" smtClean="0">
+              <a:rPr lang="tr-TR" dirty="0">
+                <a:solidFill>
+                  <a:srgbClr val="000000"/>
+                </a:solidFill>
+                <a:latin typeface="Consolas" panose="020B0609020204030204" pitchFamily="49" charset="0"/>
+              </a:rPr>
+              <a:t> </a:t>
+            </a:r>
+          </a:p>
+          <a:p>
+            <a:r>
+              <a:rPr lang="en-US" dirty="0">
                 <a:solidFill>
                   <a:srgbClr val="000000"/>
                 </a:solidFill>
@@ -14339,7 +14175,7 @@
               <a:t>           @</a:t>
             </a:r>
             <a:r>
-              <a:rPr lang="en-US" dirty="0" err="1" smtClean="0">
+              <a:rPr lang="en-US" dirty="0" err="1">
                 <a:solidFill>
                   <a:srgbClr val="000000"/>
                 </a:solidFill>
@@ -14348,16 +14184,16 @@
               <a:t>OldEmail</a:t>
             </a:r>
             <a:r>
-              <a:rPr lang="en-US" dirty="0" smtClean="0">
-                <a:solidFill>
-                  <a:srgbClr val="000000"/>
-                </a:solidFill>
-                <a:latin typeface="Consolas" panose="020B0609020204030204" pitchFamily="49" charset="0"/>
-              </a:rPr>
-              <a:t> </a:t>
-            </a:r>
-            <a:r>
-              <a:rPr lang="en-US" dirty="0" smtClean="0">
+              <a:rPr lang="en-US" dirty="0">
+                <a:solidFill>
+                  <a:srgbClr val="000000"/>
+                </a:solidFill>
+                <a:latin typeface="Consolas" panose="020B0609020204030204" pitchFamily="49" charset="0"/>
+              </a:rPr>
+              <a:t> </a:t>
+            </a:r>
+            <a:r>
+              <a:rPr lang="en-US" dirty="0">
                 <a:solidFill>
                   <a:srgbClr val="808080"/>
                 </a:solidFill>
@@ -14366,7 +14202,7 @@
               <a:t>=</a:t>
             </a:r>
             <a:r>
-              <a:rPr lang="en-US" dirty="0" smtClean="0">
+              <a:rPr lang="en-US" dirty="0">
                 <a:solidFill>
                   <a:srgbClr val="0000FF"/>
                 </a:solidFill>
@@ -14375,7 +14211,7 @@
               <a:t> </a:t>
             </a:r>
             <a:r>
-              <a:rPr lang="en-US" dirty="0" smtClean="0">
+              <a:rPr lang="en-US" dirty="0">
                 <a:solidFill>
                   <a:srgbClr val="808080"/>
                 </a:solidFill>
@@ -14384,7 +14220,7 @@
               <a:t>(</a:t>
             </a:r>
             <a:r>
-              <a:rPr lang="en-US" dirty="0" smtClean="0">
+              <a:rPr lang="en-US" dirty="0">
                 <a:solidFill>
                   <a:srgbClr val="0000FF"/>
                 </a:solidFill>
@@ -14393,7 +14229,7 @@
               <a:t>SELECT</a:t>
             </a:r>
             <a:r>
-              <a:rPr lang="en-US" dirty="0" smtClean="0">
+              <a:rPr lang="en-US" dirty="0">
                 <a:solidFill>
                   <a:srgbClr val="000000"/>
                 </a:solidFill>
@@ -14402,7 +14238,7 @@
               <a:t> Email </a:t>
             </a:r>
             <a:r>
-              <a:rPr lang="en-US" dirty="0" smtClean="0">
+              <a:rPr lang="en-US" dirty="0">
                 <a:solidFill>
                   <a:srgbClr val="0000FF"/>
                 </a:solidFill>
@@ -14411,7 +14247,7 @@
               <a:t>FROM</a:t>
             </a:r>
             <a:r>
-              <a:rPr lang="en-US" dirty="0" smtClean="0">
+              <a:rPr lang="en-US" dirty="0">
                 <a:solidFill>
                   <a:srgbClr val="000000"/>
                 </a:solidFill>
@@ -14420,7 +14256,7 @@
               <a:t> DELETED </a:t>
             </a:r>
             <a:r>
-              <a:rPr lang="en-US" dirty="0" smtClean="0">
+              <a:rPr lang="en-US" dirty="0">
                 <a:solidFill>
                   <a:srgbClr val="0000FF"/>
                 </a:solidFill>
@@ -14429,16 +14265,16 @@
               <a:t>WHERE</a:t>
             </a:r>
             <a:r>
-              <a:rPr lang="en-US" dirty="0" smtClean="0">
-                <a:solidFill>
-                  <a:srgbClr val="000000"/>
-                </a:solidFill>
-                <a:latin typeface="Consolas" panose="020B0609020204030204" pitchFamily="49" charset="0"/>
-              </a:rPr>
-              <a:t> </a:t>
-            </a:r>
-            <a:r>
-              <a:rPr lang="en-US" dirty="0" err="1" smtClean="0">
+              <a:rPr lang="en-US" dirty="0">
+                <a:solidFill>
+                  <a:srgbClr val="000000"/>
+                </a:solidFill>
+                <a:latin typeface="Consolas" panose="020B0609020204030204" pitchFamily="49" charset="0"/>
+              </a:rPr>
+              <a:t> </a:t>
+            </a:r>
+            <a:r>
+              <a:rPr lang="en-US" dirty="0" err="1">
                 <a:solidFill>
                   <a:srgbClr val="000000"/>
                 </a:solidFill>
@@ -14447,16 +14283,16 @@
               <a:t>CustomerID</a:t>
             </a:r>
             <a:r>
-              <a:rPr lang="en-US" dirty="0" smtClean="0">
-                <a:solidFill>
-                  <a:srgbClr val="000000"/>
-                </a:solidFill>
-                <a:latin typeface="Consolas" panose="020B0609020204030204" pitchFamily="49" charset="0"/>
-              </a:rPr>
-              <a:t> </a:t>
-            </a:r>
-            <a:r>
-              <a:rPr lang="en-US" dirty="0" smtClean="0">
+              <a:rPr lang="en-US" dirty="0">
+                <a:solidFill>
+                  <a:srgbClr val="000000"/>
+                </a:solidFill>
+                <a:latin typeface="Consolas" panose="020B0609020204030204" pitchFamily="49" charset="0"/>
+              </a:rPr>
+              <a:t> </a:t>
+            </a:r>
+            <a:r>
+              <a:rPr lang="en-US" dirty="0">
                 <a:solidFill>
                   <a:srgbClr val="808080"/>
                 </a:solidFill>
@@ -14465,16 +14301,16 @@
               <a:t>=</a:t>
             </a:r>
             <a:r>
-              <a:rPr lang="en-US" dirty="0" smtClean="0">
-                <a:solidFill>
-                  <a:srgbClr val="000000"/>
-                </a:solidFill>
-                <a:latin typeface="Consolas" panose="020B0609020204030204" pitchFamily="49" charset="0"/>
-              </a:rPr>
-              <a:t> </a:t>
-            </a:r>
-            <a:r>
-              <a:rPr lang="en-US" dirty="0" err="1" smtClean="0">
+              <a:rPr lang="en-US" dirty="0">
+                <a:solidFill>
+                  <a:srgbClr val="000000"/>
+                </a:solidFill>
+                <a:latin typeface="Consolas" panose="020B0609020204030204" pitchFamily="49" charset="0"/>
+              </a:rPr>
+              <a:t> </a:t>
+            </a:r>
+            <a:r>
+              <a:rPr lang="en-US" dirty="0" err="1">
                 <a:solidFill>
                   <a:srgbClr val="000000"/>
                 </a:solidFill>
@@ -14483,7 +14319,7 @@
               <a:t>INSERTED</a:t>
             </a:r>
             <a:r>
-              <a:rPr lang="en-US" dirty="0" err="1" smtClean="0">
+              <a:rPr lang="en-US" dirty="0" err="1">
                 <a:solidFill>
                   <a:srgbClr val="808080"/>
                 </a:solidFill>
@@ -14492,7 +14328,7 @@
               <a:t>.</a:t>
             </a:r>
             <a:r>
-              <a:rPr lang="en-US" dirty="0" err="1" smtClean="0">
+              <a:rPr lang="en-US" dirty="0" err="1">
                 <a:solidFill>
                   <a:srgbClr val="000000"/>
                 </a:solidFill>
@@ -14501,7 +14337,7 @@
               <a:t>CustomerID</a:t>
             </a:r>
             <a:r>
-              <a:rPr lang="en-US" dirty="0" smtClean="0">
+              <a:rPr lang="en-US" dirty="0">
                 <a:solidFill>
                   <a:srgbClr val="808080"/>
                 </a:solidFill>
@@ -14510,18 +14346,18 @@
               <a:t>),</a:t>
             </a:r>
             <a:r>
-              <a:rPr lang="en-US" dirty="0" smtClean="0">
-                <a:solidFill>
-                  <a:srgbClr val="000000"/>
-                </a:solidFill>
-                <a:latin typeface="Consolas" panose="020B0609020204030204" pitchFamily="49" charset="0"/>
-              </a:rPr>
-              <a:t> </a:t>
-            </a:r>
-          </a:p>
-          <a:p>
-            <a:r>
-              <a:rPr lang="tr-TR" dirty="0" smtClean="0">
+              <a:rPr lang="en-US" dirty="0">
+                <a:solidFill>
+                  <a:srgbClr val="000000"/>
+                </a:solidFill>
+                <a:latin typeface="Consolas" panose="020B0609020204030204" pitchFamily="49" charset="0"/>
+              </a:rPr>
+              <a:t> </a:t>
+            </a:r>
+          </a:p>
+          <a:p>
+            <a:r>
+              <a:rPr lang="tr-TR" dirty="0">
                 <a:solidFill>
                   <a:srgbClr val="000000"/>
                 </a:solidFill>
@@ -14530,7 +14366,7 @@
               <a:t>           @NewEmail </a:t>
             </a:r>
             <a:r>
-              <a:rPr lang="tr-TR" dirty="0" smtClean="0">
+              <a:rPr lang="tr-TR" dirty="0">
                 <a:solidFill>
                   <a:srgbClr val="808080"/>
                 </a:solidFill>
@@ -14539,7 +14375,7 @@
               <a:t>=</a:t>
             </a:r>
             <a:r>
-              <a:rPr lang="tr-TR" dirty="0" smtClean="0">
+              <a:rPr lang="tr-TR" dirty="0">
                 <a:solidFill>
                   <a:srgbClr val="000000"/>
                 </a:solidFill>
@@ -14548,7 +14384,7 @@
               <a:t> INSERTED</a:t>
             </a:r>
             <a:r>
-              <a:rPr lang="tr-TR" dirty="0" smtClean="0">
+              <a:rPr lang="tr-TR" dirty="0">
                 <a:solidFill>
                   <a:srgbClr val="808080"/>
                 </a:solidFill>
@@ -14557,7 +14393,7 @@
               <a:t>.</a:t>
             </a:r>
             <a:r>
-              <a:rPr lang="tr-TR" dirty="0" smtClean="0">
+              <a:rPr lang="tr-TR" dirty="0">
                 <a:solidFill>
                   <a:srgbClr val="000000"/>
                 </a:solidFill>
@@ -14568,7 +14404,7 @@
           </a:p>
           <a:p>
             <a:r>
-              <a:rPr lang="tr-TR" dirty="0" smtClean="0">
+              <a:rPr lang="tr-TR" dirty="0">
                 <a:solidFill>
                   <a:srgbClr val="000000"/>
                 </a:solidFill>
@@ -14577,7 +14413,7 @@
               <a:t>    </a:t>
             </a:r>
             <a:r>
-              <a:rPr lang="tr-TR" dirty="0" smtClean="0">
+              <a:rPr lang="tr-TR" dirty="0">
                 <a:solidFill>
                   <a:srgbClr val="0000FF"/>
                 </a:solidFill>
@@ -14586,7 +14422,7 @@
               <a:t>FROM</a:t>
             </a:r>
             <a:r>
-              <a:rPr lang="tr-TR" dirty="0" smtClean="0">
+              <a:rPr lang="tr-TR" dirty="0">
                 <a:solidFill>
                   <a:srgbClr val="000000"/>
                 </a:solidFill>
@@ -14595,7 +14431,7 @@
               <a:t> INSERTED</a:t>
             </a:r>
             <a:r>
-              <a:rPr lang="tr-TR" dirty="0" smtClean="0">
+              <a:rPr lang="tr-TR" dirty="0">
                 <a:solidFill>
                   <a:srgbClr val="808080"/>
                 </a:solidFill>
@@ -14603,7 +14439,7 @@
               </a:rPr>
               <a:t>;</a:t>
             </a:r>
-            <a:endParaRPr lang="tr-TR" dirty="0" smtClean="0">
+            <a:endParaRPr lang="tr-TR" dirty="0">
               <a:solidFill>
                 <a:srgbClr val="000000"/>
               </a:solidFill>
@@ -14611,7 +14447,7 @@
             </a:endParaRPr>
           </a:p>
           <a:p>
-            <a:endParaRPr lang="tr-TR" dirty="0" smtClean="0">
+            <a:endParaRPr lang="tr-TR" dirty="0">
               <a:solidFill>
                 <a:srgbClr val="000000"/>
               </a:solidFill>
@@ -14620,7 +14456,7 @@
           </a:p>
           <a:p>
             <a:r>
-              <a:rPr lang="it-IT" dirty="0" smtClean="0">
+              <a:rPr lang="it-IT" dirty="0">
                 <a:solidFill>
                   <a:srgbClr val="000000"/>
                 </a:solidFill>
@@ -14629,7 +14465,7 @@
               <a:t>    </a:t>
             </a:r>
             <a:r>
-              <a:rPr lang="it-IT" dirty="0" smtClean="0">
+              <a:rPr lang="it-IT" dirty="0">
                 <a:solidFill>
                   <a:srgbClr val="008000"/>
                 </a:solidFill>
@@ -14637,7 +14473,7 @@
               </a:rPr>
               <a:t>-- Eski ve yeni e-posta adresini yazdır</a:t>
             </a:r>
-            <a:endParaRPr lang="it-IT" dirty="0" smtClean="0">
+            <a:endParaRPr lang="it-IT" dirty="0">
               <a:solidFill>
                 <a:srgbClr val="000000"/>
               </a:solidFill>
@@ -14646,7 +14482,7 @@
           </a:p>
           <a:p>
             <a:r>
-              <a:rPr lang="it-IT" dirty="0" smtClean="0">
+              <a:rPr lang="it-IT" dirty="0">
                 <a:solidFill>
                   <a:srgbClr val="000000"/>
                 </a:solidFill>
@@ -14655,7 +14491,7 @@
               <a:t>    </a:t>
             </a:r>
             <a:r>
-              <a:rPr lang="it-IT" dirty="0" smtClean="0">
+              <a:rPr lang="it-IT" dirty="0">
                 <a:solidFill>
                   <a:srgbClr val="0000FF"/>
                 </a:solidFill>
@@ -14664,16 +14500,16 @@
               <a:t>PRINT</a:t>
             </a:r>
             <a:r>
-              <a:rPr lang="it-IT" dirty="0" smtClean="0">
-                <a:solidFill>
-                  <a:srgbClr val="000000"/>
-                </a:solidFill>
-                <a:latin typeface="Consolas" panose="020B0609020204030204" pitchFamily="49" charset="0"/>
-              </a:rPr>
-              <a:t> </a:t>
-            </a:r>
-            <a:r>
-              <a:rPr lang="it-IT" dirty="0" smtClean="0">
+              <a:rPr lang="it-IT" dirty="0">
+                <a:solidFill>
+                  <a:srgbClr val="000000"/>
+                </a:solidFill>
+                <a:latin typeface="Consolas" panose="020B0609020204030204" pitchFamily="49" charset="0"/>
+              </a:rPr>
+              <a:t> </a:t>
+            </a:r>
+            <a:r>
+              <a:rPr lang="it-IT" dirty="0">
                 <a:solidFill>
                   <a:srgbClr val="FF0000"/>
                 </a:solidFill>
@@ -14682,16 +14518,16 @@
               <a:t>'Müşteri e-postası güncellendi. Eski: '</a:t>
             </a:r>
             <a:r>
-              <a:rPr lang="it-IT" dirty="0" smtClean="0">
-                <a:solidFill>
-                  <a:srgbClr val="000000"/>
-                </a:solidFill>
-                <a:latin typeface="Consolas" panose="020B0609020204030204" pitchFamily="49" charset="0"/>
-              </a:rPr>
-              <a:t> </a:t>
-            </a:r>
-            <a:r>
-              <a:rPr lang="it-IT" dirty="0" smtClean="0">
+              <a:rPr lang="it-IT" dirty="0">
+                <a:solidFill>
+                  <a:srgbClr val="000000"/>
+                </a:solidFill>
+                <a:latin typeface="Consolas" panose="020B0609020204030204" pitchFamily="49" charset="0"/>
+              </a:rPr>
+              <a:t> </a:t>
+            </a:r>
+            <a:r>
+              <a:rPr lang="it-IT" dirty="0">
                 <a:solidFill>
                   <a:srgbClr val="808080"/>
                 </a:solidFill>
@@ -14700,7 +14536,7 @@
               <a:t>+</a:t>
             </a:r>
             <a:r>
-              <a:rPr lang="it-IT" dirty="0" smtClean="0">
+              <a:rPr lang="it-IT" dirty="0">
                 <a:solidFill>
                   <a:srgbClr val="000000"/>
                 </a:solidFill>
@@ -14709,7 +14545,7 @@
               <a:t> @OldEmail </a:t>
             </a:r>
             <a:r>
-              <a:rPr lang="it-IT" dirty="0" smtClean="0">
+              <a:rPr lang="it-IT" dirty="0">
                 <a:solidFill>
                   <a:srgbClr val="808080"/>
                 </a:solidFill>
@@ -14718,16 +14554,16 @@
               <a:t>+</a:t>
             </a:r>
             <a:r>
-              <a:rPr lang="it-IT" dirty="0" smtClean="0">
-                <a:solidFill>
-                  <a:srgbClr val="000000"/>
-                </a:solidFill>
-                <a:latin typeface="Consolas" panose="020B0609020204030204" pitchFamily="49" charset="0"/>
-              </a:rPr>
-              <a:t> </a:t>
-            </a:r>
-            <a:r>
-              <a:rPr lang="it-IT" dirty="0" smtClean="0">
+              <a:rPr lang="it-IT" dirty="0">
+                <a:solidFill>
+                  <a:srgbClr val="000000"/>
+                </a:solidFill>
+                <a:latin typeface="Consolas" panose="020B0609020204030204" pitchFamily="49" charset="0"/>
+              </a:rPr>
+              <a:t> </a:t>
+            </a:r>
+            <a:r>
+              <a:rPr lang="it-IT" dirty="0">
                 <a:solidFill>
                   <a:srgbClr val="FF0000"/>
                 </a:solidFill>
@@ -14736,16 +14572,16 @@
               <a:t>', Yeni: '</a:t>
             </a:r>
             <a:r>
-              <a:rPr lang="it-IT" dirty="0" smtClean="0">
-                <a:solidFill>
-                  <a:srgbClr val="000000"/>
-                </a:solidFill>
-                <a:latin typeface="Consolas" panose="020B0609020204030204" pitchFamily="49" charset="0"/>
-              </a:rPr>
-              <a:t> </a:t>
-            </a:r>
-            <a:r>
-              <a:rPr lang="it-IT" dirty="0" smtClean="0">
+              <a:rPr lang="it-IT" dirty="0">
+                <a:solidFill>
+                  <a:srgbClr val="000000"/>
+                </a:solidFill>
+                <a:latin typeface="Consolas" panose="020B0609020204030204" pitchFamily="49" charset="0"/>
+              </a:rPr>
+              <a:t> </a:t>
+            </a:r>
+            <a:r>
+              <a:rPr lang="it-IT" dirty="0">
                 <a:solidFill>
                   <a:srgbClr val="808080"/>
                 </a:solidFill>
@@ -14754,7 +14590,7 @@
               <a:t>+</a:t>
             </a:r>
             <a:r>
-              <a:rPr lang="it-IT" dirty="0" smtClean="0">
+              <a:rPr lang="it-IT" dirty="0">
                 <a:solidFill>
                   <a:srgbClr val="000000"/>
                 </a:solidFill>
@@ -14763,7 +14599,7 @@
               <a:t> @NewEmail</a:t>
             </a:r>
             <a:r>
-              <a:rPr lang="it-IT" dirty="0" smtClean="0">
+              <a:rPr lang="it-IT" dirty="0">
                 <a:solidFill>
                   <a:srgbClr val="808080"/>
                 </a:solidFill>
@@ -14771,7 +14607,7 @@
               </a:rPr>
               <a:t>;</a:t>
             </a:r>
-            <a:endParaRPr lang="it-IT" dirty="0" smtClean="0">
+            <a:endParaRPr lang="it-IT" dirty="0">
               <a:solidFill>
                 <a:srgbClr val="000000"/>
               </a:solidFill>
@@ -14780,7 +14616,7 @@
           </a:p>
           <a:p>
             <a:r>
-              <a:rPr lang="tr-TR" dirty="0" smtClean="0">
+              <a:rPr lang="tr-TR" dirty="0">
                 <a:solidFill>
                   <a:srgbClr val="0000FF"/>
                 </a:solidFill>
@@ -14789,7 +14625,7 @@
               <a:t>END</a:t>
             </a:r>
             <a:r>
-              <a:rPr lang="tr-TR" dirty="0" smtClean="0">
+              <a:rPr lang="tr-TR" dirty="0">
                 <a:solidFill>
                   <a:srgbClr val="808080"/>
                 </a:solidFill>
@@ -15125,31 +14961,13 @@
                 </a:solidFill>
                 <a:latin typeface="Consolas" panose="020B0609020204030204" pitchFamily="49" charset="0"/>
               </a:rPr>
-              <a:t>-- </a:t>
-            </a:r>
-            <a:r>
-              <a:rPr lang="tr-TR" dirty="0" smtClean="0">
-                <a:solidFill>
-                  <a:srgbClr val="008000"/>
-                </a:solidFill>
-                <a:latin typeface="Consolas" panose="020B0609020204030204" pitchFamily="49" charset="0"/>
-              </a:rPr>
-              <a:t>Delete </a:t>
-            </a:r>
+              <a:t>-- Delete Trigger</a:t>
+            </a:r>
+          </a:p>
+          <a:p>
             <a:r>
               <a:rPr lang="tr-TR" dirty="0">
                 <a:solidFill>
-                  <a:srgbClr val="008000"/>
-                </a:solidFill>
-                <a:latin typeface="Consolas" panose="020B0609020204030204" pitchFamily="49" charset="0"/>
-              </a:rPr>
-              <a:t>Trigger</a:t>
-            </a:r>
-          </a:p>
-          <a:p>
-            <a:r>
-              <a:rPr lang="tr-TR" dirty="0" smtClean="0">
-                <a:solidFill>
                   <a:srgbClr val="0000FF"/>
                 </a:solidFill>
                 <a:latin typeface="Consolas" panose="020B0609020204030204" pitchFamily="49" charset="0"/>
@@ -15157,7 +14975,7 @@
               <a:t>CREATE</a:t>
             </a:r>
             <a:r>
-              <a:rPr lang="tr-TR" dirty="0" smtClean="0">
+              <a:rPr lang="tr-TR" dirty="0">
                 <a:solidFill>
                   <a:srgbClr val="000000"/>
                 </a:solidFill>
@@ -16356,7 +16174,7 @@
               <a:tabLst/>
             </a:pPr>
             <a:r>
-              <a:rPr kumimoji="0" lang="tr-TR" altLang="tr-TR" sz="1000" b="1" i="0" u="none" strike="noStrike" cap="none" normalizeH="0" baseline="0" dirty="0" smtClean="0">
+              <a:rPr kumimoji="0" lang="tr-TR" altLang="tr-TR" sz="1000" b="1" i="0" u="none" strike="noStrike" cap="none" normalizeH="0" baseline="0" dirty="0">
                 <a:ln>
                   <a:noFill/>
                 </a:ln>
@@ -16369,7 +16187,7 @@
               <a:t>ON DELETE SET NULL</a:t>
             </a:r>
             <a:r>
-              <a:rPr kumimoji="0" lang="tr-TR" altLang="tr-TR" sz="800" b="0" i="0" u="none" strike="noStrike" cap="none" normalizeH="0" baseline="0" dirty="0" smtClean="0">
+              <a:rPr kumimoji="0" lang="tr-TR" altLang="tr-TR" sz="800" b="0" i="0" u="none" strike="noStrike" cap="none" normalizeH="0" baseline="0" dirty="0">
                 <a:ln>
                   <a:noFill/>
                 </a:ln>
@@ -16381,7 +16199,7 @@
               <a:t> özelliği, ilişkili kayıtların değerlerini </a:t>
             </a:r>
             <a:r>
-              <a:rPr kumimoji="0" lang="tr-TR" altLang="tr-TR" sz="1000" b="0" i="0" u="none" strike="noStrike" cap="none" normalizeH="0" baseline="0" dirty="0" smtClean="0">
+              <a:rPr kumimoji="0" lang="tr-TR" altLang="tr-TR" sz="1000" b="0" i="0" u="none" strike="noStrike" cap="none" normalizeH="0" baseline="0" dirty="0">
                 <a:ln>
                   <a:noFill/>
                 </a:ln>
@@ -16394,7 +16212,7 @@
               <a:t>NULL</a:t>
             </a:r>
             <a:r>
-              <a:rPr kumimoji="0" lang="tr-TR" altLang="tr-TR" sz="800" b="0" i="0" u="none" strike="noStrike" cap="none" normalizeH="0" baseline="0" dirty="0" smtClean="0">
+              <a:rPr kumimoji="0" lang="tr-TR" altLang="tr-TR" sz="800" b="0" i="0" u="none" strike="noStrike" cap="none" normalizeH="0" baseline="0" dirty="0">
                 <a:ln>
                   <a:noFill/>
                 </a:ln>
@@ -16405,7 +16223,7 @@
               </a:rPr>
               <a:t> olarak günceller. </a:t>
             </a:r>
-            <a:endParaRPr kumimoji="0" lang="tr-TR" altLang="tr-TR" sz="1800" b="0" i="0" u="none" strike="noStrike" cap="none" normalizeH="0" baseline="0" dirty="0" smtClean="0">
+            <a:endParaRPr kumimoji="0" lang="tr-TR" altLang="tr-TR" sz="1800" b="0" i="0" u="none" strike="noStrike" cap="none" normalizeH="0" baseline="0" dirty="0">
               <a:ln>
                 <a:noFill/>
               </a:ln>
@@ -16799,7 +16617,7 @@
               <a:t>money</a:t>
             </a:r>
             <a:r>
-              <a:rPr lang="en-US" dirty="0" smtClean="0">
+              <a:rPr lang="en-US" dirty="0">
                 <a:solidFill>
                   <a:srgbClr val="808080"/>
                 </a:solidFill>
@@ -16810,7 +16628,7 @@
           </a:p>
           <a:p>
             <a:r>
-              <a:rPr lang="en-US" dirty="0" err="1" smtClean="0">
+              <a:rPr lang="en-US" dirty="0" err="1">
                 <a:solidFill>
                   <a:srgbClr val="000000"/>
                 </a:solidFill>
@@ -16819,7 +16637,7 @@
               <a:t>miktar</a:t>
             </a:r>
             <a:r>
-              <a:rPr lang="en-US" dirty="0" smtClean="0">
+              <a:rPr lang="en-US" dirty="0">
                 <a:solidFill>
                   <a:srgbClr val="000000"/>
                 </a:solidFill>
@@ -17776,13 +17594,6 @@
   <p:clrMapOvr>
     <a:masterClrMapping/>
   </p:clrMapOvr>
-  <p:timing>
-    <p:tnLst>
-      <p:par>
-        <p:cTn id="1" dur="indefinite" restart="never" nodeType="tmRoot"/>
-      </p:par>
-    </p:tnLst>
-  </p:timing>
 </p:sld>
 </file>
 
@@ -17887,7 +17698,7 @@
               <a:t> </a:t>
             </a:r>
             <a:r>
-              <a:rPr lang="en-US" dirty="0" err="1" smtClean="0">
+              <a:rPr lang="en-US" dirty="0" err="1">
                 <a:solidFill>
                   <a:srgbClr val="000000"/>
                 </a:solidFill>
@@ -17896,13 +17707,42 @@
               <a:t>urun_alim</a:t>
             </a:r>
             <a:r>
-              <a:rPr lang="en-US" dirty="0" smtClean="0">
-                <a:solidFill>
-                  <a:srgbClr val="000000"/>
-                </a:solidFill>
-                <a:latin typeface="Consolas" panose="020B0609020204030204" pitchFamily="49" charset="0"/>
-              </a:rPr>
-              <a:t> </a:t>
+              <a:rPr lang="en-US" dirty="0">
+                <a:solidFill>
+                  <a:srgbClr val="000000"/>
+                </a:solidFill>
+                <a:latin typeface="Consolas" panose="020B0609020204030204" pitchFamily="49" charset="0"/>
+              </a:rPr>
+              <a:t> </a:t>
+            </a:r>
+          </a:p>
+          <a:p>
+            <a:r>
+              <a:rPr lang="en-US" dirty="0">
+                <a:solidFill>
+                  <a:srgbClr val="0000FF"/>
+                </a:solidFill>
+                <a:latin typeface="Consolas" panose="020B0609020204030204" pitchFamily="49" charset="0"/>
+              </a:rPr>
+              <a:t>on</a:t>
+            </a:r>
+            <a:r>
+              <a:rPr lang="en-US" dirty="0">
+                <a:solidFill>
+                  <a:srgbClr val="000000"/>
+                </a:solidFill>
+                <a:latin typeface="Consolas" panose="020B0609020204030204" pitchFamily="49" charset="0"/>
+              </a:rPr>
+              <a:t> </a:t>
+            </a:r>
+            <a:r>
+              <a:rPr lang="en-US" dirty="0" err="1">
+                <a:solidFill>
+                  <a:srgbClr val="000000"/>
+                </a:solidFill>
+                <a:latin typeface="Consolas" panose="020B0609020204030204" pitchFamily="49" charset="0"/>
+              </a:rPr>
+              <a:t>alimlar</a:t>
             </a:r>
             <a:endParaRPr lang="en-US" dirty="0">
               <a:solidFill>
@@ -17919,25 +17759,25 @@
                 </a:solidFill>
                 <a:latin typeface="Consolas" panose="020B0609020204030204" pitchFamily="49" charset="0"/>
               </a:rPr>
-              <a:t>on</a:t>
-            </a:r>
-            <a:r>
-              <a:rPr lang="en-US" dirty="0">
-                <a:solidFill>
-                  <a:srgbClr val="000000"/>
-                </a:solidFill>
-                <a:latin typeface="Consolas" panose="020B0609020204030204" pitchFamily="49" charset="0"/>
-              </a:rPr>
-              <a:t> </a:t>
-            </a:r>
-            <a:r>
-              <a:rPr lang="en-US" dirty="0" err="1">
-                <a:solidFill>
-                  <a:srgbClr val="000000"/>
-                </a:solidFill>
-                <a:latin typeface="Consolas" panose="020B0609020204030204" pitchFamily="49" charset="0"/>
-              </a:rPr>
-              <a:t>alimlar</a:t>
+              <a:t>after</a:t>
+            </a:r>
+            <a:r>
+              <a:rPr lang="en-US" dirty="0">
+                <a:solidFill>
+                  <a:srgbClr val="000000"/>
+                </a:solidFill>
+                <a:latin typeface="Consolas" panose="020B0609020204030204" pitchFamily="49" charset="0"/>
+              </a:rPr>
+              <a:t> </a:t>
+            </a:r>
+            <a:r>
+              <a:rPr lang="en-US" dirty="0">
+                <a:solidFill>
+                  <a:srgbClr val="0000FF"/>
+                </a:solidFill>
+                <a:latin typeface="Consolas" panose="020B0609020204030204" pitchFamily="49" charset="0"/>
+              </a:rPr>
+              <a:t>insert</a:t>
             </a:r>
             <a:endParaRPr lang="en-US" dirty="0">
               <a:solidFill>
@@ -17954,25 +17794,7 @@
                 </a:solidFill>
                 <a:latin typeface="Consolas" panose="020B0609020204030204" pitchFamily="49" charset="0"/>
               </a:rPr>
-              <a:t>after</a:t>
-            </a:r>
-            <a:r>
-              <a:rPr lang="en-US" dirty="0">
-                <a:solidFill>
-                  <a:srgbClr val="000000"/>
-                </a:solidFill>
-                <a:latin typeface="Consolas" panose="020B0609020204030204" pitchFamily="49" charset="0"/>
-              </a:rPr>
-              <a:t> </a:t>
-            </a:r>
-            <a:r>
-              <a:rPr lang="en-US" dirty="0">
-                <a:solidFill>
-                  <a:srgbClr val="0000FF"/>
-                </a:solidFill>
-                <a:latin typeface="Consolas" panose="020B0609020204030204" pitchFamily="49" charset="0"/>
-              </a:rPr>
-              <a:t>insert</a:t>
+              <a:t>as</a:t>
             </a:r>
             <a:endParaRPr lang="en-US" dirty="0">
               <a:solidFill>
@@ -17989,7 +17811,88 @@
                 </a:solidFill>
                 <a:latin typeface="Consolas" panose="020B0609020204030204" pitchFamily="49" charset="0"/>
               </a:rPr>
-              <a:t>as</a:t>
+              <a:t>declare</a:t>
+            </a:r>
+            <a:r>
+              <a:rPr lang="en-US" dirty="0">
+                <a:solidFill>
+                  <a:srgbClr val="000000"/>
+                </a:solidFill>
+                <a:latin typeface="Consolas" panose="020B0609020204030204" pitchFamily="49" charset="0"/>
+              </a:rPr>
+              <a:t> @</a:t>
+            </a:r>
+            <a:r>
+              <a:rPr lang="en-US" dirty="0" err="1">
+                <a:solidFill>
+                  <a:srgbClr val="000000"/>
+                </a:solidFill>
+                <a:latin typeface="Consolas" panose="020B0609020204030204" pitchFamily="49" charset="0"/>
+              </a:rPr>
+              <a:t>alim_miktar</a:t>
+            </a:r>
+            <a:r>
+              <a:rPr lang="en-US" dirty="0">
+                <a:solidFill>
+                  <a:srgbClr val="000000"/>
+                </a:solidFill>
+                <a:latin typeface="Consolas" panose="020B0609020204030204" pitchFamily="49" charset="0"/>
+              </a:rPr>
+              <a:t> </a:t>
+            </a:r>
+            <a:r>
+              <a:rPr lang="en-US" dirty="0" err="1">
+                <a:solidFill>
+                  <a:srgbClr val="0000FF"/>
+                </a:solidFill>
+                <a:latin typeface="Consolas" panose="020B0609020204030204" pitchFamily="49" charset="0"/>
+              </a:rPr>
+              <a:t>bigint</a:t>
+            </a:r>
+            <a:r>
+              <a:rPr lang="en-US" dirty="0">
+                <a:solidFill>
+                  <a:srgbClr val="808080"/>
+                </a:solidFill>
+                <a:latin typeface="Consolas" panose="020B0609020204030204" pitchFamily="49" charset="0"/>
+              </a:rPr>
+              <a:t>,</a:t>
+            </a:r>
+            <a:r>
+              <a:rPr lang="en-US" dirty="0">
+                <a:solidFill>
+                  <a:srgbClr val="000000"/>
+                </a:solidFill>
+                <a:latin typeface="Consolas" panose="020B0609020204030204" pitchFamily="49" charset="0"/>
+              </a:rPr>
+              <a:t>@</a:t>
+            </a:r>
+            <a:r>
+              <a:rPr lang="en-US" dirty="0" err="1">
+                <a:solidFill>
+                  <a:srgbClr val="000000"/>
+                </a:solidFill>
+                <a:latin typeface="Consolas" panose="020B0609020204030204" pitchFamily="49" charset="0"/>
+              </a:rPr>
+              <a:t>ur_kodu</a:t>
+            </a:r>
+            <a:r>
+              <a:rPr lang="en-US" dirty="0">
+                <a:solidFill>
+                  <a:srgbClr val="000000"/>
+                </a:solidFill>
+                <a:latin typeface="Consolas" panose="020B0609020204030204" pitchFamily="49" charset="0"/>
+              </a:rPr>
+              <a:t> </a:t>
+            </a:r>
+            <a:r>
+              <a:rPr lang="en-US" dirty="0" err="1">
+                <a:solidFill>
+                  <a:srgbClr val="0000FF"/>
+                </a:solidFill>
+                <a:latin typeface="Consolas" panose="020B0609020204030204" pitchFamily="49" charset="0"/>
+              </a:rPr>
+              <a:t>int</a:t>
             </a:r>
             <a:endParaRPr lang="en-US" dirty="0">
               <a:solidFill>
@@ -18006,7 +17909,7 @@
                 </a:solidFill>
                 <a:latin typeface="Consolas" panose="020B0609020204030204" pitchFamily="49" charset="0"/>
               </a:rPr>
-              <a:t>declare</a:t>
+              <a:t>select</a:t>
             </a:r>
             <a:r>
               <a:rPr lang="en-US" dirty="0">
@@ -18029,180 +17932,82 @@
             <a:r>
               <a:rPr lang="en-US" dirty="0">
                 <a:solidFill>
-                  <a:srgbClr val="000000"/>
-                </a:solidFill>
-                <a:latin typeface="Consolas" panose="020B0609020204030204" pitchFamily="49" charset="0"/>
-              </a:rPr>
-              <a:t> </a:t>
+                  <a:srgbClr val="808080"/>
+                </a:solidFill>
+                <a:latin typeface="Consolas" panose="020B0609020204030204" pitchFamily="49" charset="0"/>
+              </a:rPr>
+              <a:t>=</a:t>
             </a:r>
             <a:r>
               <a:rPr lang="en-US" dirty="0" err="1">
                 <a:solidFill>
+                  <a:srgbClr val="000000"/>
+                </a:solidFill>
+                <a:latin typeface="Consolas" panose="020B0609020204030204" pitchFamily="49" charset="0"/>
+              </a:rPr>
+              <a:t>miktar</a:t>
+            </a:r>
+            <a:r>
+              <a:rPr lang="en-US" dirty="0">
+                <a:solidFill>
+                  <a:srgbClr val="808080"/>
+                </a:solidFill>
+                <a:latin typeface="Consolas" panose="020B0609020204030204" pitchFamily="49" charset="0"/>
+              </a:rPr>
+              <a:t>,</a:t>
+            </a:r>
+            <a:r>
+              <a:rPr lang="en-US" dirty="0">
+                <a:solidFill>
+                  <a:srgbClr val="000000"/>
+                </a:solidFill>
+                <a:latin typeface="Consolas" panose="020B0609020204030204" pitchFamily="49" charset="0"/>
+              </a:rPr>
+              <a:t>@</a:t>
+            </a:r>
+            <a:r>
+              <a:rPr lang="en-US" dirty="0" err="1">
+                <a:solidFill>
+                  <a:srgbClr val="000000"/>
+                </a:solidFill>
+                <a:latin typeface="Consolas" panose="020B0609020204030204" pitchFamily="49" charset="0"/>
+              </a:rPr>
+              <a:t>ur_kodu</a:t>
+            </a:r>
+            <a:r>
+              <a:rPr lang="en-US" dirty="0">
+                <a:solidFill>
+                  <a:srgbClr val="808080"/>
+                </a:solidFill>
+                <a:latin typeface="Consolas" panose="020B0609020204030204" pitchFamily="49" charset="0"/>
+              </a:rPr>
+              <a:t>=</a:t>
+            </a:r>
+            <a:r>
+              <a:rPr lang="en-US" dirty="0" err="1">
+                <a:solidFill>
+                  <a:srgbClr val="000000"/>
+                </a:solidFill>
+                <a:latin typeface="Consolas" panose="020B0609020204030204" pitchFamily="49" charset="0"/>
+              </a:rPr>
+              <a:t>urun_kodu</a:t>
+            </a:r>
+            <a:r>
+              <a:rPr lang="en-US" dirty="0">
+                <a:solidFill>
+                  <a:srgbClr val="000000"/>
+                </a:solidFill>
+                <a:latin typeface="Consolas" panose="020B0609020204030204" pitchFamily="49" charset="0"/>
+              </a:rPr>
+              <a:t> </a:t>
+            </a:r>
+            <a:r>
+              <a:rPr lang="en-US" dirty="0">
+                <a:solidFill>
                   <a:srgbClr val="0000FF"/>
                 </a:solidFill>
                 <a:latin typeface="Consolas" panose="020B0609020204030204" pitchFamily="49" charset="0"/>
               </a:rPr>
-              <a:t>bigint</a:t>
-            </a:r>
-            <a:r>
-              <a:rPr lang="en-US" dirty="0">
-                <a:solidFill>
-                  <a:srgbClr val="808080"/>
-                </a:solidFill>
-                <a:latin typeface="Consolas" panose="020B0609020204030204" pitchFamily="49" charset="0"/>
-              </a:rPr>
-              <a:t>,</a:t>
-            </a:r>
-            <a:r>
-              <a:rPr lang="en-US" dirty="0">
-                <a:solidFill>
-                  <a:srgbClr val="000000"/>
-                </a:solidFill>
-                <a:latin typeface="Consolas" panose="020B0609020204030204" pitchFamily="49" charset="0"/>
-              </a:rPr>
-              <a:t>@</a:t>
-            </a:r>
-            <a:r>
-              <a:rPr lang="en-US" dirty="0" err="1">
-                <a:solidFill>
-                  <a:srgbClr val="000000"/>
-                </a:solidFill>
-                <a:latin typeface="Consolas" panose="020B0609020204030204" pitchFamily="49" charset="0"/>
-              </a:rPr>
-              <a:t>ur_kodu</a:t>
-            </a:r>
-            <a:r>
-              <a:rPr lang="en-US" dirty="0">
-                <a:solidFill>
-                  <a:srgbClr val="000000"/>
-                </a:solidFill>
-                <a:latin typeface="Consolas" panose="020B0609020204030204" pitchFamily="49" charset="0"/>
-              </a:rPr>
-              <a:t> </a:t>
-            </a:r>
-            <a:r>
-              <a:rPr lang="en-US" dirty="0" err="1">
-                <a:solidFill>
-                  <a:srgbClr val="0000FF"/>
-                </a:solidFill>
-                <a:latin typeface="Consolas" panose="020B0609020204030204" pitchFamily="49" charset="0"/>
-              </a:rPr>
-              <a:t>int</a:t>
-            </a:r>
-            <a:endParaRPr lang="en-US" dirty="0">
-              <a:solidFill>
-                <a:srgbClr val="000000"/>
-              </a:solidFill>
-              <a:latin typeface="Consolas" panose="020B0609020204030204" pitchFamily="49" charset="0"/>
-            </a:endParaRPr>
-          </a:p>
-          <a:p>
-            <a:r>
-              <a:rPr lang="en-US" dirty="0">
-                <a:solidFill>
-                  <a:srgbClr val="0000FF"/>
-                </a:solidFill>
-                <a:latin typeface="Consolas" panose="020B0609020204030204" pitchFamily="49" charset="0"/>
-              </a:rPr>
-              <a:t>select</a:t>
-            </a:r>
-            <a:r>
-              <a:rPr lang="en-US" dirty="0">
-                <a:solidFill>
-                  <a:srgbClr val="000000"/>
-                </a:solidFill>
-                <a:latin typeface="Consolas" panose="020B0609020204030204" pitchFamily="49" charset="0"/>
-              </a:rPr>
-              <a:t> @</a:t>
-            </a:r>
-            <a:r>
-              <a:rPr lang="en-US" dirty="0" err="1">
-                <a:solidFill>
-                  <a:srgbClr val="000000"/>
-                </a:solidFill>
-                <a:latin typeface="Consolas" panose="020B0609020204030204" pitchFamily="49" charset="0"/>
-              </a:rPr>
-              <a:t>alim_miktar</a:t>
-            </a:r>
-            <a:r>
-              <a:rPr lang="en-US" dirty="0">
-                <a:solidFill>
-                  <a:srgbClr val="808080"/>
-                </a:solidFill>
-                <a:latin typeface="Consolas" panose="020B0609020204030204" pitchFamily="49" charset="0"/>
-              </a:rPr>
-              <a:t>=</a:t>
-            </a:r>
-            <a:r>
-              <a:rPr lang="en-US" dirty="0" err="1">
-                <a:solidFill>
-                  <a:srgbClr val="000000"/>
-                </a:solidFill>
-                <a:latin typeface="Consolas" panose="020B0609020204030204" pitchFamily="49" charset="0"/>
-              </a:rPr>
-              <a:t>miktar</a:t>
-            </a:r>
-            <a:r>
-              <a:rPr lang="en-US" dirty="0">
-                <a:solidFill>
-                  <a:srgbClr val="808080"/>
-                </a:solidFill>
-                <a:latin typeface="Consolas" panose="020B0609020204030204" pitchFamily="49" charset="0"/>
-              </a:rPr>
-              <a:t>,</a:t>
-            </a:r>
-            <a:r>
-              <a:rPr lang="en-US" dirty="0">
-                <a:solidFill>
-                  <a:srgbClr val="000000"/>
-                </a:solidFill>
-                <a:latin typeface="Consolas" panose="020B0609020204030204" pitchFamily="49" charset="0"/>
-              </a:rPr>
-              <a:t>@</a:t>
-            </a:r>
-            <a:r>
-              <a:rPr lang="en-US" dirty="0" err="1">
-                <a:solidFill>
-                  <a:srgbClr val="000000"/>
-                </a:solidFill>
-                <a:latin typeface="Consolas" panose="020B0609020204030204" pitchFamily="49" charset="0"/>
-              </a:rPr>
-              <a:t>ur_kodu</a:t>
-            </a:r>
-            <a:r>
-              <a:rPr lang="en-US" dirty="0">
-                <a:solidFill>
-                  <a:srgbClr val="808080"/>
-                </a:solidFill>
-                <a:latin typeface="Consolas" panose="020B0609020204030204" pitchFamily="49" charset="0"/>
-              </a:rPr>
-              <a:t>=</a:t>
-            </a:r>
-            <a:r>
-              <a:rPr lang="en-US" dirty="0" err="1">
-                <a:solidFill>
-                  <a:srgbClr val="000000"/>
-                </a:solidFill>
-                <a:latin typeface="Consolas" panose="020B0609020204030204" pitchFamily="49" charset="0"/>
-              </a:rPr>
-              <a:t>urun_kodu</a:t>
-            </a:r>
-            <a:r>
-              <a:rPr lang="en-US" dirty="0">
-                <a:solidFill>
-                  <a:srgbClr val="000000"/>
-                </a:solidFill>
-                <a:latin typeface="Consolas" panose="020B0609020204030204" pitchFamily="49" charset="0"/>
-              </a:rPr>
-              <a:t> </a:t>
-            </a:r>
-            <a:r>
-              <a:rPr lang="en-US" dirty="0">
-                <a:solidFill>
-                  <a:srgbClr val="0000FF"/>
-                </a:solidFill>
-                <a:latin typeface="Consolas" panose="020B0609020204030204" pitchFamily="49" charset="0"/>
-              </a:rPr>
               <a:t>from</a:t>
             </a:r>
             <a:r>
@@ -18217,7 +18022,7 @@
           </a:p>
           <a:p>
             <a:r>
-              <a:rPr lang="en-US" dirty="0" smtClean="0">
+              <a:rPr lang="en-US" dirty="0">
                 <a:solidFill>
                   <a:srgbClr val="FF00FF"/>
                 </a:solidFill>
@@ -18226,7 +18031,7 @@
               <a:t>update</a:t>
             </a:r>
             <a:r>
-              <a:rPr lang="en-US" dirty="0" smtClean="0">
+              <a:rPr lang="en-US" dirty="0">
                 <a:solidFill>
                   <a:srgbClr val="000000"/>
                 </a:solidFill>
@@ -18488,7 +18293,7 @@
               <a:t>(</a:t>
             </a:r>
             <a:r>
-              <a:rPr lang="en-US" dirty="0" smtClean="0">
+              <a:rPr lang="en-US" dirty="0">
                 <a:solidFill>
                   <a:srgbClr val="000000"/>
                 </a:solidFill>
@@ -18497,7 +18302,7 @@
               <a:t>4</a:t>
             </a:r>
             <a:r>
-              <a:rPr lang="en-US" dirty="0" smtClean="0">
+              <a:rPr lang="en-US" dirty="0">
                 <a:solidFill>
                   <a:srgbClr val="808080"/>
                 </a:solidFill>
@@ -18506,7 +18311,7 @@
               <a:t>,</a:t>
             </a:r>
             <a:r>
-              <a:rPr lang="en-US" dirty="0" smtClean="0">
+              <a:rPr lang="en-US" dirty="0">
                 <a:solidFill>
                   <a:srgbClr val="000000"/>
                 </a:solidFill>
@@ -18515,7 +18320,7 @@
               <a:t>5</a:t>
             </a:r>
             <a:r>
-              <a:rPr lang="en-US" dirty="0" smtClean="0">
+              <a:rPr lang="en-US" dirty="0">
                 <a:solidFill>
                   <a:srgbClr val="808080"/>
                 </a:solidFill>
@@ -18524,7 +18329,7 @@
               <a:t>,</a:t>
             </a:r>
             <a:r>
-              <a:rPr lang="en-US" dirty="0" smtClean="0">
+              <a:rPr lang="en-US" dirty="0">
                 <a:solidFill>
                   <a:srgbClr val="FF0000"/>
                 </a:solidFill>
@@ -18533,7 +18338,7 @@
               <a:t>'MMMM'</a:t>
             </a:r>
             <a:r>
-              <a:rPr lang="en-US" dirty="0" smtClean="0">
+              <a:rPr lang="en-US" dirty="0">
                 <a:solidFill>
                   <a:srgbClr val="808080"/>
                 </a:solidFill>
@@ -18542,7 +18347,7 @@
               <a:t>,</a:t>
             </a:r>
             <a:r>
-              <a:rPr lang="en-US" dirty="0" smtClean="0">
+              <a:rPr lang="en-US" dirty="0">
                 <a:solidFill>
                   <a:srgbClr val="FF00FF"/>
                 </a:solidFill>
@@ -18715,13 +18520,6 @@
   <p:clrMapOvr>
     <a:masterClrMapping/>
   </p:clrMapOvr>
-  <p:timing>
-    <p:tnLst>
-      <p:par>
-        <p:cTn id="1" dur="indefinite" restart="never" nodeType="tmRoot"/>
-      </p:par>
-    </p:tnLst>
-  </p:timing>
 </p:sld>
 </file>
 
@@ -18773,7 +18571,7 @@
         </p:nvSpPr>
         <p:spPr>
           <a:xfrm>
-            <a:off x="1773200" y="1678321"/>
+            <a:off x="1897818" y="1686399"/>
             <a:ext cx="8035818" cy="4031873"/>
           </a:xfrm>
           <a:prstGeom prst="rect">
@@ -19072,7 +18870,7 @@
             </a:endParaRPr>
           </a:p>
           <a:p>
-            <a:endParaRPr lang="en-US" sz="1600" dirty="0" smtClean="0">
+            <a:endParaRPr lang="en-US" sz="1600" dirty="0">
               <a:solidFill>
                 <a:srgbClr val="0000FF"/>
               </a:solidFill>
@@ -19081,7 +18879,7 @@
           </a:p>
           <a:p>
             <a:r>
-              <a:rPr lang="en-US" sz="1600" dirty="0" smtClean="0">
+              <a:rPr lang="en-US" sz="1600" dirty="0">
                 <a:solidFill>
                   <a:srgbClr val="0000FF"/>
                 </a:solidFill>
@@ -19090,21 +18888,57 @@
               <a:t>select</a:t>
             </a:r>
             <a:r>
-              <a:rPr lang="en-US" sz="1600" dirty="0" smtClean="0">
-                <a:solidFill>
-                  <a:srgbClr val="000000"/>
-                </a:solidFill>
-                <a:latin typeface="Consolas" panose="020B0609020204030204" pitchFamily="49" charset="0"/>
-              </a:rPr>
-              <a:t> </a:t>
-            </a:r>
-            <a:r>
               <a:rPr lang="en-US" sz="1600" dirty="0">
                 <a:solidFill>
                   <a:srgbClr val="000000"/>
                 </a:solidFill>
                 <a:latin typeface="Consolas" panose="020B0609020204030204" pitchFamily="49" charset="0"/>
               </a:rPr>
+              <a:t> @</a:t>
+            </a:r>
+            <a:r>
+              <a:rPr lang="en-US" sz="1600" dirty="0" err="1">
+                <a:solidFill>
+                  <a:srgbClr val="000000"/>
+                </a:solidFill>
+                <a:latin typeface="Consolas" panose="020B0609020204030204" pitchFamily="49" charset="0"/>
+              </a:rPr>
+              <a:t>satis_miktar</a:t>
+            </a:r>
+            <a:r>
+              <a:rPr lang="en-US" sz="1600" dirty="0">
+                <a:solidFill>
+                  <a:srgbClr val="808080"/>
+                </a:solidFill>
+                <a:latin typeface="Consolas" panose="020B0609020204030204" pitchFamily="49" charset="0"/>
+              </a:rPr>
+              <a:t>=</a:t>
+            </a:r>
+            <a:r>
+              <a:rPr lang="en-US" sz="1600" dirty="0" err="1">
+                <a:solidFill>
+                  <a:srgbClr val="000000"/>
+                </a:solidFill>
+                <a:latin typeface="Consolas" panose="020B0609020204030204" pitchFamily="49" charset="0"/>
+              </a:rPr>
+              <a:t>miktar</a:t>
+            </a:r>
+            <a:r>
+              <a:rPr lang="en-US" sz="1600" dirty="0">
+                <a:solidFill>
+                  <a:srgbClr val="808080"/>
+                </a:solidFill>
+                <a:latin typeface="Consolas" panose="020B0609020204030204" pitchFamily="49" charset="0"/>
+              </a:rPr>
+              <a:t>,</a:t>
+            </a:r>
+            <a:r>
+              <a:rPr lang="en-US" sz="1600" dirty="0">
+                <a:solidFill>
+                  <a:srgbClr val="000000"/>
+                </a:solidFill>
+                <a:latin typeface="Consolas" panose="020B0609020204030204" pitchFamily="49" charset="0"/>
+              </a:rPr>
               <a:t>@</a:t>
             </a:r>
             <a:r>
@@ -19114,7 +18948,7 @@
                 </a:solidFill>
                 <a:latin typeface="Consolas" panose="020B0609020204030204" pitchFamily="49" charset="0"/>
               </a:rPr>
-              <a:t>satis_miktar</a:t>
+              <a:t>ur_kod</a:t>
             </a:r>
             <a:r>
               <a:rPr lang="en-US" sz="1600" dirty="0">
@@ -19132,16 +18966,162 @@
                 </a:solidFill>
                 <a:latin typeface="Consolas" panose="020B0609020204030204" pitchFamily="49" charset="0"/>
               </a:rPr>
+              <a:t>urun_kodu</a:t>
+            </a:r>
+            <a:r>
+              <a:rPr lang="en-US" sz="1600" dirty="0">
+                <a:solidFill>
+                  <a:srgbClr val="000000"/>
+                </a:solidFill>
+                <a:latin typeface="Consolas" panose="020B0609020204030204" pitchFamily="49" charset="0"/>
+              </a:rPr>
+              <a:t> </a:t>
+            </a:r>
+            <a:r>
+              <a:rPr lang="en-US" sz="1600" dirty="0">
+                <a:solidFill>
+                  <a:srgbClr val="0000FF"/>
+                </a:solidFill>
+                <a:latin typeface="Consolas" panose="020B0609020204030204" pitchFamily="49" charset="0"/>
+              </a:rPr>
+              <a:t>from</a:t>
+            </a:r>
+            <a:r>
+              <a:rPr lang="en-US" sz="1600" dirty="0">
+                <a:solidFill>
+                  <a:srgbClr val="000000"/>
+                </a:solidFill>
+                <a:latin typeface="Consolas" panose="020B0609020204030204" pitchFamily="49" charset="0"/>
+              </a:rPr>
+              <a:t> inserted</a:t>
+            </a:r>
+          </a:p>
+          <a:p>
+            <a:r>
+              <a:rPr lang="en-US" sz="1600" dirty="0">
+                <a:solidFill>
+                  <a:srgbClr val="0000FF"/>
+                </a:solidFill>
+                <a:latin typeface="Consolas" panose="020B0609020204030204" pitchFamily="49" charset="0"/>
+              </a:rPr>
+              <a:t>select</a:t>
+            </a:r>
+            <a:r>
+              <a:rPr lang="en-US" sz="1600" dirty="0">
+                <a:solidFill>
+                  <a:srgbClr val="000000"/>
+                </a:solidFill>
+                <a:latin typeface="Consolas" panose="020B0609020204030204" pitchFamily="49" charset="0"/>
+              </a:rPr>
+              <a:t> @</a:t>
+            </a:r>
+            <a:r>
+              <a:rPr lang="en-US" sz="1600" dirty="0" err="1">
+                <a:solidFill>
+                  <a:srgbClr val="000000"/>
+                </a:solidFill>
+                <a:latin typeface="Consolas" panose="020B0609020204030204" pitchFamily="49" charset="0"/>
+              </a:rPr>
+              <a:t>stok_miktar</a:t>
+            </a:r>
+            <a:r>
+              <a:rPr lang="en-US" sz="1600" dirty="0">
+                <a:solidFill>
+                  <a:srgbClr val="808080"/>
+                </a:solidFill>
+                <a:latin typeface="Consolas" panose="020B0609020204030204" pitchFamily="49" charset="0"/>
+              </a:rPr>
+              <a:t>=</a:t>
+            </a:r>
+            <a:r>
+              <a:rPr lang="en-US" sz="1600" dirty="0" err="1">
+                <a:solidFill>
+                  <a:srgbClr val="000000"/>
+                </a:solidFill>
+                <a:latin typeface="Consolas" panose="020B0609020204030204" pitchFamily="49" charset="0"/>
+              </a:rPr>
               <a:t>miktar</a:t>
             </a:r>
             <a:r>
               <a:rPr lang="en-US" sz="1600" dirty="0">
                 <a:solidFill>
+                  <a:srgbClr val="000000"/>
+                </a:solidFill>
+                <a:latin typeface="Consolas" panose="020B0609020204030204" pitchFamily="49" charset="0"/>
+              </a:rPr>
+              <a:t> </a:t>
+            </a:r>
+            <a:r>
+              <a:rPr lang="en-US" sz="1600" dirty="0">
+                <a:solidFill>
+                  <a:srgbClr val="0000FF"/>
+                </a:solidFill>
+                <a:latin typeface="Consolas" panose="020B0609020204030204" pitchFamily="49" charset="0"/>
+              </a:rPr>
+              <a:t>from</a:t>
+            </a:r>
+            <a:r>
+              <a:rPr lang="en-US" sz="1600" dirty="0">
+                <a:solidFill>
+                  <a:srgbClr val="000000"/>
+                </a:solidFill>
+                <a:latin typeface="Consolas" panose="020B0609020204030204" pitchFamily="49" charset="0"/>
+              </a:rPr>
+              <a:t> </a:t>
+            </a:r>
+            <a:r>
+              <a:rPr lang="en-US" sz="1600" dirty="0" err="1">
+                <a:solidFill>
+                  <a:srgbClr val="000000"/>
+                </a:solidFill>
+                <a:latin typeface="Consolas" panose="020B0609020204030204" pitchFamily="49" charset="0"/>
+              </a:rPr>
+              <a:t>urunler</a:t>
+            </a:r>
+            <a:r>
+              <a:rPr lang="en-US" sz="1600" dirty="0">
+                <a:solidFill>
+                  <a:srgbClr val="000000"/>
+                </a:solidFill>
+                <a:latin typeface="Consolas" panose="020B0609020204030204" pitchFamily="49" charset="0"/>
+              </a:rPr>
+              <a:t> </a:t>
+            </a:r>
+            <a:r>
+              <a:rPr lang="en-US" sz="1600" dirty="0">
+                <a:solidFill>
+                  <a:srgbClr val="0000FF"/>
+                </a:solidFill>
+                <a:latin typeface="Consolas" panose="020B0609020204030204" pitchFamily="49" charset="0"/>
+              </a:rPr>
+              <a:t>where</a:t>
+            </a:r>
+            <a:r>
+              <a:rPr lang="en-US" sz="1600" dirty="0">
+                <a:solidFill>
+                  <a:srgbClr val="000000"/>
+                </a:solidFill>
+                <a:latin typeface="Consolas" panose="020B0609020204030204" pitchFamily="49" charset="0"/>
+              </a:rPr>
+              <a:t> </a:t>
+            </a:r>
+            <a:r>
+              <a:rPr lang="en-US" sz="1600" dirty="0" err="1">
+                <a:solidFill>
+                  <a:srgbClr val="000000"/>
+                </a:solidFill>
+                <a:latin typeface="Consolas" panose="020B0609020204030204" pitchFamily="49" charset="0"/>
+              </a:rPr>
+              <a:t>urun_kodu</a:t>
+            </a:r>
+            <a:r>
+              <a:rPr lang="en-US" sz="1600" dirty="0">
+                <a:solidFill>
                   <a:srgbClr val="808080"/>
                 </a:solidFill>
                 <a:latin typeface="Consolas" panose="020B0609020204030204" pitchFamily="49" charset="0"/>
               </a:rPr>
-              <a:t>,</a:t>
+              <a:t>=</a:t>
             </a:r>
             <a:r>
               <a:rPr lang="en-US" sz="1600" dirty="0">
@@ -19161,207 +19141,7 @@
               </a:rPr>
               <a:t>ur_kod</a:t>
             </a:r>
-            <a:r>
-              <a:rPr lang="en-US" sz="1600" dirty="0">
-                <a:solidFill>
-                  <a:srgbClr val="808080"/>
-                </a:solidFill>
-                <a:latin typeface="Consolas" panose="020B0609020204030204" pitchFamily="49" charset="0"/>
-              </a:rPr>
-              <a:t>=</a:t>
-            </a:r>
-            <a:r>
-              <a:rPr lang="en-US" sz="1600" dirty="0" err="1">
-                <a:solidFill>
-                  <a:srgbClr val="000000"/>
-                </a:solidFill>
-                <a:latin typeface="Consolas" panose="020B0609020204030204" pitchFamily="49" charset="0"/>
-              </a:rPr>
-              <a:t>urun_kodu</a:t>
-            </a:r>
-            <a:r>
-              <a:rPr lang="en-US" sz="1600" dirty="0">
-                <a:solidFill>
-                  <a:srgbClr val="000000"/>
-                </a:solidFill>
-                <a:latin typeface="Consolas" panose="020B0609020204030204" pitchFamily="49" charset="0"/>
-              </a:rPr>
-              <a:t> </a:t>
-            </a:r>
-            <a:r>
-              <a:rPr lang="en-US" sz="1600" dirty="0">
-                <a:solidFill>
-                  <a:srgbClr val="0000FF"/>
-                </a:solidFill>
-                <a:latin typeface="Consolas" panose="020B0609020204030204" pitchFamily="49" charset="0"/>
-              </a:rPr>
-              <a:t>from</a:t>
-            </a:r>
-            <a:r>
-              <a:rPr lang="en-US" sz="1600" dirty="0">
-                <a:solidFill>
-                  <a:srgbClr val="000000"/>
-                </a:solidFill>
-                <a:latin typeface="Consolas" panose="020B0609020204030204" pitchFamily="49" charset="0"/>
-              </a:rPr>
-              <a:t> inserted</a:t>
-            </a:r>
-          </a:p>
-          <a:p>
-            <a:r>
-              <a:rPr lang="en-US" sz="1600" dirty="0" smtClean="0">
-                <a:solidFill>
-                  <a:srgbClr val="0000FF"/>
-                </a:solidFill>
-                <a:latin typeface="Consolas" panose="020B0609020204030204" pitchFamily="49" charset="0"/>
-              </a:rPr>
-              <a:t>select</a:t>
-            </a:r>
-            <a:r>
-              <a:rPr lang="en-US" sz="1600" dirty="0" smtClean="0">
-                <a:solidFill>
-                  <a:srgbClr val="000000"/>
-                </a:solidFill>
-                <a:latin typeface="Consolas" panose="020B0609020204030204" pitchFamily="49" charset="0"/>
-              </a:rPr>
-              <a:t> </a:t>
-            </a:r>
-            <a:r>
-              <a:rPr lang="en-US" sz="1600" dirty="0">
-                <a:solidFill>
-                  <a:srgbClr val="000000"/>
-                </a:solidFill>
-                <a:latin typeface="Consolas" panose="020B0609020204030204" pitchFamily="49" charset="0"/>
-              </a:rPr>
-              <a:t>@</a:t>
-            </a:r>
-            <a:r>
-              <a:rPr lang="en-US" sz="1600" dirty="0" err="1">
-                <a:solidFill>
-                  <a:srgbClr val="000000"/>
-                </a:solidFill>
-                <a:latin typeface="Consolas" panose="020B0609020204030204" pitchFamily="49" charset="0"/>
-              </a:rPr>
-              <a:t>stok_miktar</a:t>
-            </a:r>
-            <a:r>
-              <a:rPr lang="en-US" sz="1600" dirty="0">
-                <a:solidFill>
-                  <a:srgbClr val="808080"/>
-                </a:solidFill>
-                <a:latin typeface="Consolas" panose="020B0609020204030204" pitchFamily="49" charset="0"/>
-              </a:rPr>
-              <a:t>=</a:t>
-            </a:r>
-            <a:r>
-              <a:rPr lang="en-US" sz="1600" dirty="0" err="1">
-                <a:solidFill>
-                  <a:srgbClr val="000000"/>
-                </a:solidFill>
-                <a:latin typeface="Consolas" panose="020B0609020204030204" pitchFamily="49" charset="0"/>
-              </a:rPr>
-              <a:t>miktar</a:t>
-            </a:r>
-            <a:r>
-              <a:rPr lang="en-US" sz="1600" dirty="0">
-                <a:solidFill>
-                  <a:srgbClr val="000000"/>
-                </a:solidFill>
-                <a:latin typeface="Consolas" panose="020B0609020204030204" pitchFamily="49" charset="0"/>
-              </a:rPr>
-              <a:t> </a:t>
-            </a:r>
-            <a:r>
-              <a:rPr lang="en-US" sz="1600" dirty="0">
-                <a:solidFill>
-                  <a:srgbClr val="0000FF"/>
-                </a:solidFill>
-                <a:latin typeface="Consolas" panose="020B0609020204030204" pitchFamily="49" charset="0"/>
-              </a:rPr>
-              <a:t>from</a:t>
-            </a:r>
-            <a:r>
-              <a:rPr lang="en-US" sz="1600" dirty="0">
-                <a:solidFill>
-                  <a:srgbClr val="000000"/>
-                </a:solidFill>
-                <a:latin typeface="Consolas" panose="020B0609020204030204" pitchFamily="49" charset="0"/>
-              </a:rPr>
-              <a:t> </a:t>
-            </a:r>
-            <a:r>
-              <a:rPr lang="en-US" sz="1600" dirty="0" err="1">
-                <a:solidFill>
-                  <a:srgbClr val="000000"/>
-                </a:solidFill>
-                <a:latin typeface="Consolas" panose="020B0609020204030204" pitchFamily="49" charset="0"/>
-              </a:rPr>
-              <a:t>urunler</a:t>
-            </a:r>
-            <a:r>
-              <a:rPr lang="en-US" sz="1600" dirty="0">
-                <a:solidFill>
-                  <a:srgbClr val="000000"/>
-                </a:solidFill>
-                <a:latin typeface="Consolas" panose="020B0609020204030204" pitchFamily="49" charset="0"/>
-              </a:rPr>
-              <a:t> </a:t>
-            </a:r>
-            <a:r>
-              <a:rPr lang="en-US" sz="1600" dirty="0">
-                <a:solidFill>
-                  <a:srgbClr val="0000FF"/>
-                </a:solidFill>
-                <a:latin typeface="Consolas" panose="020B0609020204030204" pitchFamily="49" charset="0"/>
-              </a:rPr>
-              <a:t>where</a:t>
-            </a:r>
-            <a:r>
-              <a:rPr lang="en-US" sz="1600" dirty="0">
-                <a:solidFill>
-                  <a:srgbClr val="000000"/>
-                </a:solidFill>
-                <a:latin typeface="Consolas" panose="020B0609020204030204" pitchFamily="49" charset="0"/>
-              </a:rPr>
-              <a:t> </a:t>
-            </a:r>
-            <a:r>
-              <a:rPr lang="en-US" sz="1600" dirty="0" err="1">
-                <a:solidFill>
-                  <a:srgbClr val="000000"/>
-                </a:solidFill>
-                <a:latin typeface="Consolas" panose="020B0609020204030204" pitchFamily="49" charset="0"/>
-              </a:rPr>
-              <a:t>urun_kodu</a:t>
-            </a:r>
-            <a:r>
-              <a:rPr lang="en-US" sz="1600" dirty="0">
-                <a:solidFill>
-                  <a:srgbClr val="808080"/>
-                </a:solidFill>
-                <a:latin typeface="Consolas" panose="020B0609020204030204" pitchFamily="49" charset="0"/>
-              </a:rPr>
-              <a:t>=</a:t>
-            </a:r>
-            <a:r>
-              <a:rPr lang="en-US" sz="1600" dirty="0">
-                <a:solidFill>
-                  <a:srgbClr val="000000"/>
-                </a:solidFill>
-                <a:latin typeface="Consolas" panose="020B0609020204030204" pitchFamily="49" charset="0"/>
-              </a:rPr>
-              <a:t>@</a:t>
-            </a:r>
-            <a:r>
-              <a:rPr lang="en-US" sz="1600" dirty="0" err="1" smtClean="0">
-                <a:solidFill>
-                  <a:srgbClr val="000000"/>
-                </a:solidFill>
-                <a:latin typeface="Consolas" panose="020B0609020204030204" pitchFamily="49" charset="0"/>
-              </a:rPr>
-              <a:t>ur_kod</a:t>
-            </a:r>
-            <a:endParaRPr lang="en-US" sz="1600" dirty="0" smtClean="0">
+            <a:endParaRPr lang="en-US" sz="1600" dirty="0">
               <a:solidFill>
                 <a:srgbClr val="000000"/>
               </a:solidFill>
@@ -19943,7 +19723,7 @@
               <a:t>,</a:t>
             </a:r>
             <a:r>
-              <a:rPr lang="en-US" dirty="0" smtClean="0">
+              <a:rPr lang="en-US" dirty="0">
                 <a:solidFill>
                   <a:srgbClr val="FF0000"/>
                 </a:solidFill>
@@ -19952,7 +19732,7 @@
               <a:t>'MMMM'</a:t>
             </a:r>
             <a:r>
-              <a:rPr lang="en-US" dirty="0" smtClean="0">
+              <a:rPr lang="en-US" dirty="0">
                 <a:solidFill>
                   <a:srgbClr val="808080"/>
                 </a:solidFill>
@@ -19976,16 +19756,7 @@
                 </a:solidFill>
                 <a:latin typeface="Consolas" panose="020B0609020204030204" pitchFamily="49" charset="0"/>
               </a:rPr>
-              <a:t>()</a:t>
-            </a:r>
-            <a:r>
-              <a:rPr lang="en-US" dirty="0" smtClean="0">
-                <a:solidFill>
-                  <a:srgbClr val="808080"/>
-                </a:solidFill>
-                <a:latin typeface="Consolas" panose="020B0609020204030204" pitchFamily="49" charset="0"/>
-              </a:rPr>
-              <a:t>)</a:t>
+              <a:t>())</a:t>
             </a:r>
             <a:endParaRPr lang="en-US" dirty="0">
               <a:solidFill>
@@ -20143,13 +19914,6 @@
   <p:clrMapOvr>
     <a:masterClrMapping/>
   </p:clrMapOvr>
-  <p:timing>
-    <p:tnLst>
-      <p:par>
-        <p:cTn id="1" dur="indefinite" restart="never" nodeType="tmRoot"/>
-      </p:par>
-    </p:tnLst>
-  </p:timing>
 </p:sld>
 </file>
 
@@ -21323,13 +21087,6 @@
   <p:clrMapOvr>
     <a:masterClrMapping/>
   </p:clrMapOvr>
-  <p:timing>
-    <p:tnLst>
-      <p:par>
-        <p:cTn id="1" dur="indefinite" restart="never" nodeType="tmRoot"/>
-      </p:par>
-    </p:tnLst>
-  </p:timing>
 </p:sld>
 </file>
 
@@ -21450,13 +21207,6 @@
   <p:clrMapOvr>
     <a:masterClrMapping/>
   </p:clrMapOvr>
-  <p:timing>
-    <p:tnLst>
-      <p:par>
-        <p:cTn id="1" dur="indefinite" restart="never" nodeType="tmRoot"/>
-      </p:par>
-    </p:tnLst>
-  </p:timing>
 </p:sld>
 </file>
 
@@ -21532,15 +21282,15 @@
           <a:p>
             <a:pPr algn="just"/>
             <a:r>
-              <a:rPr lang="tr-TR" dirty="0" err="1" smtClean="0"/>
+              <a:rPr lang="tr-TR" dirty="0" err="1"/>
               <a:t>SP’leri</a:t>
             </a:r>
             <a:r>
-              <a:rPr lang="tr-TR" dirty="0" smtClean="0"/>
+              <a:rPr lang="tr-TR" dirty="0"/>
               <a:t> düzenlemek için </a:t>
             </a:r>
             <a:r>
-              <a:rPr lang="tr-TR" dirty="0" err="1" smtClean="0">
+              <a:rPr lang="tr-TR" dirty="0" err="1">
                 <a:solidFill>
                   <a:srgbClr val="FF0000"/>
                 </a:solidFill>
@@ -21556,7 +21306,7 @@
               <a:t> </a:t>
             </a:r>
             <a:r>
-              <a:rPr lang="tr-TR" dirty="0" err="1" smtClean="0">
+              <a:rPr lang="tr-TR" dirty="0" err="1">
                 <a:solidFill>
                   <a:srgbClr val="FF0000"/>
                 </a:solidFill>
@@ -21564,7 +21314,7 @@
               <a:t>Procedure</a:t>
             </a:r>
             <a:r>
-              <a:rPr lang="tr-TR" dirty="0" smtClean="0">
+              <a:rPr lang="tr-TR" dirty="0">
                 <a:solidFill>
                   <a:srgbClr val="FF0000"/>
                 </a:solidFill>
@@ -21572,7 +21322,7 @@
               <a:t> </a:t>
             </a:r>
             <a:r>
-              <a:rPr lang="tr-TR" dirty="0" err="1" smtClean="0">
+              <a:rPr lang="tr-TR" dirty="0" err="1">
                 <a:solidFill>
                   <a:srgbClr val="FF0000"/>
                 </a:solidFill>
@@ -21580,7 +21330,7 @@
               <a:t>Proc_ismi</a:t>
             </a:r>
             <a:r>
-              <a:rPr lang="tr-TR" dirty="0" smtClean="0">
+              <a:rPr lang="tr-TR" dirty="0">
                 <a:solidFill>
                   <a:srgbClr val="FF0000"/>
                 </a:solidFill>
@@ -21588,11 +21338,11 @@
               <a:t> </a:t>
             </a:r>
             <a:r>
-              <a:rPr lang="tr-TR" dirty="0" smtClean="0"/>
+              <a:rPr lang="tr-TR" dirty="0"/>
               <a:t>ve Silmek için </a:t>
             </a:r>
             <a:r>
-              <a:rPr lang="tr-TR" dirty="0" err="1" smtClean="0">
+              <a:rPr lang="tr-TR" dirty="0" err="1">
                 <a:solidFill>
                   <a:srgbClr val="FF0000"/>
                 </a:solidFill>
@@ -21600,7 +21350,7 @@
               <a:t>Drop</a:t>
             </a:r>
             <a:r>
-              <a:rPr lang="tr-TR" dirty="0" smtClean="0">
+              <a:rPr lang="tr-TR" dirty="0">
                 <a:solidFill>
                   <a:srgbClr val="FF0000"/>
                 </a:solidFill>
@@ -21608,7 +21358,7 @@
               <a:t> </a:t>
             </a:r>
             <a:r>
-              <a:rPr lang="tr-TR" dirty="0" err="1" smtClean="0">
+              <a:rPr lang="tr-TR" dirty="0" err="1">
                 <a:solidFill>
                   <a:srgbClr val="FF0000"/>
                 </a:solidFill>
@@ -21616,7 +21366,7 @@
               <a:t>Procedure</a:t>
             </a:r>
             <a:r>
-              <a:rPr lang="tr-TR" dirty="0" smtClean="0">
+              <a:rPr lang="tr-TR" dirty="0">
                 <a:solidFill>
                   <a:srgbClr val="FF0000"/>
                 </a:solidFill>
@@ -21624,7 +21374,7 @@
               <a:t> </a:t>
             </a:r>
             <a:r>
-              <a:rPr lang="tr-TR" dirty="0" err="1" smtClean="0">
+              <a:rPr lang="tr-TR" dirty="0" err="1">
                 <a:solidFill>
                   <a:srgbClr val="FF0000"/>
                 </a:solidFill>
@@ -21632,7 +21382,7 @@
               <a:t>proc_ismi</a:t>
             </a:r>
             <a:r>
-              <a:rPr lang="tr-TR" dirty="0" smtClean="0">
+              <a:rPr lang="tr-TR" dirty="0">
                 <a:solidFill>
                   <a:srgbClr val="FF0000"/>
                 </a:solidFill>
@@ -21640,10 +21390,9 @@
               <a:t> </a:t>
             </a:r>
             <a:r>
-              <a:rPr lang="tr-TR" dirty="0" smtClean="0"/>
+              <a:rPr lang="tr-TR" dirty="0"/>
               <a:t>komutları kullanılır. </a:t>
             </a:r>
-            <a:endParaRPr lang="tr-TR" dirty="0"/>
           </a:p>
         </p:txBody>
       </p:sp>
@@ -21720,105 +21469,87 @@
             </a:r>
             <a:r>
               <a:rPr lang="tr-TR" dirty="0"/>
-              <a:t> Yönetim </a:t>
-            </a:r>
-            <a:r>
-              <a:rPr lang="tr-TR" dirty="0" smtClean="0"/>
-              <a:t>Sistemleri 1-2 </a:t>
-            </a:r>
-            <a:r>
-              <a:rPr lang="tr-TR" dirty="0" err="1" smtClean="0"/>
+              <a:t> Yönetim Sistemleri 1-2 </a:t>
+            </a:r>
+            <a:r>
+              <a:rPr lang="tr-TR" dirty="0" err="1"/>
               <a:t>Turtgut</a:t>
             </a:r>
             <a:r>
-              <a:rPr lang="tr-TR" dirty="0" smtClean="0"/>
-              <a:t> </a:t>
-            </a:r>
-            <a:r>
-              <a:rPr lang="tr-TR" dirty="0" err="1" smtClean="0"/>
+              <a:rPr lang="tr-TR" dirty="0"/>
+              <a:t> </a:t>
+            </a:r>
+            <a:r>
+              <a:rPr lang="tr-TR" dirty="0" err="1"/>
               <a:t>Özseven</a:t>
             </a:r>
-            <a:endParaRPr lang="tr-TR" dirty="0" smtClean="0"/>
-          </a:p>
-          <a:p>
-            <a:r>
-              <a:rPr lang="tr-TR" dirty="0" err="1" smtClean="0"/>
+            <a:endParaRPr lang="tr-TR" dirty="0"/>
+          </a:p>
+          <a:p>
+            <a:r>
+              <a:rPr lang="tr-TR" dirty="0" err="1"/>
               <a:t>Veritabanı</a:t>
             </a:r>
             <a:r>
-              <a:rPr lang="tr-TR" dirty="0" smtClean="0"/>
-              <a:t> Yönetim Sistemleri-İbrahim </a:t>
-            </a:r>
-            <a:r>
               <a:rPr lang="tr-TR" dirty="0"/>
-              <a:t>Çil</a:t>
-            </a:r>
-          </a:p>
-          <a:p>
-            <a:r>
-              <a:rPr lang="tr-TR" dirty="0" smtClean="0"/>
+              <a:t> Yönetim Sistemleri-İbrahim Çil</a:t>
+            </a:r>
+          </a:p>
+          <a:p>
+            <a:r>
+              <a:rPr lang="tr-TR" dirty="0"/>
               <a:t>Programlama ve </a:t>
             </a:r>
             <a:r>
-              <a:rPr lang="tr-TR" dirty="0" err="1" smtClean="0"/>
+              <a:rPr lang="tr-TR" dirty="0" err="1"/>
               <a:t>Veritabanı</a:t>
             </a:r>
             <a:r>
-              <a:rPr lang="tr-TR" dirty="0" smtClean="0"/>
+              <a:rPr lang="tr-TR" dirty="0"/>
               <a:t> Mantığı-Kadir Çamoğlu</a:t>
             </a:r>
           </a:p>
           <a:p>
             <a:r>
-              <a:rPr lang="tr-TR" dirty="0" smtClean="0"/>
+              <a:rPr lang="tr-TR" dirty="0"/>
               <a:t>VTYS Ders Notları-Gökhan </a:t>
             </a:r>
             <a:r>
-              <a:rPr lang="tr-TR" dirty="0" err="1" smtClean="0"/>
+              <a:rPr lang="tr-TR" dirty="0" err="1"/>
               <a:t>Memiş</a:t>
             </a:r>
-            <a:endParaRPr lang="tr-TR" dirty="0" smtClean="0"/>
-          </a:p>
-          <a:p>
-            <a:r>
-              <a:rPr lang="tr-TR" dirty="0" smtClean="0"/>
-              <a:t>VTYS </a:t>
-            </a:r>
+            <a:endParaRPr lang="tr-TR" dirty="0"/>
+          </a:p>
+          <a:p>
             <a:r>
               <a:rPr lang="tr-TR" dirty="0"/>
-              <a:t>Ders </a:t>
-            </a:r>
-            <a:r>
-              <a:rPr lang="tr-TR" dirty="0" smtClean="0"/>
-              <a:t>Notları-Fatih Kayaalp </a:t>
-            </a:r>
-            <a:r>
-              <a:rPr lang="tr-TR" dirty="0" err="1" smtClean="0"/>
+              <a:t>VTYS Ders Notları-Fatih Kayaalp </a:t>
+            </a:r>
+            <a:r>
+              <a:rPr lang="tr-TR" dirty="0" err="1"/>
               <a:t>Memiş</a:t>
             </a:r>
-            <a:endParaRPr lang="tr-TR" dirty="0" smtClean="0"/>
-          </a:p>
-          <a:p>
-            <a:r>
-              <a:rPr lang="tr-TR" dirty="0" smtClean="0"/>
+            <a:endParaRPr lang="tr-TR" dirty="0"/>
+          </a:p>
+          <a:p>
+            <a:r>
+              <a:rPr lang="tr-TR" dirty="0"/>
               <a:t>Maltepe </a:t>
             </a:r>
             <a:r>
-              <a:rPr lang="tr-TR" dirty="0" err="1" smtClean="0"/>
+              <a:rPr lang="tr-TR" dirty="0" err="1"/>
               <a:t>Üni</a:t>
             </a:r>
             <a:r>
-              <a:rPr lang="tr-TR" dirty="0" smtClean="0"/>
+              <a:rPr lang="tr-TR" dirty="0"/>
               <a:t>-Yazılım Müh. Ders Notları</a:t>
             </a:r>
-            <a:endParaRPr lang="tr-TR" dirty="0"/>
-          </a:p>
-          <a:p>
-            <a:r>
-              <a:rPr lang="tr-TR" dirty="0" smtClean="0"/>
+          </a:p>
+          <a:p>
+            <a:r>
+              <a:rPr lang="tr-TR" dirty="0"/>
               <a:t>İnternet</a:t>
             </a:r>
-            <a:endParaRPr lang="tr-TR" dirty="0"/>
           </a:p>
           <a:p>
             <a:endParaRPr lang="tr-TR" dirty="0"/>
@@ -21838,13 +21569,6 @@
   <p:clrMapOvr>
     <a:masterClrMapping/>
   </p:clrMapOvr>
-  <p:timing>
-    <p:tnLst>
-      <p:par>
-        <p:cTn id="1" dur="indefinite" restart="never" nodeType="tmRoot"/>
-      </p:par>
-    </p:tnLst>
-  </p:timing>
 </p:sld>
 </file>
 
@@ -21881,10 +21605,9 @@
           <a:lstStyle/>
           <a:p>
             <a:r>
-              <a:rPr lang="tr-TR" dirty="0" smtClean="0"/>
+              <a:rPr lang="tr-TR" dirty="0"/>
               <a:t>Parametreli SP</a:t>
             </a:r>
-            <a:endParaRPr lang="tr-TR" dirty="0"/>
           </a:p>
         </p:txBody>
       </p:sp>
@@ -21917,35 +21640,35 @@
               <a:buNone/>
             </a:pPr>
             <a:r>
-              <a:rPr lang="tr-TR" sz="1800" dirty="0" err="1" smtClean="0"/>
+              <a:rPr lang="tr-TR" sz="1800" dirty="0" err="1"/>
               <a:t>Create</a:t>
             </a:r>
             <a:r>
-              <a:rPr lang="tr-TR" sz="1800" dirty="0" smtClean="0"/>
-              <a:t> </a:t>
-            </a:r>
-            <a:r>
-              <a:rPr lang="tr-TR" sz="1800" dirty="0" err="1" smtClean="0"/>
+              <a:rPr lang="tr-TR" sz="1800" dirty="0"/>
+              <a:t> </a:t>
+            </a:r>
+            <a:r>
+              <a:rPr lang="tr-TR" sz="1800" dirty="0" err="1"/>
               <a:t>Procedure</a:t>
             </a:r>
             <a:r>
-              <a:rPr lang="tr-TR" sz="1800" dirty="0" smtClean="0"/>
+              <a:rPr lang="tr-TR" sz="1800" dirty="0"/>
               <a:t> yazarlar(@</a:t>
             </a:r>
             <a:r>
-              <a:rPr lang="tr-TR" sz="1800" dirty="0" err="1" smtClean="0"/>
+              <a:rPr lang="tr-TR" sz="1800" dirty="0" err="1"/>
               <a:t>yazar_ad</a:t>
             </a:r>
             <a:r>
-              <a:rPr lang="tr-TR" sz="1800" dirty="0" smtClean="0"/>
-              <a:t> </a:t>
-            </a:r>
-            <a:r>
-              <a:rPr lang="tr-TR" sz="1800" dirty="0" err="1" smtClean="0"/>
+              <a:rPr lang="tr-TR" sz="1800" dirty="0"/>
+              <a:t> </a:t>
+            </a:r>
+            <a:r>
+              <a:rPr lang="tr-TR" sz="1800" dirty="0" err="1"/>
               <a:t>varchar</a:t>
             </a:r>
             <a:r>
-              <a:rPr lang="tr-TR" sz="1800" dirty="0" smtClean="0"/>
+              <a:rPr lang="tr-TR" sz="1800" dirty="0"/>
               <a:t>(20)=NULL)</a:t>
             </a:r>
           </a:p>
@@ -21954,7 +21677,7 @@
               <a:buNone/>
             </a:pPr>
             <a:r>
-              <a:rPr lang="tr-TR" sz="1800" dirty="0" smtClean="0"/>
+              <a:rPr lang="tr-TR" sz="1800" dirty="0"/>
               <a:t>As</a:t>
             </a:r>
           </a:p>
@@ -21963,39 +21686,39 @@
               <a:buNone/>
             </a:pPr>
             <a:r>
-              <a:rPr lang="tr-TR" sz="1800" dirty="0" smtClean="0"/>
+              <a:rPr lang="tr-TR" sz="1800" dirty="0"/>
               <a:t>Select * </a:t>
             </a:r>
             <a:r>
-              <a:rPr lang="tr-TR" sz="1800" dirty="0" err="1" smtClean="0"/>
+              <a:rPr lang="tr-TR" sz="1800" dirty="0" err="1"/>
               <a:t>from</a:t>
             </a:r>
             <a:r>
-              <a:rPr lang="tr-TR" sz="1800" dirty="0" smtClean="0"/>
+              <a:rPr lang="tr-TR" sz="1800" dirty="0"/>
               <a:t> kitaplar </a:t>
             </a:r>
             <a:r>
-              <a:rPr lang="tr-TR" sz="1800" dirty="0" err="1" smtClean="0"/>
+              <a:rPr lang="tr-TR" sz="1800" dirty="0" err="1"/>
               <a:t>where</a:t>
             </a:r>
             <a:r>
-              <a:rPr lang="tr-TR" sz="1800" dirty="0" smtClean="0"/>
-              <a:t> </a:t>
-            </a:r>
-            <a:r>
-              <a:rPr lang="tr-TR" sz="1800" dirty="0" err="1" smtClean="0"/>
+              <a:rPr lang="tr-TR" sz="1800" dirty="0"/>
+              <a:t> </a:t>
+            </a:r>
+            <a:r>
+              <a:rPr lang="tr-TR" sz="1800" dirty="0" err="1"/>
               <a:t>yazaradi</a:t>
             </a:r>
             <a:r>
-              <a:rPr lang="tr-TR" sz="1800" dirty="0" smtClean="0"/>
+              <a:rPr lang="tr-TR" sz="1800" dirty="0"/>
               <a:t>=@</a:t>
             </a:r>
             <a:r>
-              <a:rPr lang="tr-TR" sz="1800" dirty="0" err="1" smtClean="0"/>
+              <a:rPr lang="tr-TR" sz="1800" dirty="0" err="1"/>
               <a:t>yazar_ad</a:t>
             </a:r>
             <a:r>
-              <a:rPr lang="tr-TR" sz="1800" dirty="0" smtClean="0"/>
+              <a:rPr lang="tr-TR" sz="1800" dirty="0"/>
               <a:t>)</a:t>
             </a:r>
           </a:p>
@@ -22004,10 +21727,10 @@
               <a:buNone/>
             </a:pPr>
             <a:r>
-              <a:rPr lang="tr-TR" sz="1800" dirty="0" err="1" smtClean="0"/>
+              <a:rPr lang="tr-TR" sz="1800" dirty="0" err="1"/>
               <a:t>Go</a:t>
             </a:r>
-            <a:endParaRPr lang="tr-TR" sz="1800" dirty="0" smtClean="0"/>
+            <a:endParaRPr lang="tr-TR" sz="1800" dirty="0"/>
           </a:p>
           <a:p>
             <a:pPr marL="0" indent="0">
@@ -22019,18 +21742,18 @@
             <a:pPr marL="0" indent="0">
               <a:buNone/>
             </a:pPr>
-            <a:endParaRPr lang="tr-TR" sz="2000" dirty="0" smtClean="0"/>
+            <a:endParaRPr lang="tr-TR" sz="2000" dirty="0"/>
           </a:p>
           <a:p>
             <a:pPr marL="0" indent="0">
               <a:buNone/>
             </a:pPr>
             <a:r>
-              <a:rPr lang="tr-TR" sz="2000" dirty="0" err="1" smtClean="0"/>
+              <a:rPr lang="tr-TR" sz="2000" dirty="0" err="1"/>
               <a:t>Exec</a:t>
             </a:r>
             <a:r>
-              <a:rPr lang="tr-TR" sz="2000" dirty="0" smtClean="0"/>
+              <a:rPr lang="tr-TR" sz="2000" dirty="0"/>
               <a:t> yazarlar  !!! Değil                                        </a:t>
             </a:r>
           </a:p>
@@ -22039,7 +21762,7 @@
               <a:buNone/>
             </a:pPr>
             <a:r>
-              <a:rPr lang="tr-TR" sz="2000" dirty="0" smtClean="0"/>
+              <a:rPr lang="tr-TR" sz="2000" dirty="0"/>
               <a:t>(boş gelir çünkü varsayılan kısım yani Null kısım çalışır)</a:t>
             </a:r>
           </a:p>
@@ -22048,14 +21771,13 @@
               <a:buNone/>
             </a:pPr>
             <a:r>
-              <a:rPr lang="tr-TR" sz="2000" dirty="0" err="1" smtClean="0"/>
+              <a:rPr lang="tr-TR" sz="2000" dirty="0" err="1"/>
               <a:t>Exec</a:t>
             </a:r>
             <a:r>
-              <a:rPr lang="tr-TR" sz="2000" dirty="0" smtClean="0"/>
+              <a:rPr lang="tr-TR" sz="2000" dirty="0"/>
               <a:t> yazarlar ‘Metin’</a:t>
             </a:r>
-            <a:endParaRPr lang="tr-TR" sz="2000" dirty="0"/>
           </a:p>
         </p:txBody>
       </p:sp>
@@ -22415,7 +22137,7 @@
           <a:lstStyle/>
           <a:p>
             <a:r>
-              <a:rPr lang="tr-TR" dirty="0" smtClean="0"/>
+              <a:rPr lang="tr-TR" dirty="0"/>
               <a:t>Kullanıcı Tanımlı Fonksiyonlar</a:t>
             </a:r>
             <a:endParaRPr lang="en-US" dirty="0"/>
@@ -22669,10 +22391,10 @@
               <a:t>kullanılabilmeleridir</a:t>
             </a:r>
             <a:r>
-              <a:rPr lang="en-US" sz="2800" dirty="0" smtClean="0"/>
+              <a:rPr lang="en-US" sz="2800" dirty="0"/>
               <a:t>.</a:t>
             </a:r>
-            <a:endParaRPr lang="tr-TR" sz="2800" dirty="0" smtClean="0"/>
+            <a:endParaRPr lang="tr-TR" sz="2800" dirty="0"/>
           </a:p>
           <a:p>
             <a:pPr marL="457200" lvl="1" indent="0" algn="just">
@@ -22707,29 +22429,29 @@
               <a:t> </a:t>
             </a:r>
             <a:r>
-              <a:rPr lang="en-US" dirty="0" err="1" smtClean="0"/>
+              <a:rPr lang="en-US" dirty="0" err="1"/>
               <a:t>fonksiyonlar</a:t>
             </a:r>
-            <a:endParaRPr lang="tr-TR" dirty="0" smtClean="0"/>
+            <a:endParaRPr lang="tr-TR" dirty="0"/>
           </a:p>
           <a:p>
             <a:pPr marL="457200" lvl="1" indent="0" algn="just">
               <a:buNone/>
             </a:pPr>
             <a:r>
-              <a:rPr lang="tr-TR" dirty="0" smtClean="0"/>
+              <a:rPr lang="tr-TR" dirty="0"/>
               <a:t>2</a:t>
             </a:r>
             <a:r>
-              <a:rPr lang="en-US" dirty="0" smtClean="0"/>
+              <a:rPr lang="en-US" dirty="0"/>
               <a:t>.</a:t>
             </a:r>
             <a:r>
-              <a:rPr lang="en-US" dirty="0" err="1" smtClean="0"/>
+              <a:rPr lang="en-US" dirty="0" err="1"/>
               <a:t>Geriye</a:t>
             </a:r>
             <a:r>
-              <a:rPr lang="en-US" dirty="0" smtClean="0"/>
+              <a:rPr lang="en-US" dirty="0"/>
               <a:t> </a:t>
             </a:r>
             <a:r>
@@ -22757,20 +22479,19 @@
               <a:t> </a:t>
             </a:r>
             <a:r>
-              <a:rPr lang="en-US" dirty="0" err="1" smtClean="0"/>
+              <a:rPr lang="en-US" dirty="0" err="1"/>
               <a:t>fonksiyonlar</a:t>
             </a:r>
-            <a:endParaRPr lang="tr-TR" dirty="0" smtClean="0"/>
+            <a:endParaRPr lang="tr-TR" dirty="0"/>
           </a:p>
           <a:p>
             <a:pPr marL="457200" lvl="1" indent="0" algn="just">
               <a:buNone/>
             </a:pPr>
             <a:r>
-              <a:rPr lang="tr-TR" sz="2400" dirty="0" smtClean="0"/>
+              <a:rPr lang="tr-TR" sz="2400" dirty="0"/>
               <a:t>...</a:t>
             </a:r>
-            <a:endParaRPr lang="tr-TR" sz="2400" dirty="0"/>
           </a:p>
           <a:p>
             <a:pPr marL="457200" lvl="1" indent="0" algn="just">
@@ -22826,11 +22547,11 @@
           <a:lstStyle/>
           <a:p>
             <a:r>
-              <a:rPr lang="en-US" dirty="0" err="1" smtClean="0"/>
+              <a:rPr lang="en-US" dirty="0" err="1"/>
               <a:t>Geriye</a:t>
             </a:r>
             <a:r>
-              <a:rPr lang="en-US" dirty="0" smtClean="0"/>
+              <a:rPr lang="en-US" dirty="0"/>
               <a:t> </a:t>
             </a:r>
             <a:r>
@@ -22858,7 +22579,7 @@
               <a:t> </a:t>
             </a:r>
             <a:r>
-              <a:rPr lang="en-US" dirty="0" err="1" smtClean="0"/>
+              <a:rPr lang="en-US" dirty="0" err="1"/>
               <a:t>fonksiyonlar</a:t>
             </a:r>
             <a:endParaRPr lang="en-US" dirty="0"/>
@@ -22894,11 +22615,11 @@
               <a:buNone/>
             </a:pPr>
             <a:r>
-              <a:rPr lang="en-US" sz="1400" b="1" dirty="0" smtClean="0"/>
+              <a:rPr lang="en-US" sz="1400" b="1" dirty="0"/>
               <a:t>CREATE</a:t>
             </a:r>
             <a:r>
-              <a:rPr lang="en-US" sz="1400" dirty="0" smtClean="0"/>
+              <a:rPr lang="en-US" sz="1400" dirty="0"/>
               <a:t> </a:t>
             </a:r>
             <a:r>
@@ -22967,11 +22688,11 @@
               <a:t>veritürü</a:t>
             </a:r>
             <a:r>
-              <a:rPr lang="en-US" sz="1400" dirty="0" smtClean="0"/>
+              <a:rPr lang="en-US" sz="1400" dirty="0"/>
               <a:t>,</a:t>
             </a:r>
             <a:r>
-              <a:rPr lang="tr-TR" sz="1400" dirty="0" smtClean="0"/>
+              <a:rPr lang="tr-TR" sz="1400" dirty="0"/>
               <a:t> </a:t>
             </a:r>
             <a:r>
@@ -23258,11 +22979,11 @@
           <a:lstStyle/>
           <a:p>
             <a:r>
-              <a:rPr lang="en-US" dirty="0" err="1" smtClean="0"/>
+              <a:rPr lang="en-US" dirty="0" err="1"/>
               <a:t>Geriye</a:t>
             </a:r>
             <a:r>
-              <a:rPr lang="en-US" dirty="0" smtClean="0"/>
+              <a:rPr lang="en-US" dirty="0"/>
               <a:t> </a:t>
             </a:r>
             <a:r>
@@ -23415,7 +23136,7 @@
           <a:lstStyle/>
           <a:p>
             <a:r>
-              <a:rPr lang="tr-TR" dirty="0" smtClean="0"/>
+              <a:rPr lang="tr-TR" dirty="0"/>
               <a:t>Örnek</a:t>
             </a:r>
             <a:endParaRPr lang="en-US" dirty="0"/>
@@ -23532,60 +23253,60 @@
               <a:t>oluşturunuz</a:t>
             </a:r>
             <a:r>
-              <a:rPr lang="en-US" dirty="0" smtClean="0"/>
+              <a:rPr lang="en-US" dirty="0"/>
               <a:t>.</a:t>
             </a:r>
-            <a:endParaRPr lang="tr-TR" dirty="0" smtClean="0"/>
-          </a:p>
-          <a:p>
-            <a:endParaRPr lang="tr-TR" dirty="0" smtClean="0"/>
+            <a:endParaRPr lang="tr-TR" dirty="0"/>
+          </a:p>
+          <a:p>
+            <a:endParaRPr lang="tr-TR" dirty="0"/>
           </a:p>
           <a:p>
             <a:pPr marL="0" indent="0" fontAlgn="base">
               <a:buNone/>
             </a:pPr>
             <a:r>
-              <a:rPr lang="en-US" b="1" dirty="0" smtClean="0"/>
+              <a:rPr lang="en-US" b="1" dirty="0"/>
               <a:t>create</a:t>
             </a:r>
             <a:r>
-              <a:rPr lang="en-US" dirty="0" smtClean="0"/>
-              <a:t> </a:t>
-            </a:r>
-            <a:r>
-              <a:rPr lang="en-US" b="1" dirty="0" smtClean="0"/>
+              <a:rPr lang="en-US" dirty="0"/>
+              <a:t> </a:t>
+            </a:r>
+            <a:r>
+              <a:rPr lang="en-US" b="1" dirty="0"/>
               <a:t>function</a:t>
             </a:r>
             <a:r>
-              <a:rPr lang="en-US" dirty="0" smtClean="0"/>
-              <a:t> </a:t>
-            </a:r>
-            <a:r>
-              <a:rPr lang="en-US" dirty="0" err="1" smtClean="0"/>
+              <a:rPr lang="en-US" dirty="0"/>
+              <a:t> </a:t>
+            </a:r>
+            <a:r>
+              <a:rPr lang="en-US" dirty="0" err="1"/>
               <a:t>fn_Poz</a:t>
             </a:r>
             <a:r>
-              <a:rPr lang="tr-TR" dirty="0" smtClean="0"/>
+              <a:rPr lang="tr-TR" dirty="0"/>
               <a:t>Don</a:t>
             </a:r>
             <a:r>
-              <a:rPr lang="en-US" dirty="0" smtClean="0"/>
+              <a:rPr lang="en-US" dirty="0"/>
               <a:t>(@s1 </a:t>
             </a:r>
             <a:r>
-              <a:rPr lang="en-US" b="1" dirty="0" smtClean="0"/>
+              <a:rPr lang="en-US" b="1" dirty="0"/>
               <a:t>int</a:t>
             </a:r>
             <a:r>
-              <a:rPr lang="en-US" dirty="0" smtClean="0"/>
+              <a:rPr lang="en-US" dirty="0"/>
               <a:t>,@s2 </a:t>
             </a:r>
             <a:r>
-              <a:rPr lang="en-US" b="1" dirty="0" err="1" smtClean="0"/>
+              <a:rPr lang="en-US" b="1" dirty="0" err="1"/>
               <a:t>int</a:t>
             </a:r>
             <a:r>
-              <a:rPr lang="en-US" dirty="0" smtClean="0"/>
+              <a:rPr lang="en-US" dirty="0"/>
               <a:t>)</a:t>
             </a:r>
           </a:p>
@@ -23594,45 +23315,45 @@
               <a:buNone/>
             </a:pPr>
             <a:r>
-              <a:rPr lang="en-US" b="1" dirty="0" smtClean="0"/>
+              <a:rPr lang="en-US" b="1" dirty="0"/>
               <a:t>returns</a:t>
             </a:r>
             <a:r>
-              <a:rPr lang="en-US" dirty="0" smtClean="0"/>
-              <a:t> </a:t>
-            </a:r>
-            <a:r>
-              <a:rPr lang="en-US" b="1" dirty="0" err="1" smtClean="0"/>
+              <a:rPr lang="en-US" dirty="0"/>
+              <a:t> </a:t>
+            </a:r>
+            <a:r>
+              <a:rPr lang="en-US" b="1" dirty="0" err="1"/>
               <a:t>int</a:t>
             </a:r>
-            <a:endParaRPr lang="en-US" dirty="0" smtClean="0"/>
+            <a:endParaRPr lang="en-US" dirty="0"/>
           </a:p>
           <a:p>
             <a:pPr marL="0" indent="0" fontAlgn="base">
               <a:buNone/>
             </a:pPr>
             <a:r>
-              <a:rPr lang="en-US" b="1" dirty="0" smtClean="0"/>
+              <a:rPr lang="en-US" b="1" dirty="0"/>
               <a:t>as</a:t>
             </a:r>
-            <a:endParaRPr lang="en-US" dirty="0" smtClean="0"/>
+            <a:endParaRPr lang="en-US" dirty="0"/>
           </a:p>
           <a:p>
             <a:pPr marL="0" indent="0" fontAlgn="base">
               <a:buNone/>
             </a:pPr>
             <a:r>
-              <a:rPr lang="en-US" b="1" dirty="0" smtClean="0"/>
+              <a:rPr lang="en-US" b="1" dirty="0"/>
               <a:t>Begin</a:t>
             </a:r>
-            <a:endParaRPr lang="tr-TR" b="1" dirty="0" smtClean="0"/>
+            <a:endParaRPr lang="tr-TR" b="1" dirty="0"/>
           </a:p>
           <a:p>
             <a:pPr marL="0" indent="0" fontAlgn="base">
               <a:buNone/>
             </a:pPr>
             <a:r>
-              <a:rPr lang="tr-TR" b="1" dirty="0" smtClean="0">
+              <a:rPr lang="tr-TR" b="1" dirty="0">
                 <a:solidFill>
                   <a:srgbClr val="FF0000"/>
                 </a:solidFill>
@@ -23645,7 +23366,7 @@
               <a:buNone/>
             </a:pPr>
             <a:r>
-              <a:rPr lang="en-US" dirty="0" smtClean="0">
+              <a:rPr lang="en-US" dirty="0">
                 <a:solidFill>
                   <a:srgbClr val="FF0000"/>
                 </a:solidFill>
@@ -23653,7 +23374,7 @@
               <a:t>declare @</a:t>
             </a:r>
             <a:r>
-              <a:rPr lang="en-US" dirty="0" err="1" smtClean="0">
+              <a:rPr lang="en-US" dirty="0" err="1">
                 <a:solidFill>
                   <a:srgbClr val="FF0000"/>
                 </a:solidFill>
@@ -23661,7 +23382,7 @@
               <a:t>sonuc</a:t>
             </a:r>
             <a:r>
-              <a:rPr lang="en-US" dirty="0" smtClean="0">
+              <a:rPr lang="en-US" dirty="0">
                 <a:solidFill>
                   <a:srgbClr val="FF0000"/>
                 </a:solidFill>
@@ -23669,7 +23390,7 @@
               <a:t> </a:t>
             </a:r>
             <a:r>
-              <a:rPr lang="en-US" dirty="0" err="1" smtClean="0">
+              <a:rPr lang="en-US" dirty="0" err="1">
                 <a:solidFill>
                   <a:srgbClr val="FF0000"/>
                 </a:solidFill>
@@ -23677,7 +23398,7 @@
               <a:t>int</a:t>
             </a:r>
             <a:r>
-              <a:rPr lang="en-US" dirty="0" smtClean="0">
+              <a:rPr lang="en-US" dirty="0">
                 <a:solidFill>
                   <a:srgbClr val="FF0000"/>
                 </a:solidFill>
@@ -23690,7 +23411,7 @@
               <a:buNone/>
             </a:pPr>
             <a:r>
-              <a:rPr lang="en-US" dirty="0" smtClean="0">
+              <a:rPr lang="en-US" dirty="0">
                 <a:solidFill>
                   <a:srgbClr val="FF0000"/>
                 </a:solidFill>
@@ -23698,14 +23419,14 @@
               <a:t>return @</a:t>
             </a:r>
             <a:r>
-              <a:rPr lang="en-US" dirty="0" err="1" smtClean="0">
+              <a:rPr lang="en-US" dirty="0" err="1">
                 <a:solidFill>
                   <a:srgbClr val="FF0000"/>
                 </a:solidFill>
               </a:rPr>
               <a:t>sonuc</a:t>
             </a:r>
-            <a:endParaRPr lang="tr-TR" b="1" dirty="0" smtClean="0">
+            <a:endParaRPr lang="tr-TR" b="1" dirty="0">
               <a:solidFill>
                 <a:srgbClr val="FF0000"/>
               </a:solidFill>
@@ -23716,14 +23437,14 @@
               <a:buNone/>
             </a:pPr>
             <a:r>
-              <a:rPr lang="tr-TR" b="1" dirty="0" smtClean="0">
+              <a:rPr lang="tr-TR" b="1" dirty="0">
                 <a:solidFill>
                   <a:srgbClr val="FF0000"/>
                 </a:solidFill>
               </a:rPr>
               <a:t>*/</a:t>
             </a:r>
-            <a:endParaRPr lang="en-US" dirty="0" smtClean="0">
+            <a:endParaRPr lang="en-US" dirty="0">
               <a:solidFill>
                 <a:srgbClr val="FF0000"/>
               </a:solidFill>
@@ -23734,15 +23455,15 @@
               <a:buNone/>
             </a:pPr>
             <a:r>
-              <a:rPr lang="en-US" dirty="0" smtClean="0"/>
+              <a:rPr lang="en-US" dirty="0"/>
               <a:t>  </a:t>
             </a:r>
             <a:r>
-              <a:rPr lang="en-US" b="1" dirty="0" smtClean="0"/>
+              <a:rPr lang="en-US" b="1" dirty="0"/>
               <a:t>return</a:t>
             </a:r>
             <a:r>
-              <a:rPr lang="en-US" dirty="0" smtClean="0"/>
+              <a:rPr lang="en-US" dirty="0"/>
               <a:t> abs(@s1-@s2)</a:t>
             </a:r>
           </a:p>
@@ -23751,23 +23472,23 @@
               <a:buNone/>
             </a:pPr>
             <a:r>
-              <a:rPr lang="en-US" b="1" dirty="0" smtClean="0"/>
+              <a:rPr lang="en-US" b="1" dirty="0"/>
               <a:t>End</a:t>
             </a:r>
-            <a:endParaRPr lang="tr-TR" b="1" dirty="0" smtClean="0"/>
+            <a:endParaRPr lang="tr-TR" b="1" dirty="0"/>
           </a:p>
           <a:p>
             <a:pPr marL="0" indent="0" fontAlgn="base">
               <a:buNone/>
             </a:pPr>
-            <a:endParaRPr lang="tr-TR" b="1" dirty="0" smtClean="0"/>
+            <a:endParaRPr lang="tr-TR" b="1" dirty="0"/>
           </a:p>
           <a:p>
             <a:pPr marL="0" indent="0" fontAlgn="base">
               <a:buNone/>
             </a:pPr>
             <a:r>
-              <a:rPr lang="tr-TR" b="1" dirty="0" smtClean="0"/>
+              <a:rPr lang="tr-TR" b="1" dirty="0"/>
               <a:t>Kullanımı: </a:t>
             </a:r>
             <a:r>
@@ -23779,16 +23500,12 @@
               <a:t> </a:t>
             </a:r>
             <a:r>
-              <a:rPr lang="en-US" dirty="0" err="1" smtClean="0"/>
+              <a:rPr lang="en-US" dirty="0" err="1"/>
               <a:t>dbo.fn_PozDon</a:t>
             </a:r>
             <a:r>
-              <a:rPr lang="en-US" dirty="0" smtClean="0"/>
-              <a:t>(15,20</a:t>
-            </a:r>
-            <a:r>
               <a:rPr lang="en-US" dirty="0"/>
-              <a:t>)</a:t>
+              <a:t>(15,20)</a:t>
             </a:r>
           </a:p>
           <a:p>
